--- a/files/tools/ppt/Role-Play Ideation_FacilitationDeck.pptx
+++ b/files/tools/ppt/Role-Play Ideation_FacilitationDeck.pptx
@@ -2,7 +2,7 @@
 <file path=ppt/presentation.xml><?xml version="1.0" encoding="utf-8"?>
 <p:presentation xmlns:a="http://schemas.openxmlformats.org/drawingml/2006/main" xmlns:r="http://schemas.openxmlformats.org/officeDocument/2006/relationships" xmlns:mc="http://schemas.openxmlformats.org/markup-compatibility/2006" xmlns:mv="urn:schemas-microsoft-com:mac:vml" xmlns:p="http://schemas.openxmlformats.org/presentationml/2006/main" xmlns:c="http://schemas.openxmlformats.org/drawingml/2006/chart" xmlns:dgm="http://schemas.openxmlformats.org/drawingml/2006/diagram" xmlns:o="urn:schemas-microsoft-com:office:office" xmlns:v="urn:schemas-microsoft-com:vml" xmlns:pvml="urn:schemas-microsoft-com:office:powerpoint" xmlns:com="http://schemas.openxmlformats.org/drawingml/2006/compatibility" xmlns:p14="http://schemas.microsoft.com/office/powerpoint/2010/main" xmlns:p15="http://schemas.microsoft.com/office/powerpoint/2012/main" autoCompressPictures="0" embedTrueTypeFonts="1" strictFirstAndLastChars="0" saveSubsetFonts="1">
   <p:sldMasterIdLst>
-    <p:sldMasterId id="2147483659" r:id="rId4"/>
+    <p:sldMasterId id="2147483649" r:id="rId4"/>
   </p:sldMasterIdLst>
   <p:notesMasterIdLst>
     <p:notesMasterId r:id="rId5"/>
@@ -757,7 +757,7 @@
   <p:cSld>
     <p:spTree>
       <p:nvGrpSpPr>
-        <p:cNvPr id="50" name="Shape 50"/>
+        <p:cNvPr id="10" name="Shape 10"/>
         <p:cNvGrpSpPr/>
         <p:nvPr/>
       </p:nvGrpSpPr>
@@ -771,7 +771,7 @@
       </p:grpSpPr>
       <p:sp>
         <p:nvSpPr>
-          <p:cNvPr id="51" name="Google Shape;51;g545bece476_0_2211:notes"/>
+          <p:cNvPr id="11" name="Google Shape;11;g545bece476_0_2211:notes"/>
           <p:cNvSpPr/>
           <p:nvPr>
             <p:ph idx="2" type="sldImg"/>
@@ -806,7 +806,7 @@
       </p:sp>
       <p:sp>
         <p:nvSpPr>
-          <p:cNvPr id="52" name="Google Shape;52;g545bece476_0_2211:notes"/>
+          <p:cNvPr id="12" name="Google Shape;12;g545bece476_0_2211:notes"/>
           <p:cNvSpPr txBox="1"/>
           <p:nvPr>
             <p:ph idx="1" type="body"/>
@@ -997,7 +997,7 @@
   <p:cSld>
     <p:spTree>
       <p:nvGrpSpPr>
-        <p:cNvPr id="102" name="Shape 102"/>
+        <p:cNvPr id="61" name="Shape 61"/>
         <p:cNvGrpSpPr/>
         <p:nvPr/>
       </p:nvGrpSpPr>
@@ -1011,7 +1011,7 @@
       </p:grpSpPr>
       <p:sp>
         <p:nvSpPr>
-          <p:cNvPr id="103" name="Google Shape;103;g545bece476_0_2263:notes"/>
+          <p:cNvPr id="62" name="Google Shape;62;g545bece476_0_2263:notes"/>
           <p:cNvSpPr/>
           <p:nvPr>
             <p:ph idx="2" type="sldImg"/>
@@ -1046,7 +1046,7 @@
       </p:sp>
       <p:sp>
         <p:nvSpPr>
-          <p:cNvPr id="104" name="Google Shape;104;g545bece476_0_2263:notes"/>
+          <p:cNvPr id="63" name="Google Shape;63;g545bece476_0_2263:notes"/>
           <p:cNvSpPr txBox="1"/>
           <p:nvPr>
             <p:ph idx="1" type="body"/>
@@ -1096,7 +1096,7 @@
   <p:cSld>
     <p:spTree>
       <p:nvGrpSpPr>
-        <p:cNvPr id="143" name="Shape 143"/>
+        <p:cNvPr id="101" name="Shape 101"/>
         <p:cNvGrpSpPr/>
         <p:nvPr/>
       </p:nvGrpSpPr>
@@ -1110,7 +1110,7 @@
       </p:grpSpPr>
       <p:sp>
         <p:nvSpPr>
-          <p:cNvPr id="144" name="Google Shape;144;g545bece476_0_2304:notes"/>
+          <p:cNvPr id="102" name="Google Shape;102;g545bece476_0_2304:notes"/>
           <p:cNvSpPr/>
           <p:nvPr>
             <p:ph idx="2" type="sldImg"/>
@@ -1145,7 +1145,7 @@
       </p:sp>
       <p:sp>
         <p:nvSpPr>
-          <p:cNvPr id="145" name="Google Shape;145;g545bece476_0_2304:notes"/>
+          <p:cNvPr id="103" name="Google Shape;103;g545bece476_0_2304:notes"/>
           <p:cNvSpPr txBox="1"/>
           <p:nvPr>
             <p:ph idx="1" type="body"/>
@@ -1195,7 +1195,7 @@
   <p:cSld>
     <p:spTree>
       <p:nvGrpSpPr>
-        <p:cNvPr id="161" name="Shape 161"/>
+        <p:cNvPr id="118" name="Shape 118"/>
         <p:cNvGrpSpPr/>
         <p:nvPr/>
       </p:nvGrpSpPr>
@@ -1209,7 +1209,7 @@
       </p:grpSpPr>
       <p:sp>
         <p:nvSpPr>
-          <p:cNvPr id="162" name="Google Shape;162;g545bece476_0_2322:notes"/>
+          <p:cNvPr id="119" name="Google Shape;119;g545bece476_0_2322:notes"/>
           <p:cNvSpPr/>
           <p:nvPr>
             <p:ph idx="2" type="sldImg"/>
@@ -1244,7 +1244,7 @@
       </p:sp>
       <p:sp>
         <p:nvSpPr>
-          <p:cNvPr id="163" name="Google Shape;163;g545bece476_0_2322:notes"/>
+          <p:cNvPr id="120" name="Google Shape;120;g545bece476_0_2322:notes"/>
           <p:cNvSpPr txBox="1"/>
           <p:nvPr>
             <p:ph idx="1" type="body"/>
@@ -1294,7 +1294,7 @@
   <p:cSld>
     <p:spTree>
       <p:nvGrpSpPr>
-        <p:cNvPr id="190" name="Shape 190"/>
+        <p:cNvPr id="146" name="Shape 146"/>
         <p:cNvGrpSpPr/>
         <p:nvPr/>
       </p:nvGrpSpPr>
@@ -1308,7 +1308,7 @@
       </p:grpSpPr>
       <p:sp>
         <p:nvSpPr>
-          <p:cNvPr id="191" name="Google Shape;191;g545bece476_0_2351:notes"/>
+          <p:cNvPr id="147" name="Google Shape;147;g545bece476_0_2351:notes"/>
           <p:cNvSpPr/>
           <p:nvPr>
             <p:ph idx="2" type="sldImg"/>
@@ -1343,7 +1343,7 @@
       </p:sp>
       <p:sp>
         <p:nvSpPr>
-          <p:cNvPr id="192" name="Google Shape;192;g545bece476_0_2351:notes"/>
+          <p:cNvPr id="148" name="Google Shape;148;g545bece476_0_2351:notes"/>
           <p:cNvSpPr txBox="1"/>
           <p:nvPr>
             <p:ph idx="1" type="body"/>
@@ -1393,7 +1393,7 @@
   <p:cSld>
     <p:spTree>
       <p:nvGrpSpPr>
-        <p:cNvPr id="237" name="Shape 237"/>
+        <p:cNvPr id="192" name="Shape 192"/>
         <p:cNvGrpSpPr/>
         <p:nvPr/>
       </p:nvGrpSpPr>
@@ -1407,7 +1407,7 @@
       </p:grpSpPr>
       <p:sp>
         <p:nvSpPr>
-          <p:cNvPr id="238" name="Google Shape;238;g545bece476_0_2398:notes"/>
+          <p:cNvPr id="193" name="Google Shape;193;g545bece476_0_2398:notes"/>
           <p:cNvSpPr/>
           <p:nvPr>
             <p:ph idx="2" type="sldImg"/>
@@ -1442,7 +1442,7 @@
       </p:sp>
       <p:sp>
         <p:nvSpPr>
-          <p:cNvPr id="239" name="Google Shape;239;g545bece476_0_2398:notes"/>
+          <p:cNvPr id="194" name="Google Shape;194;g545bece476_0_2398:notes"/>
           <p:cNvSpPr txBox="1"/>
           <p:nvPr>
             <p:ph idx="1" type="body"/>
@@ -1488,11 +1488,11 @@
 </file>
 
 <file path=ppt/slideLayouts/slideLayout1.xml><?xml version="1.0" encoding="utf-8"?>
-<p:sldLayout xmlns:a="http://schemas.openxmlformats.org/drawingml/2006/main" xmlns:r="http://schemas.openxmlformats.org/officeDocument/2006/relationships" xmlns:mc="http://schemas.openxmlformats.org/markup-compatibility/2006" xmlns:mv="urn:schemas-microsoft-com:mac:vml" xmlns:p="http://schemas.openxmlformats.org/presentationml/2006/main" xmlns:c="http://schemas.openxmlformats.org/drawingml/2006/chart" xmlns:dgm="http://schemas.openxmlformats.org/drawingml/2006/diagram" xmlns:o="urn:schemas-microsoft-com:office:office" xmlns:v="urn:schemas-microsoft-com:vml" xmlns:pvml="urn:schemas-microsoft-com:office:powerpoint" xmlns:com="http://schemas.openxmlformats.org/drawingml/2006/compatibility" xmlns:p14="http://schemas.microsoft.com/office/powerpoint/2010/main" xmlns:p15="http://schemas.microsoft.com/office/powerpoint/2012/main" matchingName="Title slide" type="title">
-  <p:cSld name="TITLE">
+<p:sldLayout xmlns:a="http://schemas.openxmlformats.org/drawingml/2006/main" xmlns:r="http://schemas.openxmlformats.org/officeDocument/2006/relationships" xmlns:mc="http://schemas.openxmlformats.org/markup-compatibility/2006" xmlns:mv="urn:schemas-microsoft-com:mac:vml" xmlns:p="http://schemas.openxmlformats.org/presentationml/2006/main" xmlns:c="http://schemas.openxmlformats.org/drawingml/2006/chart" xmlns:dgm="http://schemas.openxmlformats.org/drawingml/2006/diagram" xmlns:o="urn:schemas-microsoft-com:office:office" xmlns:v="urn:schemas-microsoft-com:vml" xmlns:pvml="urn:schemas-microsoft-com:office:powerpoint" xmlns:com="http://schemas.openxmlformats.org/drawingml/2006/compatibility" xmlns:p14="http://schemas.microsoft.com/office/powerpoint/2010/main" xmlns:p15="http://schemas.microsoft.com/office/powerpoint/2012/main" matchingName="One column text">
+  <p:cSld name="ONE_COLUMN_TEXT">
     <p:spTree>
       <p:nvGrpSpPr>
-        <p:cNvPr id="9" name="Shape 9"/>
+        <p:cNvPr id="8" name="Shape 8"/>
         <p:cNvGrpSpPr/>
         <p:nvPr/>
       </p:nvGrpSpPr>
@@ -1506,2127 +1506,7 @@
       </p:grpSpPr>
       <p:sp>
         <p:nvSpPr>
-          <p:cNvPr id="10" name="Google Shape;10;p2"/>
-          <p:cNvSpPr txBox="1"/>
-          <p:nvPr>
-            <p:ph type="ctrTitle"/>
-          </p:nvPr>
-        </p:nvSpPr>
-        <p:spPr>
-          <a:xfrm>
-            <a:off x="364478" y="1094388"/>
-            <a:ext cx="9963000" cy="3016800"/>
-          </a:xfrm>
-          <a:prstGeom prst="rect">
-            <a:avLst/>
-          </a:prstGeom>
-        </p:spPr>
-        <p:txBody>
-          <a:bodyPr anchorCtr="0" anchor="b" bIns="116050" lIns="116050" spcFirstLastPara="1" rIns="116050" wrap="square" tIns="116050">
-            <a:noAutofit/>
-          </a:bodyPr>
-          <a:lstStyle>
-            <a:lvl1pPr lvl="0" algn="ctr">
-              <a:spcBef>
-                <a:spcPts val="0"/>
-              </a:spcBef>
-              <a:spcAft>
-                <a:spcPts val="0"/>
-              </a:spcAft>
-              <a:buSzPts val="6600"/>
-              <a:buNone/>
-              <a:defRPr sz="6600"/>
-            </a:lvl1pPr>
-            <a:lvl2pPr lvl="1" algn="ctr">
-              <a:spcBef>
-                <a:spcPts val="0"/>
-              </a:spcBef>
-              <a:spcAft>
-                <a:spcPts val="0"/>
-              </a:spcAft>
-              <a:buSzPts val="6600"/>
-              <a:buNone/>
-              <a:defRPr sz="6600"/>
-            </a:lvl2pPr>
-            <a:lvl3pPr lvl="2" algn="ctr">
-              <a:spcBef>
-                <a:spcPts val="0"/>
-              </a:spcBef>
-              <a:spcAft>
-                <a:spcPts val="0"/>
-              </a:spcAft>
-              <a:buSzPts val="6600"/>
-              <a:buNone/>
-              <a:defRPr sz="6600"/>
-            </a:lvl3pPr>
-            <a:lvl4pPr lvl="3" algn="ctr">
-              <a:spcBef>
-                <a:spcPts val="0"/>
-              </a:spcBef>
-              <a:spcAft>
-                <a:spcPts val="0"/>
-              </a:spcAft>
-              <a:buSzPts val="6600"/>
-              <a:buNone/>
-              <a:defRPr sz="6600"/>
-            </a:lvl4pPr>
-            <a:lvl5pPr lvl="4" algn="ctr">
-              <a:spcBef>
-                <a:spcPts val="0"/>
-              </a:spcBef>
-              <a:spcAft>
-                <a:spcPts val="0"/>
-              </a:spcAft>
-              <a:buSzPts val="6600"/>
-              <a:buNone/>
-              <a:defRPr sz="6600"/>
-            </a:lvl5pPr>
-            <a:lvl6pPr lvl="5" algn="ctr">
-              <a:spcBef>
-                <a:spcPts val="0"/>
-              </a:spcBef>
-              <a:spcAft>
-                <a:spcPts val="0"/>
-              </a:spcAft>
-              <a:buSzPts val="6600"/>
-              <a:buNone/>
-              <a:defRPr sz="6600"/>
-            </a:lvl6pPr>
-            <a:lvl7pPr lvl="6" algn="ctr">
-              <a:spcBef>
-                <a:spcPts val="0"/>
-              </a:spcBef>
-              <a:spcAft>
-                <a:spcPts val="0"/>
-              </a:spcAft>
-              <a:buSzPts val="6600"/>
-              <a:buNone/>
-              <a:defRPr sz="6600"/>
-            </a:lvl7pPr>
-            <a:lvl8pPr lvl="7" algn="ctr">
-              <a:spcBef>
-                <a:spcPts val="0"/>
-              </a:spcBef>
-              <a:spcAft>
-                <a:spcPts val="0"/>
-              </a:spcAft>
-              <a:buSzPts val="6600"/>
-              <a:buNone/>
-              <a:defRPr sz="6600"/>
-            </a:lvl8pPr>
-            <a:lvl9pPr lvl="8" algn="ctr">
-              <a:spcBef>
-                <a:spcPts val="0"/>
-              </a:spcBef>
-              <a:spcAft>
-                <a:spcPts val="0"/>
-              </a:spcAft>
-              <a:buSzPts val="6600"/>
-              <a:buNone/>
-              <a:defRPr sz="6600"/>
-            </a:lvl9pPr>
-          </a:lstStyle>
-          <a:p/>
-        </p:txBody>
-      </p:sp>
-      <p:sp>
-        <p:nvSpPr>
-          <p:cNvPr id="11" name="Google Shape;11;p2"/>
-          <p:cNvSpPr txBox="1"/>
-          <p:nvPr>
-            <p:ph idx="1" type="subTitle"/>
-          </p:nvPr>
-        </p:nvSpPr>
-        <p:spPr>
-          <a:xfrm>
-            <a:off x="364468" y="4165643"/>
-            <a:ext cx="9963000" cy="1164900"/>
-          </a:xfrm>
-          <a:prstGeom prst="rect">
-            <a:avLst/>
-          </a:prstGeom>
-        </p:spPr>
-        <p:txBody>
-          <a:bodyPr anchorCtr="0" anchor="t" bIns="116050" lIns="116050" spcFirstLastPara="1" rIns="116050" wrap="square" tIns="116050">
-            <a:noAutofit/>
-          </a:bodyPr>
-          <a:lstStyle>
-            <a:lvl1pPr lvl="0" algn="ctr">
-              <a:lnSpc>
-                <a:spcPct val="100000"/>
-              </a:lnSpc>
-              <a:spcBef>
-                <a:spcPts val="0"/>
-              </a:spcBef>
-              <a:spcAft>
-                <a:spcPts val="0"/>
-              </a:spcAft>
-              <a:buSzPts val="3600"/>
-              <a:buNone/>
-              <a:defRPr sz="3600"/>
-            </a:lvl1pPr>
-            <a:lvl2pPr lvl="1" algn="ctr">
-              <a:lnSpc>
-                <a:spcPct val="100000"/>
-              </a:lnSpc>
-              <a:spcBef>
-                <a:spcPts val="0"/>
-              </a:spcBef>
-              <a:spcAft>
-                <a:spcPts val="0"/>
-              </a:spcAft>
-              <a:buSzPts val="3600"/>
-              <a:buNone/>
-              <a:defRPr sz="3600"/>
-            </a:lvl2pPr>
-            <a:lvl3pPr lvl="2" algn="ctr">
-              <a:lnSpc>
-                <a:spcPct val="100000"/>
-              </a:lnSpc>
-              <a:spcBef>
-                <a:spcPts val="0"/>
-              </a:spcBef>
-              <a:spcAft>
-                <a:spcPts val="0"/>
-              </a:spcAft>
-              <a:buSzPts val="3600"/>
-              <a:buNone/>
-              <a:defRPr sz="3600"/>
-            </a:lvl3pPr>
-            <a:lvl4pPr lvl="3" algn="ctr">
-              <a:lnSpc>
-                <a:spcPct val="100000"/>
-              </a:lnSpc>
-              <a:spcBef>
-                <a:spcPts val="0"/>
-              </a:spcBef>
-              <a:spcAft>
-                <a:spcPts val="0"/>
-              </a:spcAft>
-              <a:buSzPts val="3600"/>
-              <a:buNone/>
-              <a:defRPr sz="3600"/>
-            </a:lvl4pPr>
-            <a:lvl5pPr lvl="4" algn="ctr">
-              <a:lnSpc>
-                <a:spcPct val="100000"/>
-              </a:lnSpc>
-              <a:spcBef>
-                <a:spcPts val="0"/>
-              </a:spcBef>
-              <a:spcAft>
-                <a:spcPts val="0"/>
-              </a:spcAft>
-              <a:buSzPts val="3600"/>
-              <a:buNone/>
-              <a:defRPr sz="3600"/>
-            </a:lvl5pPr>
-            <a:lvl6pPr lvl="5" algn="ctr">
-              <a:lnSpc>
-                <a:spcPct val="100000"/>
-              </a:lnSpc>
-              <a:spcBef>
-                <a:spcPts val="0"/>
-              </a:spcBef>
-              <a:spcAft>
-                <a:spcPts val="0"/>
-              </a:spcAft>
-              <a:buSzPts val="3600"/>
-              <a:buNone/>
-              <a:defRPr sz="3600"/>
-            </a:lvl6pPr>
-            <a:lvl7pPr lvl="6" algn="ctr">
-              <a:lnSpc>
-                <a:spcPct val="100000"/>
-              </a:lnSpc>
-              <a:spcBef>
-                <a:spcPts val="0"/>
-              </a:spcBef>
-              <a:spcAft>
-                <a:spcPts val="0"/>
-              </a:spcAft>
-              <a:buSzPts val="3600"/>
-              <a:buNone/>
-              <a:defRPr sz="3600"/>
-            </a:lvl7pPr>
-            <a:lvl8pPr lvl="7" algn="ctr">
-              <a:lnSpc>
-                <a:spcPct val="100000"/>
-              </a:lnSpc>
-              <a:spcBef>
-                <a:spcPts val="0"/>
-              </a:spcBef>
-              <a:spcAft>
-                <a:spcPts val="0"/>
-              </a:spcAft>
-              <a:buSzPts val="3600"/>
-              <a:buNone/>
-              <a:defRPr sz="3600"/>
-            </a:lvl8pPr>
-            <a:lvl9pPr lvl="8" algn="ctr">
-              <a:lnSpc>
-                <a:spcPct val="100000"/>
-              </a:lnSpc>
-              <a:spcBef>
-                <a:spcPts val="0"/>
-              </a:spcBef>
-              <a:spcAft>
-                <a:spcPts val="0"/>
-              </a:spcAft>
-              <a:buSzPts val="3600"/>
-              <a:buNone/>
-              <a:defRPr sz="3600"/>
-            </a:lvl9pPr>
-          </a:lstStyle>
-          <a:p/>
-        </p:txBody>
-      </p:sp>
-      <p:sp>
-        <p:nvSpPr>
-          <p:cNvPr id="12" name="Google Shape;12;p2"/>
-          <p:cNvSpPr txBox="1"/>
-          <p:nvPr>
-            <p:ph idx="12" type="sldNum"/>
-          </p:nvPr>
-        </p:nvSpPr>
-        <p:spPr>
-          <a:xfrm>
-            <a:off x="9906772" y="6854072"/>
-            <a:ext cx="641700" cy="578400"/>
-          </a:xfrm>
-          <a:prstGeom prst="rect">
-            <a:avLst/>
-          </a:prstGeom>
-        </p:spPr>
-        <p:txBody>
-          <a:bodyPr anchorCtr="0" anchor="ctr" bIns="116050" lIns="116050" spcFirstLastPara="1" rIns="116050" wrap="square" tIns="116050">
-            <a:noAutofit/>
-          </a:bodyPr>
-          <a:lstStyle>
-            <a:lvl1pPr lvl="0">
-              <a:buNone/>
-              <a:defRPr/>
-            </a:lvl1pPr>
-            <a:lvl2pPr lvl="1">
-              <a:buNone/>
-              <a:defRPr/>
-            </a:lvl2pPr>
-            <a:lvl3pPr lvl="2">
-              <a:buNone/>
-              <a:defRPr/>
-            </a:lvl3pPr>
-            <a:lvl4pPr lvl="3">
-              <a:buNone/>
-              <a:defRPr/>
-            </a:lvl4pPr>
-            <a:lvl5pPr lvl="4">
-              <a:buNone/>
-              <a:defRPr/>
-            </a:lvl5pPr>
-            <a:lvl6pPr lvl="5">
-              <a:buNone/>
-              <a:defRPr/>
-            </a:lvl6pPr>
-            <a:lvl7pPr lvl="6">
-              <a:buNone/>
-              <a:defRPr/>
-            </a:lvl7pPr>
-            <a:lvl8pPr lvl="7">
-              <a:buNone/>
-              <a:defRPr/>
-            </a:lvl8pPr>
-            <a:lvl9pPr lvl="8">
-              <a:buNone/>
-              <a:defRPr/>
-            </a:lvl9pPr>
-          </a:lstStyle>
-          <a:p>
-            <a:pPr indent="0" lvl="0" marL="0" rtl="0" algn="r">
-              <a:spcBef>
-                <a:spcPts val="0"/>
-              </a:spcBef>
-              <a:spcAft>
-                <a:spcPts val="0"/>
-              </a:spcAft>
-              <a:buNone/>
-            </a:pPr>
-            <a:fld id="{00000000-1234-1234-1234-123412341234}" type="slidenum">
-              <a:rPr lang="en"/>
-              <a:t>‹#›</a:t>
-            </a:fld>
-            <a:endParaRPr/>
-          </a:p>
-        </p:txBody>
-      </p:sp>
-    </p:spTree>
-  </p:cSld>
-  <p:clrMapOvr>
-    <a:masterClrMapping/>
-  </p:clrMapOvr>
-</p:sldLayout>
-</file>
-
-<file path=ppt/slideLayouts/slideLayout10.xml><?xml version="1.0" encoding="utf-8"?>
-<p:sldLayout xmlns:a="http://schemas.openxmlformats.org/drawingml/2006/main" xmlns:r="http://schemas.openxmlformats.org/officeDocument/2006/relationships" xmlns:mc="http://schemas.openxmlformats.org/markup-compatibility/2006" xmlns:mv="urn:schemas-microsoft-com:mac:vml" xmlns:p="http://schemas.openxmlformats.org/presentationml/2006/main" xmlns:c="http://schemas.openxmlformats.org/drawingml/2006/chart" xmlns:dgm="http://schemas.openxmlformats.org/drawingml/2006/diagram" xmlns:o="urn:schemas-microsoft-com:office:office" xmlns:v="urn:schemas-microsoft-com:vml" xmlns:pvml="urn:schemas-microsoft-com:office:powerpoint" xmlns:com="http://schemas.openxmlformats.org/drawingml/2006/compatibility" xmlns:p14="http://schemas.microsoft.com/office/powerpoint/2010/main" xmlns:p15="http://schemas.microsoft.com/office/powerpoint/2012/main" matchingName="Big number">
-  <p:cSld name="BIG_NUMBER">
-    <p:spTree>
-      <p:nvGrpSpPr>
-        <p:cNvPr id="44" name="Shape 44"/>
-        <p:cNvGrpSpPr/>
-        <p:nvPr/>
-      </p:nvGrpSpPr>
-      <p:grpSpPr>
-        <a:xfrm>
-          <a:off x="0" y="0"/>
-          <a:ext cx="0" cy="0"/>
-          <a:chOff x="0" y="0"/>
-          <a:chExt cx="0" cy="0"/>
-        </a:xfrm>
-      </p:grpSpPr>
-      <p:sp>
-        <p:nvSpPr>
-          <p:cNvPr id="45" name="Google Shape;45;p11"/>
-          <p:cNvSpPr txBox="1"/>
-          <p:nvPr>
-            <p:ph hasCustomPrompt="1" type="title"/>
-          </p:nvPr>
-        </p:nvSpPr>
-        <p:spPr>
-          <a:xfrm>
-            <a:off x="364468" y="1625801"/>
-            <a:ext cx="9963000" cy="2886000"/>
-          </a:xfrm>
-          <a:prstGeom prst="rect">
-            <a:avLst/>
-          </a:prstGeom>
-        </p:spPr>
-        <p:txBody>
-          <a:bodyPr anchorCtr="0" anchor="b" bIns="116050" lIns="116050" spcFirstLastPara="1" rIns="116050" wrap="square" tIns="116050">
-            <a:noAutofit/>
-          </a:bodyPr>
-          <a:lstStyle>
-            <a:lvl1pPr lvl="0" algn="ctr">
-              <a:spcBef>
-                <a:spcPts val="0"/>
-              </a:spcBef>
-              <a:spcAft>
-                <a:spcPts val="0"/>
-              </a:spcAft>
-              <a:buSzPts val="15200"/>
-              <a:buNone/>
-              <a:defRPr sz="15200"/>
-            </a:lvl1pPr>
-            <a:lvl2pPr lvl="1" algn="ctr">
-              <a:spcBef>
-                <a:spcPts val="0"/>
-              </a:spcBef>
-              <a:spcAft>
-                <a:spcPts val="0"/>
-              </a:spcAft>
-              <a:buSzPts val="15200"/>
-              <a:buNone/>
-              <a:defRPr sz="15200"/>
-            </a:lvl2pPr>
-            <a:lvl3pPr lvl="2" algn="ctr">
-              <a:spcBef>
-                <a:spcPts val="0"/>
-              </a:spcBef>
-              <a:spcAft>
-                <a:spcPts val="0"/>
-              </a:spcAft>
-              <a:buSzPts val="15200"/>
-              <a:buNone/>
-              <a:defRPr sz="15200"/>
-            </a:lvl3pPr>
-            <a:lvl4pPr lvl="3" algn="ctr">
-              <a:spcBef>
-                <a:spcPts val="0"/>
-              </a:spcBef>
-              <a:spcAft>
-                <a:spcPts val="0"/>
-              </a:spcAft>
-              <a:buSzPts val="15200"/>
-              <a:buNone/>
-              <a:defRPr sz="15200"/>
-            </a:lvl4pPr>
-            <a:lvl5pPr lvl="4" algn="ctr">
-              <a:spcBef>
-                <a:spcPts val="0"/>
-              </a:spcBef>
-              <a:spcAft>
-                <a:spcPts val="0"/>
-              </a:spcAft>
-              <a:buSzPts val="15200"/>
-              <a:buNone/>
-              <a:defRPr sz="15200"/>
-            </a:lvl5pPr>
-            <a:lvl6pPr lvl="5" algn="ctr">
-              <a:spcBef>
-                <a:spcPts val="0"/>
-              </a:spcBef>
-              <a:spcAft>
-                <a:spcPts val="0"/>
-              </a:spcAft>
-              <a:buSzPts val="15200"/>
-              <a:buNone/>
-              <a:defRPr sz="15200"/>
-            </a:lvl6pPr>
-            <a:lvl7pPr lvl="6" algn="ctr">
-              <a:spcBef>
-                <a:spcPts val="0"/>
-              </a:spcBef>
-              <a:spcAft>
-                <a:spcPts val="0"/>
-              </a:spcAft>
-              <a:buSzPts val="15200"/>
-              <a:buNone/>
-              <a:defRPr sz="15200"/>
-            </a:lvl7pPr>
-            <a:lvl8pPr lvl="7" algn="ctr">
-              <a:spcBef>
-                <a:spcPts val="0"/>
-              </a:spcBef>
-              <a:spcAft>
-                <a:spcPts val="0"/>
-              </a:spcAft>
-              <a:buSzPts val="15200"/>
-              <a:buNone/>
-              <a:defRPr sz="15200"/>
-            </a:lvl8pPr>
-            <a:lvl9pPr lvl="8" algn="ctr">
-              <a:spcBef>
-                <a:spcPts val="0"/>
-              </a:spcBef>
-              <a:spcAft>
-                <a:spcPts val="0"/>
-              </a:spcAft>
-              <a:buSzPts val="15200"/>
-              <a:buNone/>
-              <a:defRPr sz="15200"/>
-            </a:lvl9pPr>
-          </a:lstStyle>
-          <a:p>
-            <a:r>
-              <a:t>xx%</a:t>
-            </a:r>
-          </a:p>
-        </p:txBody>
-      </p:sp>
-      <p:sp>
-        <p:nvSpPr>
-          <p:cNvPr id="46" name="Google Shape;46;p11"/>
-          <p:cNvSpPr txBox="1"/>
-          <p:nvPr>
-            <p:ph idx="1" type="body"/>
-          </p:nvPr>
-        </p:nvSpPr>
-        <p:spPr>
-          <a:xfrm>
-            <a:off x="364468" y="4633192"/>
-            <a:ext cx="9963000" cy="1911900"/>
-          </a:xfrm>
-          <a:prstGeom prst="rect">
-            <a:avLst/>
-          </a:prstGeom>
-        </p:spPr>
-        <p:txBody>
-          <a:bodyPr anchorCtr="0" anchor="t" bIns="116050" lIns="116050" spcFirstLastPara="1" rIns="116050" wrap="square" tIns="116050">
-            <a:noAutofit/>
-          </a:bodyPr>
-          <a:lstStyle>
-            <a:lvl1pPr indent="-374650" lvl="0" marL="457200" algn="ctr">
-              <a:spcBef>
-                <a:spcPts val="0"/>
-              </a:spcBef>
-              <a:spcAft>
-                <a:spcPts val="0"/>
-              </a:spcAft>
-              <a:buSzPts val="2300"/>
-              <a:buChar char="●"/>
-              <a:defRPr/>
-            </a:lvl1pPr>
-            <a:lvl2pPr indent="-342900" lvl="1" marL="914400" algn="ctr">
-              <a:spcBef>
-                <a:spcPts val="2000"/>
-              </a:spcBef>
-              <a:spcAft>
-                <a:spcPts val="0"/>
-              </a:spcAft>
-              <a:buSzPts val="1800"/>
-              <a:buChar char="○"/>
-              <a:defRPr/>
-            </a:lvl2pPr>
-            <a:lvl3pPr indent="-342900" lvl="2" marL="1371600" algn="ctr">
-              <a:spcBef>
-                <a:spcPts val="2000"/>
-              </a:spcBef>
-              <a:spcAft>
-                <a:spcPts val="0"/>
-              </a:spcAft>
-              <a:buSzPts val="1800"/>
-              <a:buChar char="■"/>
-              <a:defRPr/>
-            </a:lvl3pPr>
-            <a:lvl4pPr indent="-342900" lvl="3" marL="1828800" algn="ctr">
-              <a:spcBef>
-                <a:spcPts val="2000"/>
-              </a:spcBef>
-              <a:spcAft>
-                <a:spcPts val="0"/>
-              </a:spcAft>
-              <a:buSzPts val="1800"/>
-              <a:buChar char="●"/>
-              <a:defRPr/>
-            </a:lvl4pPr>
-            <a:lvl5pPr indent="-342900" lvl="4" marL="2286000" algn="ctr">
-              <a:spcBef>
-                <a:spcPts val="2000"/>
-              </a:spcBef>
-              <a:spcAft>
-                <a:spcPts val="0"/>
-              </a:spcAft>
-              <a:buSzPts val="1800"/>
-              <a:buChar char="○"/>
-              <a:defRPr/>
-            </a:lvl5pPr>
-            <a:lvl6pPr indent="-342900" lvl="5" marL="2743200" algn="ctr">
-              <a:spcBef>
-                <a:spcPts val="2000"/>
-              </a:spcBef>
-              <a:spcAft>
-                <a:spcPts val="0"/>
-              </a:spcAft>
-              <a:buSzPts val="1800"/>
-              <a:buChar char="■"/>
-              <a:defRPr/>
-            </a:lvl6pPr>
-            <a:lvl7pPr indent="-342900" lvl="6" marL="3200400" algn="ctr">
-              <a:spcBef>
-                <a:spcPts val="2000"/>
-              </a:spcBef>
-              <a:spcAft>
-                <a:spcPts val="0"/>
-              </a:spcAft>
-              <a:buSzPts val="1800"/>
-              <a:buChar char="●"/>
-              <a:defRPr/>
-            </a:lvl7pPr>
-            <a:lvl8pPr indent="-342900" lvl="7" marL="3657600" algn="ctr">
-              <a:spcBef>
-                <a:spcPts val="2000"/>
-              </a:spcBef>
-              <a:spcAft>
-                <a:spcPts val="0"/>
-              </a:spcAft>
-              <a:buSzPts val="1800"/>
-              <a:buChar char="○"/>
-              <a:defRPr/>
-            </a:lvl8pPr>
-            <a:lvl9pPr indent="-342900" lvl="8" marL="4114800" algn="ctr">
-              <a:spcBef>
-                <a:spcPts val="2000"/>
-              </a:spcBef>
-              <a:spcAft>
-                <a:spcPts val="2000"/>
-              </a:spcAft>
-              <a:buSzPts val="1800"/>
-              <a:buChar char="■"/>
-              <a:defRPr/>
-            </a:lvl9pPr>
-          </a:lstStyle>
-          <a:p/>
-        </p:txBody>
-      </p:sp>
-      <p:sp>
-        <p:nvSpPr>
-          <p:cNvPr id="47" name="Google Shape;47;p11"/>
-          <p:cNvSpPr txBox="1"/>
-          <p:nvPr>
-            <p:ph idx="12" type="sldNum"/>
-          </p:nvPr>
-        </p:nvSpPr>
-        <p:spPr>
-          <a:xfrm>
-            <a:off x="9906772" y="6854072"/>
-            <a:ext cx="641700" cy="578400"/>
-          </a:xfrm>
-          <a:prstGeom prst="rect">
-            <a:avLst/>
-          </a:prstGeom>
-        </p:spPr>
-        <p:txBody>
-          <a:bodyPr anchorCtr="0" anchor="ctr" bIns="116050" lIns="116050" spcFirstLastPara="1" rIns="116050" wrap="square" tIns="116050">
-            <a:noAutofit/>
-          </a:bodyPr>
-          <a:lstStyle>
-            <a:lvl1pPr lvl="0">
-              <a:buNone/>
-              <a:defRPr/>
-            </a:lvl1pPr>
-            <a:lvl2pPr lvl="1">
-              <a:buNone/>
-              <a:defRPr/>
-            </a:lvl2pPr>
-            <a:lvl3pPr lvl="2">
-              <a:buNone/>
-              <a:defRPr/>
-            </a:lvl3pPr>
-            <a:lvl4pPr lvl="3">
-              <a:buNone/>
-              <a:defRPr/>
-            </a:lvl4pPr>
-            <a:lvl5pPr lvl="4">
-              <a:buNone/>
-              <a:defRPr/>
-            </a:lvl5pPr>
-            <a:lvl6pPr lvl="5">
-              <a:buNone/>
-              <a:defRPr/>
-            </a:lvl6pPr>
-            <a:lvl7pPr lvl="6">
-              <a:buNone/>
-              <a:defRPr/>
-            </a:lvl7pPr>
-            <a:lvl8pPr lvl="7">
-              <a:buNone/>
-              <a:defRPr/>
-            </a:lvl8pPr>
-            <a:lvl9pPr lvl="8">
-              <a:buNone/>
-              <a:defRPr/>
-            </a:lvl9pPr>
-          </a:lstStyle>
-          <a:p>
-            <a:pPr indent="0" lvl="0" marL="0" rtl="0" algn="r">
-              <a:spcBef>
-                <a:spcPts val="0"/>
-              </a:spcBef>
-              <a:spcAft>
-                <a:spcPts val="0"/>
-              </a:spcAft>
-              <a:buNone/>
-            </a:pPr>
-            <a:fld id="{00000000-1234-1234-1234-123412341234}" type="slidenum">
-              <a:rPr lang="en"/>
-              <a:t>‹#›</a:t>
-            </a:fld>
-            <a:endParaRPr/>
-          </a:p>
-        </p:txBody>
-      </p:sp>
-    </p:spTree>
-  </p:cSld>
-  <p:clrMapOvr>
-    <a:masterClrMapping/>
-  </p:clrMapOvr>
-</p:sldLayout>
-</file>
-
-<file path=ppt/slideLayouts/slideLayout11.xml><?xml version="1.0" encoding="utf-8"?>
-<p:sldLayout xmlns:a="http://schemas.openxmlformats.org/drawingml/2006/main" xmlns:r="http://schemas.openxmlformats.org/officeDocument/2006/relationships" xmlns:mc="http://schemas.openxmlformats.org/markup-compatibility/2006" xmlns:mv="urn:schemas-microsoft-com:mac:vml" xmlns:p="http://schemas.openxmlformats.org/presentationml/2006/main" xmlns:c="http://schemas.openxmlformats.org/drawingml/2006/chart" xmlns:dgm="http://schemas.openxmlformats.org/drawingml/2006/diagram" xmlns:o="urn:schemas-microsoft-com:office:office" xmlns:v="urn:schemas-microsoft-com:vml" xmlns:pvml="urn:schemas-microsoft-com:office:powerpoint" xmlns:com="http://schemas.openxmlformats.org/drawingml/2006/compatibility" xmlns:p14="http://schemas.microsoft.com/office/powerpoint/2010/main" xmlns:p15="http://schemas.microsoft.com/office/powerpoint/2012/main" matchingName="Blank" type="blank">
-  <p:cSld name="BLANK">
-    <p:spTree>
-      <p:nvGrpSpPr>
-        <p:cNvPr id="48" name="Shape 48"/>
-        <p:cNvGrpSpPr/>
-        <p:nvPr/>
-      </p:nvGrpSpPr>
-      <p:grpSpPr>
-        <a:xfrm>
-          <a:off x="0" y="0"/>
-          <a:ext cx="0" cy="0"/>
-          <a:chOff x="0" y="0"/>
-          <a:chExt cx="0" cy="0"/>
-        </a:xfrm>
-      </p:grpSpPr>
-      <p:sp>
-        <p:nvSpPr>
-          <p:cNvPr id="49" name="Google Shape;49;p12"/>
-          <p:cNvSpPr txBox="1"/>
-          <p:nvPr>
-            <p:ph idx="12" type="sldNum"/>
-          </p:nvPr>
-        </p:nvSpPr>
-        <p:spPr>
-          <a:xfrm>
-            <a:off x="9906772" y="6854072"/>
-            <a:ext cx="641700" cy="578400"/>
-          </a:xfrm>
-          <a:prstGeom prst="rect">
-            <a:avLst/>
-          </a:prstGeom>
-        </p:spPr>
-        <p:txBody>
-          <a:bodyPr anchorCtr="0" anchor="ctr" bIns="116050" lIns="116050" spcFirstLastPara="1" rIns="116050" wrap="square" tIns="116050">
-            <a:noAutofit/>
-          </a:bodyPr>
-          <a:lstStyle>
-            <a:lvl1pPr lvl="0">
-              <a:buNone/>
-              <a:defRPr/>
-            </a:lvl1pPr>
-            <a:lvl2pPr lvl="1">
-              <a:buNone/>
-              <a:defRPr/>
-            </a:lvl2pPr>
-            <a:lvl3pPr lvl="2">
-              <a:buNone/>
-              <a:defRPr/>
-            </a:lvl3pPr>
-            <a:lvl4pPr lvl="3">
-              <a:buNone/>
-              <a:defRPr/>
-            </a:lvl4pPr>
-            <a:lvl5pPr lvl="4">
-              <a:buNone/>
-              <a:defRPr/>
-            </a:lvl5pPr>
-            <a:lvl6pPr lvl="5">
-              <a:buNone/>
-              <a:defRPr/>
-            </a:lvl6pPr>
-            <a:lvl7pPr lvl="6">
-              <a:buNone/>
-              <a:defRPr/>
-            </a:lvl7pPr>
-            <a:lvl8pPr lvl="7">
-              <a:buNone/>
-              <a:defRPr/>
-            </a:lvl8pPr>
-            <a:lvl9pPr lvl="8">
-              <a:buNone/>
-              <a:defRPr/>
-            </a:lvl9pPr>
-          </a:lstStyle>
-          <a:p>
-            <a:pPr indent="0" lvl="0" marL="0" rtl="0" algn="r">
-              <a:spcBef>
-                <a:spcPts val="0"/>
-              </a:spcBef>
-              <a:spcAft>
-                <a:spcPts val="0"/>
-              </a:spcAft>
-              <a:buNone/>
-            </a:pPr>
-            <a:fld id="{00000000-1234-1234-1234-123412341234}" type="slidenum">
-              <a:rPr lang="en"/>
-              <a:t>‹#›</a:t>
-            </a:fld>
-            <a:endParaRPr/>
-          </a:p>
-        </p:txBody>
-      </p:sp>
-    </p:spTree>
-  </p:cSld>
-  <p:clrMapOvr>
-    <a:masterClrMapping/>
-  </p:clrMapOvr>
-</p:sldLayout>
-</file>
-
-<file path=ppt/slideLayouts/slideLayout2.xml><?xml version="1.0" encoding="utf-8"?>
-<p:sldLayout xmlns:a="http://schemas.openxmlformats.org/drawingml/2006/main" xmlns:r="http://schemas.openxmlformats.org/officeDocument/2006/relationships" xmlns:mc="http://schemas.openxmlformats.org/markup-compatibility/2006" xmlns:mv="urn:schemas-microsoft-com:mac:vml" xmlns:p="http://schemas.openxmlformats.org/presentationml/2006/main" xmlns:c="http://schemas.openxmlformats.org/drawingml/2006/chart" xmlns:dgm="http://schemas.openxmlformats.org/drawingml/2006/diagram" xmlns:o="urn:schemas-microsoft-com:office:office" xmlns:v="urn:schemas-microsoft-com:vml" xmlns:pvml="urn:schemas-microsoft-com:office:powerpoint" xmlns:com="http://schemas.openxmlformats.org/drawingml/2006/compatibility" xmlns:p14="http://schemas.microsoft.com/office/powerpoint/2010/main" xmlns:p15="http://schemas.microsoft.com/office/powerpoint/2012/main" matchingName="Section header" type="secHead">
-  <p:cSld name="SECTION_HEADER">
-    <p:spTree>
-      <p:nvGrpSpPr>
-        <p:cNvPr id="13" name="Shape 13"/>
-        <p:cNvGrpSpPr/>
-        <p:nvPr/>
-      </p:nvGrpSpPr>
-      <p:grpSpPr>
-        <a:xfrm>
-          <a:off x="0" y="0"/>
-          <a:ext cx="0" cy="0"/>
-          <a:chOff x="0" y="0"/>
-          <a:chExt cx="0" cy="0"/>
-        </a:xfrm>
-      </p:grpSpPr>
-      <p:sp>
-        <p:nvSpPr>
-          <p:cNvPr id="14" name="Google Shape;14;p3"/>
-          <p:cNvSpPr txBox="1"/>
-          <p:nvPr>
-            <p:ph type="title"/>
-          </p:nvPr>
-        </p:nvSpPr>
-        <p:spPr>
-          <a:xfrm>
-            <a:off x="364468" y="3161354"/>
-            <a:ext cx="9963000" cy="1237200"/>
-          </a:xfrm>
-          <a:prstGeom prst="rect">
-            <a:avLst/>
-          </a:prstGeom>
-        </p:spPr>
-        <p:txBody>
-          <a:bodyPr anchorCtr="0" anchor="ctr" bIns="116050" lIns="116050" spcFirstLastPara="1" rIns="116050" wrap="square" tIns="116050">
-            <a:noAutofit/>
-          </a:bodyPr>
-          <a:lstStyle>
-            <a:lvl1pPr lvl="0" algn="ctr">
-              <a:spcBef>
-                <a:spcPts val="0"/>
-              </a:spcBef>
-              <a:spcAft>
-                <a:spcPts val="0"/>
-              </a:spcAft>
-              <a:buSzPts val="4600"/>
-              <a:buNone/>
-              <a:defRPr sz="4600"/>
-            </a:lvl1pPr>
-            <a:lvl2pPr lvl="1" algn="ctr">
-              <a:spcBef>
-                <a:spcPts val="0"/>
-              </a:spcBef>
-              <a:spcAft>
-                <a:spcPts val="0"/>
-              </a:spcAft>
-              <a:buSzPts val="4600"/>
-              <a:buNone/>
-              <a:defRPr sz="4600"/>
-            </a:lvl2pPr>
-            <a:lvl3pPr lvl="2" algn="ctr">
-              <a:spcBef>
-                <a:spcPts val="0"/>
-              </a:spcBef>
-              <a:spcAft>
-                <a:spcPts val="0"/>
-              </a:spcAft>
-              <a:buSzPts val="4600"/>
-              <a:buNone/>
-              <a:defRPr sz="4600"/>
-            </a:lvl3pPr>
-            <a:lvl4pPr lvl="3" algn="ctr">
-              <a:spcBef>
-                <a:spcPts val="0"/>
-              </a:spcBef>
-              <a:spcAft>
-                <a:spcPts val="0"/>
-              </a:spcAft>
-              <a:buSzPts val="4600"/>
-              <a:buNone/>
-              <a:defRPr sz="4600"/>
-            </a:lvl4pPr>
-            <a:lvl5pPr lvl="4" algn="ctr">
-              <a:spcBef>
-                <a:spcPts val="0"/>
-              </a:spcBef>
-              <a:spcAft>
-                <a:spcPts val="0"/>
-              </a:spcAft>
-              <a:buSzPts val="4600"/>
-              <a:buNone/>
-              <a:defRPr sz="4600"/>
-            </a:lvl5pPr>
-            <a:lvl6pPr lvl="5" algn="ctr">
-              <a:spcBef>
-                <a:spcPts val="0"/>
-              </a:spcBef>
-              <a:spcAft>
-                <a:spcPts val="0"/>
-              </a:spcAft>
-              <a:buSzPts val="4600"/>
-              <a:buNone/>
-              <a:defRPr sz="4600"/>
-            </a:lvl6pPr>
-            <a:lvl7pPr lvl="6" algn="ctr">
-              <a:spcBef>
-                <a:spcPts val="0"/>
-              </a:spcBef>
-              <a:spcAft>
-                <a:spcPts val="0"/>
-              </a:spcAft>
-              <a:buSzPts val="4600"/>
-              <a:buNone/>
-              <a:defRPr sz="4600"/>
-            </a:lvl7pPr>
-            <a:lvl8pPr lvl="7" algn="ctr">
-              <a:spcBef>
-                <a:spcPts val="0"/>
-              </a:spcBef>
-              <a:spcAft>
-                <a:spcPts val="0"/>
-              </a:spcAft>
-              <a:buSzPts val="4600"/>
-              <a:buNone/>
-              <a:defRPr sz="4600"/>
-            </a:lvl8pPr>
-            <a:lvl9pPr lvl="8" algn="ctr">
-              <a:spcBef>
-                <a:spcPts val="0"/>
-              </a:spcBef>
-              <a:spcAft>
-                <a:spcPts val="0"/>
-              </a:spcAft>
-              <a:buSzPts val="4600"/>
-              <a:buNone/>
-              <a:defRPr sz="4600"/>
-            </a:lvl9pPr>
-          </a:lstStyle>
-          <a:p/>
-        </p:txBody>
-      </p:sp>
-      <p:sp>
-        <p:nvSpPr>
-          <p:cNvPr id="15" name="Google Shape;15;p3"/>
-          <p:cNvSpPr txBox="1"/>
-          <p:nvPr>
-            <p:ph idx="12" type="sldNum"/>
-          </p:nvPr>
-        </p:nvSpPr>
-        <p:spPr>
-          <a:xfrm>
-            <a:off x="9906772" y="6854072"/>
-            <a:ext cx="641700" cy="578400"/>
-          </a:xfrm>
-          <a:prstGeom prst="rect">
-            <a:avLst/>
-          </a:prstGeom>
-        </p:spPr>
-        <p:txBody>
-          <a:bodyPr anchorCtr="0" anchor="ctr" bIns="116050" lIns="116050" spcFirstLastPara="1" rIns="116050" wrap="square" tIns="116050">
-            <a:noAutofit/>
-          </a:bodyPr>
-          <a:lstStyle>
-            <a:lvl1pPr lvl="0">
-              <a:buNone/>
-              <a:defRPr/>
-            </a:lvl1pPr>
-            <a:lvl2pPr lvl="1">
-              <a:buNone/>
-              <a:defRPr/>
-            </a:lvl2pPr>
-            <a:lvl3pPr lvl="2">
-              <a:buNone/>
-              <a:defRPr/>
-            </a:lvl3pPr>
-            <a:lvl4pPr lvl="3">
-              <a:buNone/>
-              <a:defRPr/>
-            </a:lvl4pPr>
-            <a:lvl5pPr lvl="4">
-              <a:buNone/>
-              <a:defRPr/>
-            </a:lvl5pPr>
-            <a:lvl6pPr lvl="5">
-              <a:buNone/>
-              <a:defRPr/>
-            </a:lvl6pPr>
-            <a:lvl7pPr lvl="6">
-              <a:buNone/>
-              <a:defRPr/>
-            </a:lvl7pPr>
-            <a:lvl8pPr lvl="7">
-              <a:buNone/>
-              <a:defRPr/>
-            </a:lvl8pPr>
-            <a:lvl9pPr lvl="8">
-              <a:buNone/>
-              <a:defRPr/>
-            </a:lvl9pPr>
-          </a:lstStyle>
-          <a:p>
-            <a:pPr indent="0" lvl="0" marL="0" rtl="0" algn="r">
-              <a:spcBef>
-                <a:spcPts val="0"/>
-              </a:spcBef>
-              <a:spcAft>
-                <a:spcPts val="0"/>
-              </a:spcAft>
-              <a:buNone/>
-            </a:pPr>
-            <a:fld id="{00000000-1234-1234-1234-123412341234}" type="slidenum">
-              <a:rPr lang="en"/>
-              <a:t>‹#›</a:t>
-            </a:fld>
-            <a:endParaRPr/>
-          </a:p>
-        </p:txBody>
-      </p:sp>
-    </p:spTree>
-  </p:cSld>
-  <p:clrMapOvr>
-    <a:masterClrMapping/>
-  </p:clrMapOvr>
-</p:sldLayout>
-</file>
-
-<file path=ppt/slideLayouts/slideLayout3.xml><?xml version="1.0" encoding="utf-8"?>
-<p:sldLayout xmlns:a="http://schemas.openxmlformats.org/drawingml/2006/main" xmlns:r="http://schemas.openxmlformats.org/officeDocument/2006/relationships" xmlns:mc="http://schemas.openxmlformats.org/markup-compatibility/2006" xmlns:mv="urn:schemas-microsoft-com:mac:vml" xmlns:p="http://schemas.openxmlformats.org/presentationml/2006/main" xmlns:c="http://schemas.openxmlformats.org/drawingml/2006/chart" xmlns:dgm="http://schemas.openxmlformats.org/drawingml/2006/diagram" xmlns:o="urn:schemas-microsoft-com:office:office" xmlns:v="urn:schemas-microsoft-com:vml" xmlns:pvml="urn:schemas-microsoft-com:office:powerpoint" xmlns:com="http://schemas.openxmlformats.org/drawingml/2006/compatibility" xmlns:p14="http://schemas.microsoft.com/office/powerpoint/2010/main" xmlns:p15="http://schemas.microsoft.com/office/powerpoint/2012/main" matchingName="Title and body" type="tx">
-  <p:cSld name="TITLE_AND_BODY">
-    <p:spTree>
-      <p:nvGrpSpPr>
-        <p:cNvPr id="16" name="Shape 16"/>
-        <p:cNvGrpSpPr/>
-        <p:nvPr/>
-      </p:nvGrpSpPr>
-      <p:grpSpPr>
-        <a:xfrm>
-          <a:off x="0" y="0"/>
-          <a:ext cx="0" cy="0"/>
-          <a:chOff x="0" y="0"/>
-          <a:chExt cx="0" cy="0"/>
-        </a:xfrm>
-      </p:grpSpPr>
-      <p:sp>
-        <p:nvSpPr>
-          <p:cNvPr id="17" name="Google Shape;17;p4"/>
-          <p:cNvSpPr txBox="1"/>
-          <p:nvPr>
-            <p:ph type="title"/>
-          </p:nvPr>
-        </p:nvSpPr>
-        <p:spPr>
-          <a:xfrm>
-            <a:off x="364468" y="654105"/>
-            <a:ext cx="9963000" cy="841800"/>
-          </a:xfrm>
-          <a:prstGeom prst="rect">
-            <a:avLst/>
-          </a:prstGeom>
-        </p:spPr>
-        <p:txBody>
-          <a:bodyPr anchorCtr="0" anchor="t" bIns="116050" lIns="116050" spcFirstLastPara="1" rIns="116050" wrap="square" tIns="116050">
-            <a:noAutofit/>
-          </a:bodyPr>
-          <a:lstStyle>
-            <a:lvl1pPr lvl="0">
-              <a:spcBef>
-                <a:spcPts val="0"/>
-              </a:spcBef>
-              <a:spcAft>
-                <a:spcPts val="0"/>
-              </a:spcAft>
-              <a:buSzPts val="3600"/>
-              <a:buNone/>
-              <a:defRPr/>
-            </a:lvl1pPr>
-            <a:lvl2pPr lvl="1">
-              <a:spcBef>
-                <a:spcPts val="0"/>
-              </a:spcBef>
-              <a:spcAft>
-                <a:spcPts val="0"/>
-              </a:spcAft>
-              <a:buSzPts val="3600"/>
-              <a:buNone/>
-              <a:defRPr/>
-            </a:lvl2pPr>
-            <a:lvl3pPr lvl="2">
-              <a:spcBef>
-                <a:spcPts val="0"/>
-              </a:spcBef>
-              <a:spcAft>
-                <a:spcPts val="0"/>
-              </a:spcAft>
-              <a:buSzPts val="3600"/>
-              <a:buNone/>
-              <a:defRPr/>
-            </a:lvl3pPr>
-            <a:lvl4pPr lvl="3">
-              <a:spcBef>
-                <a:spcPts val="0"/>
-              </a:spcBef>
-              <a:spcAft>
-                <a:spcPts val="0"/>
-              </a:spcAft>
-              <a:buSzPts val="3600"/>
-              <a:buNone/>
-              <a:defRPr/>
-            </a:lvl4pPr>
-            <a:lvl5pPr lvl="4">
-              <a:spcBef>
-                <a:spcPts val="0"/>
-              </a:spcBef>
-              <a:spcAft>
-                <a:spcPts val="0"/>
-              </a:spcAft>
-              <a:buSzPts val="3600"/>
-              <a:buNone/>
-              <a:defRPr/>
-            </a:lvl5pPr>
-            <a:lvl6pPr lvl="5">
-              <a:spcBef>
-                <a:spcPts val="0"/>
-              </a:spcBef>
-              <a:spcAft>
-                <a:spcPts val="0"/>
-              </a:spcAft>
-              <a:buSzPts val="3600"/>
-              <a:buNone/>
-              <a:defRPr/>
-            </a:lvl6pPr>
-            <a:lvl7pPr lvl="6">
-              <a:spcBef>
-                <a:spcPts val="0"/>
-              </a:spcBef>
-              <a:spcAft>
-                <a:spcPts val="0"/>
-              </a:spcAft>
-              <a:buSzPts val="3600"/>
-              <a:buNone/>
-              <a:defRPr/>
-            </a:lvl7pPr>
-            <a:lvl8pPr lvl="7">
-              <a:spcBef>
-                <a:spcPts val="0"/>
-              </a:spcBef>
-              <a:spcAft>
-                <a:spcPts val="0"/>
-              </a:spcAft>
-              <a:buSzPts val="3600"/>
-              <a:buNone/>
-              <a:defRPr/>
-            </a:lvl8pPr>
-            <a:lvl9pPr lvl="8">
-              <a:spcBef>
-                <a:spcPts val="0"/>
-              </a:spcBef>
-              <a:spcAft>
-                <a:spcPts val="0"/>
-              </a:spcAft>
-              <a:buSzPts val="3600"/>
-              <a:buNone/>
-              <a:defRPr/>
-            </a:lvl9pPr>
-          </a:lstStyle>
-          <a:p/>
-        </p:txBody>
-      </p:sp>
-      <p:sp>
-        <p:nvSpPr>
-          <p:cNvPr id="18" name="Google Shape;18;p4"/>
-          <p:cNvSpPr txBox="1"/>
-          <p:nvPr>
-            <p:ph idx="1" type="body"/>
-          </p:nvPr>
-        </p:nvSpPr>
-        <p:spPr>
-          <a:xfrm>
-            <a:off x="364468" y="1693927"/>
-            <a:ext cx="9963000" cy="5021400"/>
-          </a:xfrm>
-          <a:prstGeom prst="rect">
-            <a:avLst/>
-          </a:prstGeom>
-        </p:spPr>
-        <p:txBody>
-          <a:bodyPr anchorCtr="0" anchor="t" bIns="116050" lIns="116050" spcFirstLastPara="1" rIns="116050" wrap="square" tIns="116050">
-            <a:noAutofit/>
-          </a:bodyPr>
-          <a:lstStyle>
-            <a:lvl1pPr indent="-374650" lvl="0" marL="457200">
-              <a:spcBef>
-                <a:spcPts val="0"/>
-              </a:spcBef>
-              <a:spcAft>
-                <a:spcPts val="0"/>
-              </a:spcAft>
-              <a:buSzPts val="2300"/>
-              <a:buChar char="●"/>
-              <a:defRPr/>
-            </a:lvl1pPr>
-            <a:lvl2pPr indent="-342900" lvl="1" marL="914400">
-              <a:spcBef>
-                <a:spcPts val="2000"/>
-              </a:spcBef>
-              <a:spcAft>
-                <a:spcPts val="0"/>
-              </a:spcAft>
-              <a:buSzPts val="1800"/>
-              <a:buChar char="○"/>
-              <a:defRPr/>
-            </a:lvl2pPr>
-            <a:lvl3pPr indent="-342900" lvl="2" marL="1371600">
-              <a:spcBef>
-                <a:spcPts val="2000"/>
-              </a:spcBef>
-              <a:spcAft>
-                <a:spcPts val="0"/>
-              </a:spcAft>
-              <a:buSzPts val="1800"/>
-              <a:buChar char="■"/>
-              <a:defRPr/>
-            </a:lvl3pPr>
-            <a:lvl4pPr indent="-342900" lvl="3" marL="1828800">
-              <a:spcBef>
-                <a:spcPts val="2000"/>
-              </a:spcBef>
-              <a:spcAft>
-                <a:spcPts val="0"/>
-              </a:spcAft>
-              <a:buSzPts val="1800"/>
-              <a:buChar char="●"/>
-              <a:defRPr/>
-            </a:lvl4pPr>
-            <a:lvl5pPr indent="-342900" lvl="4" marL="2286000">
-              <a:spcBef>
-                <a:spcPts val="2000"/>
-              </a:spcBef>
-              <a:spcAft>
-                <a:spcPts val="0"/>
-              </a:spcAft>
-              <a:buSzPts val="1800"/>
-              <a:buChar char="○"/>
-              <a:defRPr/>
-            </a:lvl5pPr>
-            <a:lvl6pPr indent="-342900" lvl="5" marL="2743200">
-              <a:spcBef>
-                <a:spcPts val="2000"/>
-              </a:spcBef>
-              <a:spcAft>
-                <a:spcPts val="0"/>
-              </a:spcAft>
-              <a:buSzPts val="1800"/>
-              <a:buChar char="■"/>
-              <a:defRPr/>
-            </a:lvl6pPr>
-            <a:lvl7pPr indent="-342900" lvl="6" marL="3200400">
-              <a:spcBef>
-                <a:spcPts val="2000"/>
-              </a:spcBef>
-              <a:spcAft>
-                <a:spcPts val="0"/>
-              </a:spcAft>
-              <a:buSzPts val="1800"/>
-              <a:buChar char="●"/>
-              <a:defRPr/>
-            </a:lvl7pPr>
-            <a:lvl8pPr indent="-342900" lvl="7" marL="3657600">
-              <a:spcBef>
-                <a:spcPts val="2000"/>
-              </a:spcBef>
-              <a:spcAft>
-                <a:spcPts val="0"/>
-              </a:spcAft>
-              <a:buSzPts val="1800"/>
-              <a:buChar char="○"/>
-              <a:defRPr/>
-            </a:lvl8pPr>
-            <a:lvl9pPr indent="-342900" lvl="8" marL="4114800">
-              <a:spcBef>
-                <a:spcPts val="2000"/>
-              </a:spcBef>
-              <a:spcAft>
-                <a:spcPts val="2000"/>
-              </a:spcAft>
-              <a:buSzPts val="1800"/>
-              <a:buChar char="■"/>
-              <a:defRPr/>
-            </a:lvl9pPr>
-          </a:lstStyle>
-          <a:p/>
-        </p:txBody>
-      </p:sp>
-      <p:sp>
-        <p:nvSpPr>
-          <p:cNvPr id="19" name="Google Shape;19;p4"/>
-          <p:cNvSpPr txBox="1"/>
-          <p:nvPr>
-            <p:ph idx="12" type="sldNum"/>
-          </p:nvPr>
-        </p:nvSpPr>
-        <p:spPr>
-          <a:xfrm>
-            <a:off x="9906772" y="6854072"/>
-            <a:ext cx="641700" cy="578400"/>
-          </a:xfrm>
-          <a:prstGeom prst="rect">
-            <a:avLst/>
-          </a:prstGeom>
-        </p:spPr>
-        <p:txBody>
-          <a:bodyPr anchorCtr="0" anchor="ctr" bIns="116050" lIns="116050" spcFirstLastPara="1" rIns="116050" wrap="square" tIns="116050">
-            <a:noAutofit/>
-          </a:bodyPr>
-          <a:lstStyle>
-            <a:lvl1pPr lvl="0">
-              <a:buNone/>
-              <a:defRPr/>
-            </a:lvl1pPr>
-            <a:lvl2pPr lvl="1">
-              <a:buNone/>
-              <a:defRPr/>
-            </a:lvl2pPr>
-            <a:lvl3pPr lvl="2">
-              <a:buNone/>
-              <a:defRPr/>
-            </a:lvl3pPr>
-            <a:lvl4pPr lvl="3">
-              <a:buNone/>
-              <a:defRPr/>
-            </a:lvl4pPr>
-            <a:lvl5pPr lvl="4">
-              <a:buNone/>
-              <a:defRPr/>
-            </a:lvl5pPr>
-            <a:lvl6pPr lvl="5">
-              <a:buNone/>
-              <a:defRPr/>
-            </a:lvl6pPr>
-            <a:lvl7pPr lvl="6">
-              <a:buNone/>
-              <a:defRPr/>
-            </a:lvl7pPr>
-            <a:lvl8pPr lvl="7">
-              <a:buNone/>
-              <a:defRPr/>
-            </a:lvl8pPr>
-            <a:lvl9pPr lvl="8">
-              <a:buNone/>
-              <a:defRPr/>
-            </a:lvl9pPr>
-          </a:lstStyle>
-          <a:p>
-            <a:pPr indent="0" lvl="0" marL="0" rtl="0" algn="r">
-              <a:spcBef>
-                <a:spcPts val="0"/>
-              </a:spcBef>
-              <a:spcAft>
-                <a:spcPts val="0"/>
-              </a:spcAft>
-              <a:buNone/>
-            </a:pPr>
-            <a:fld id="{00000000-1234-1234-1234-123412341234}" type="slidenum">
-              <a:rPr lang="en"/>
-              <a:t>‹#›</a:t>
-            </a:fld>
-            <a:endParaRPr/>
-          </a:p>
-        </p:txBody>
-      </p:sp>
-    </p:spTree>
-  </p:cSld>
-  <p:clrMapOvr>
-    <a:masterClrMapping/>
-  </p:clrMapOvr>
-</p:sldLayout>
-</file>
-
-<file path=ppt/slideLayouts/slideLayout4.xml><?xml version="1.0" encoding="utf-8"?>
-<p:sldLayout xmlns:a="http://schemas.openxmlformats.org/drawingml/2006/main" xmlns:r="http://schemas.openxmlformats.org/officeDocument/2006/relationships" xmlns:mc="http://schemas.openxmlformats.org/markup-compatibility/2006" xmlns:mv="urn:schemas-microsoft-com:mac:vml" xmlns:p="http://schemas.openxmlformats.org/presentationml/2006/main" xmlns:c="http://schemas.openxmlformats.org/drawingml/2006/chart" xmlns:dgm="http://schemas.openxmlformats.org/drawingml/2006/diagram" xmlns:o="urn:schemas-microsoft-com:office:office" xmlns:v="urn:schemas-microsoft-com:vml" xmlns:pvml="urn:schemas-microsoft-com:office:powerpoint" xmlns:com="http://schemas.openxmlformats.org/drawingml/2006/compatibility" xmlns:p14="http://schemas.microsoft.com/office/powerpoint/2010/main" xmlns:p15="http://schemas.microsoft.com/office/powerpoint/2012/main" matchingName="Title and two columns" type="twoColTx">
-  <p:cSld name="TITLE_AND_TWO_COLUMNS">
-    <p:spTree>
-      <p:nvGrpSpPr>
-        <p:cNvPr id="20" name="Shape 20"/>
-        <p:cNvGrpSpPr/>
-        <p:nvPr/>
-      </p:nvGrpSpPr>
-      <p:grpSpPr>
-        <a:xfrm>
-          <a:off x="0" y="0"/>
-          <a:ext cx="0" cy="0"/>
-          <a:chOff x="0" y="0"/>
-          <a:chExt cx="0" cy="0"/>
-        </a:xfrm>
-      </p:grpSpPr>
-      <p:sp>
-        <p:nvSpPr>
-          <p:cNvPr id="21" name="Google Shape;21;p5"/>
-          <p:cNvSpPr txBox="1"/>
-          <p:nvPr>
-            <p:ph type="title"/>
-          </p:nvPr>
-        </p:nvSpPr>
-        <p:spPr>
-          <a:xfrm>
-            <a:off x="364468" y="654105"/>
-            <a:ext cx="9963000" cy="841800"/>
-          </a:xfrm>
-          <a:prstGeom prst="rect">
-            <a:avLst/>
-          </a:prstGeom>
-        </p:spPr>
-        <p:txBody>
-          <a:bodyPr anchorCtr="0" anchor="t" bIns="116050" lIns="116050" spcFirstLastPara="1" rIns="116050" wrap="square" tIns="116050">
-            <a:noAutofit/>
-          </a:bodyPr>
-          <a:lstStyle>
-            <a:lvl1pPr lvl="0">
-              <a:spcBef>
-                <a:spcPts val="0"/>
-              </a:spcBef>
-              <a:spcAft>
-                <a:spcPts val="0"/>
-              </a:spcAft>
-              <a:buSzPts val="3600"/>
-              <a:buNone/>
-              <a:defRPr/>
-            </a:lvl1pPr>
-            <a:lvl2pPr lvl="1">
-              <a:spcBef>
-                <a:spcPts val="0"/>
-              </a:spcBef>
-              <a:spcAft>
-                <a:spcPts val="0"/>
-              </a:spcAft>
-              <a:buSzPts val="3600"/>
-              <a:buNone/>
-              <a:defRPr/>
-            </a:lvl2pPr>
-            <a:lvl3pPr lvl="2">
-              <a:spcBef>
-                <a:spcPts val="0"/>
-              </a:spcBef>
-              <a:spcAft>
-                <a:spcPts val="0"/>
-              </a:spcAft>
-              <a:buSzPts val="3600"/>
-              <a:buNone/>
-              <a:defRPr/>
-            </a:lvl3pPr>
-            <a:lvl4pPr lvl="3">
-              <a:spcBef>
-                <a:spcPts val="0"/>
-              </a:spcBef>
-              <a:spcAft>
-                <a:spcPts val="0"/>
-              </a:spcAft>
-              <a:buSzPts val="3600"/>
-              <a:buNone/>
-              <a:defRPr/>
-            </a:lvl4pPr>
-            <a:lvl5pPr lvl="4">
-              <a:spcBef>
-                <a:spcPts val="0"/>
-              </a:spcBef>
-              <a:spcAft>
-                <a:spcPts val="0"/>
-              </a:spcAft>
-              <a:buSzPts val="3600"/>
-              <a:buNone/>
-              <a:defRPr/>
-            </a:lvl5pPr>
-            <a:lvl6pPr lvl="5">
-              <a:spcBef>
-                <a:spcPts val="0"/>
-              </a:spcBef>
-              <a:spcAft>
-                <a:spcPts val="0"/>
-              </a:spcAft>
-              <a:buSzPts val="3600"/>
-              <a:buNone/>
-              <a:defRPr/>
-            </a:lvl6pPr>
-            <a:lvl7pPr lvl="6">
-              <a:spcBef>
-                <a:spcPts val="0"/>
-              </a:spcBef>
-              <a:spcAft>
-                <a:spcPts val="0"/>
-              </a:spcAft>
-              <a:buSzPts val="3600"/>
-              <a:buNone/>
-              <a:defRPr/>
-            </a:lvl7pPr>
-            <a:lvl8pPr lvl="7">
-              <a:spcBef>
-                <a:spcPts val="0"/>
-              </a:spcBef>
-              <a:spcAft>
-                <a:spcPts val="0"/>
-              </a:spcAft>
-              <a:buSzPts val="3600"/>
-              <a:buNone/>
-              <a:defRPr/>
-            </a:lvl8pPr>
-            <a:lvl9pPr lvl="8">
-              <a:spcBef>
-                <a:spcPts val="0"/>
-              </a:spcBef>
-              <a:spcAft>
-                <a:spcPts val="0"/>
-              </a:spcAft>
-              <a:buSzPts val="3600"/>
-              <a:buNone/>
-              <a:defRPr/>
-            </a:lvl9pPr>
-          </a:lstStyle>
-          <a:p/>
-        </p:txBody>
-      </p:sp>
-      <p:sp>
-        <p:nvSpPr>
-          <p:cNvPr id="22" name="Google Shape;22;p5"/>
-          <p:cNvSpPr txBox="1"/>
-          <p:nvPr>
-            <p:ph idx="1" type="body"/>
-          </p:nvPr>
-        </p:nvSpPr>
-        <p:spPr>
-          <a:xfrm>
-            <a:off x="364468" y="1693927"/>
-            <a:ext cx="4677000" cy="5021400"/>
-          </a:xfrm>
-          <a:prstGeom prst="rect">
-            <a:avLst/>
-          </a:prstGeom>
-        </p:spPr>
-        <p:txBody>
-          <a:bodyPr anchorCtr="0" anchor="t" bIns="116050" lIns="116050" spcFirstLastPara="1" rIns="116050" wrap="square" tIns="116050">
-            <a:noAutofit/>
-          </a:bodyPr>
-          <a:lstStyle>
-            <a:lvl1pPr indent="-342900" lvl="0" marL="457200">
-              <a:spcBef>
-                <a:spcPts val="0"/>
-              </a:spcBef>
-              <a:spcAft>
-                <a:spcPts val="0"/>
-              </a:spcAft>
-              <a:buSzPts val="1800"/>
-              <a:buChar char="●"/>
-              <a:defRPr sz="1800"/>
-            </a:lvl1pPr>
-            <a:lvl2pPr indent="-323850" lvl="1" marL="914400">
-              <a:spcBef>
-                <a:spcPts val="2000"/>
-              </a:spcBef>
-              <a:spcAft>
-                <a:spcPts val="0"/>
-              </a:spcAft>
-              <a:buSzPts val="1500"/>
-              <a:buChar char="○"/>
-              <a:defRPr sz="1500"/>
-            </a:lvl2pPr>
-            <a:lvl3pPr indent="-323850" lvl="2" marL="1371600">
-              <a:spcBef>
-                <a:spcPts val="2000"/>
-              </a:spcBef>
-              <a:spcAft>
-                <a:spcPts val="0"/>
-              </a:spcAft>
-              <a:buSzPts val="1500"/>
-              <a:buChar char="■"/>
-              <a:defRPr sz="1500"/>
-            </a:lvl3pPr>
-            <a:lvl4pPr indent="-323850" lvl="3" marL="1828800">
-              <a:spcBef>
-                <a:spcPts val="2000"/>
-              </a:spcBef>
-              <a:spcAft>
-                <a:spcPts val="0"/>
-              </a:spcAft>
-              <a:buSzPts val="1500"/>
-              <a:buChar char="●"/>
-              <a:defRPr sz="1500"/>
-            </a:lvl4pPr>
-            <a:lvl5pPr indent="-323850" lvl="4" marL="2286000">
-              <a:spcBef>
-                <a:spcPts val="2000"/>
-              </a:spcBef>
-              <a:spcAft>
-                <a:spcPts val="0"/>
-              </a:spcAft>
-              <a:buSzPts val="1500"/>
-              <a:buChar char="○"/>
-              <a:defRPr sz="1500"/>
-            </a:lvl5pPr>
-            <a:lvl6pPr indent="-323850" lvl="5" marL="2743200">
-              <a:spcBef>
-                <a:spcPts val="2000"/>
-              </a:spcBef>
-              <a:spcAft>
-                <a:spcPts val="0"/>
-              </a:spcAft>
-              <a:buSzPts val="1500"/>
-              <a:buChar char="■"/>
-              <a:defRPr sz="1500"/>
-            </a:lvl6pPr>
-            <a:lvl7pPr indent="-323850" lvl="6" marL="3200400">
-              <a:spcBef>
-                <a:spcPts val="2000"/>
-              </a:spcBef>
-              <a:spcAft>
-                <a:spcPts val="0"/>
-              </a:spcAft>
-              <a:buSzPts val="1500"/>
-              <a:buChar char="●"/>
-              <a:defRPr sz="1500"/>
-            </a:lvl7pPr>
-            <a:lvl8pPr indent="-323850" lvl="7" marL="3657600">
-              <a:spcBef>
-                <a:spcPts val="2000"/>
-              </a:spcBef>
-              <a:spcAft>
-                <a:spcPts val="0"/>
-              </a:spcAft>
-              <a:buSzPts val="1500"/>
-              <a:buChar char="○"/>
-              <a:defRPr sz="1500"/>
-            </a:lvl8pPr>
-            <a:lvl9pPr indent="-323850" lvl="8" marL="4114800">
-              <a:spcBef>
-                <a:spcPts val="2000"/>
-              </a:spcBef>
-              <a:spcAft>
-                <a:spcPts val="2000"/>
-              </a:spcAft>
-              <a:buSzPts val="1500"/>
-              <a:buChar char="■"/>
-              <a:defRPr sz="1500"/>
-            </a:lvl9pPr>
-          </a:lstStyle>
-          <a:p/>
-        </p:txBody>
-      </p:sp>
-      <p:sp>
-        <p:nvSpPr>
-          <p:cNvPr id="23" name="Google Shape;23;p5"/>
-          <p:cNvSpPr txBox="1"/>
-          <p:nvPr>
-            <p:ph idx="2" type="body"/>
-          </p:nvPr>
-        </p:nvSpPr>
-        <p:spPr>
-          <a:xfrm>
-            <a:off x="5650483" y="1693927"/>
-            <a:ext cx="4677000" cy="5021400"/>
-          </a:xfrm>
-          <a:prstGeom prst="rect">
-            <a:avLst/>
-          </a:prstGeom>
-        </p:spPr>
-        <p:txBody>
-          <a:bodyPr anchorCtr="0" anchor="t" bIns="116050" lIns="116050" spcFirstLastPara="1" rIns="116050" wrap="square" tIns="116050">
-            <a:noAutofit/>
-          </a:bodyPr>
-          <a:lstStyle>
-            <a:lvl1pPr indent="-342900" lvl="0" marL="457200">
-              <a:spcBef>
-                <a:spcPts val="0"/>
-              </a:spcBef>
-              <a:spcAft>
-                <a:spcPts val="0"/>
-              </a:spcAft>
-              <a:buSzPts val="1800"/>
-              <a:buChar char="●"/>
-              <a:defRPr sz="1800"/>
-            </a:lvl1pPr>
-            <a:lvl2pPr indent="-323850" lvl="1" marL="914400">
-              <a:spcBef>
-                <a:spcPts val="2000"/>
-              </a:spcBef>
-              <a:spcAft>
-                <a:spcPts val="0"/>
-              </a:spcAft>
-              <a:buSzPts val="1500"/>
-              <a:buChar char="○"/>
-              <a:defRPr sz="1500"/>
-            </a:lvl2pPr>
-            <a:lvl3pPr indent="-323850" lvl="2" marL="1371600">
-              <a:spcBef>
-                <a:spcPts val="2000"/>
-              </a:spcBef>
-              <a:spcAft>
-                <a:spcPts val="0"/>
-              </a:spcAft>
-              <a:buSzPts val="1500"/>
-              <a:buChar char="■"/>
-              <a:defRPr sz="1500"/>
-            </a:lvl3pPr>
-            <a:lvl4pPr indent="-323850" lvl="3" marL="1828800">
-              <a:spcBef>
-                <a:spcPts val="2000"/>
-              </a:spcBef>
-              <a:spcAft>
-                <a:spcPts val="0"/>
-              </a:spcAft>
-              <a:buSzPts val="1500"/>
-              <a:buChar char="●"/>
-              <a:defRPr sz="1500"/>
-            </a:lvl4pPr>
-            <a:lvl5pPr indent="-323850" lvl="4" marL="2286000">
-              <a:spcBef>
-                <a:spcPts val="2000"/>
-              </a:spcBef>
-              <a:spcAft>
-                <a:spcPts val="0"/>
-              </a:spcAft>
-              <a:buSzPts val="1500"/>
-              <a:buChar char="○"/>
-              <a:defRPr sz="1500"/>
-            </a:lvl5pPr>
-            <a:lvl6pPr indent="-323850" lvl="5" marL="2743200">
-              <a:spcBef>
-                <a:spcPts val="2000"/>
-              </a:spcBef>
-              <a:spcAft>
-                <a:spcPts val="0"/>
-              </a:spcAft>
-              <a:buSzPts val="1500"/>
-              <a:buChar char="■"/>
-              <a:defRPr sz="1500"/>
-            </a:lvl6pPr>
-            <a:lvl7pPr indent="-323850" lvl="6" marL="3200400">
-              <a:spcBef>
-                <a:spcPts val="2000"/>
-              </a:spcBef>
-              <a:spcAft>
-                <a:spcPts val="0"/>
-              </a:spcAft>
-              <a:buSzPts val="1500"/>
-              <a:buChar char="●"/>
-              <a:defRPr sz="1500"/>
-            </a:lvl7pPr>
-            <a:lvl8pPr indent="-323850" lvl="7" marL="3657600">
-              <a:spcBef>
-                <a:spcPts val="2000"/>
-              </a:spcBef>
-              <a:spcAft>
-                <a:spcPts val="0"/>
-              </a:spcAft>
-              <a:buSzPts val="1500"/>
-              <a:buChar char="○"/>
-              <a:defRPr sz="1500"/>
-            </a:lvl8pPr>
-            <a:lvl9pPr indent="-323850" lvl="8" marL="4114800">
-              <a:spcBef>
-                <a:spcPts val="2000"/>
-              </a:spcBef>
-              <a:spcAft>
-                <a:spcPts val="2000"/>
-              </a:spcAft>
-              <a:buSzPts val="1500"/>
-              <a:buChar char="■"/>
-              <a:defRPr sz="1500"/>
-            </a:lvl9pPr>
-          </a:lstStyle>
-          <a:p/>
-        </p:txBody>
-      </p:sp>
-      <p:sp>
-        <p:nvSpPr>
-          <p:cNvPr id="24" name="Google Shape;24;p5"/>
-          <p:cNvSpPr txBox="1"/>
-          <p:nvPr>
-            <p:ph idx="12" type="sldNum"/>
-          </p:nvPr>
-        </p:nvSpPr>
-        <p:spPr>
-          <a:xfrm>
-            <a:off x="9906772" y="6854072"/>
-            <a:ext cx="641700" cy="578400"/>
-          </a:xfrm>
-          <a:prstGeom prst="rect">
-            <a:avLst/>
-          </a:prstGeom>
-        </p:spPr>
-        <p:txBody>
-          <a:bodyPr anchorCtr="0" anchor="ctr" bIns="116050" lIns="116050" spcFirstLastPara="1" rIns="116050" wrap="square" tIns="116050">
-            <a:noAutofit/>
-          </a:bodyPr>
-          <a:lstStyle>
-            <a:lvl1pPr lvl="0">
-              <a:buNone/>
-              <a:defRPr/>
-            </a:lvl1pPr>
-            <a:lvl2pPr lvl="1">
-              <a:buNone/>
-              <a:defRPr/>
-            </a:lvl2pPr>
-            <a:lvl3pPr lvl="2">
-              <a:buNone/>
-              <a:defRPr/>
-            </a:lvl3pPr>
-            <a:lvl4pPr lvl="3">
-              <a:buNone/>
-              <a:defRPr/>
-            </a:lvl4pPr>
-            <a:lvl5pPr lvl="4">
-              <a:buNone/>
-              <a:defRPr/>
-            </a:lvl5pPr>
-            <a:lvl6pPr lvl="5">
-              <a:buNone/>
-              <a:defRPr/>
-            </a:lvl6pPr>
-            <a:lvl7pPr lvl="6">
-              <a:buNone/>
-              <a:defRPr/>
-            </a:lvl7pPr>
-            <a:lvl8pPr lvl="7">
-              <a:buNone/>
-              <a:defRPr/>
-            </a:lvl8pPr>
-            <a:lvl9pPr lvl="8">
-              <a:buNone/>
-              <a:defRPr/>
-            </a:lvl9pPr>
-          </a:lstStyle>
-          <a:p>
-            <a:pPr indent="0" lvl="0" marL="0" rtl="0" algn="r">
-              <a:spcBef>
-                <a:spcPts val="0"/>
-              </a:spcBef>
-              <a:spcAft>
-                <a:spcPts val="0"/>
-              </a:spcAft>
-              <a:buNone/>
-            </a:pPr>
-            <a:fld id="{00000000-1234-1234-1234-123412341234}" type="slidenum">
-              <a:rPr lang="en"/>
-              <a:t>‹#›</a:t>
-            </a:fld>
-            <a:endParaRPr/>
-          </a:p>
-        </p:txBody>
-      </p:sp>
-    </p:spTree>
-  </p:cSld>
-  <p:clrMapOvr>
-    <a:masterClrMapping/>
-  </p:clrMapOvr>
-</p:sldLayout>
-</file>
-
-<file path=ppt/slideLayouts/slideLayout5.xml><?xml version="1.0" encoding="utf-8"?>
-<p:sldLayout xmlns:a="http://schemas.openxmlformats.org/drawingml/2006/main" xmlns:r="http://schemas.openxmlformats.org/officeDocument/2006/relationships" xmlns:mc="http://schemas.openxmlformats.org/markup-compatibility/2006" xmlns:mv="urn:schemas-microsoft-com:mac:vml" xmlns:p="http://schemas.openxmlformats.org/presentationml/2006/main" xmlns:c="http://schemas.openxmlformats.org/drawingml/2006/chart" xmlns:dgm="http://schemas.openxmlformats.org/drawingml/2006/diagram" xmlns:o="urn:schemas-microsoft-com:office:office" xmlns:v="urn:schemas-microsoft-com:vml" xmlns:pvml="urn:schemas-microsoft-com:office:powerpoint" xmlns:com="http://schemas.openxmlformats.org/drawingml/2006/compatibility" xmlns:p14="http://schemas.microsoft.com/office/powerpoint/2010/main" xmlns:p15="http://schemas.microsoft.com/office/powerpoint/2012/main" matchingName="Title only" type="titleOnly">
-  <p:cSld name="TITLE_ONLY">
-    <p:spTree>
-      <p:nvGrpSpPr>
-        <p:cNvPr id="25" name="Shape 25"/>
-        <p:cNvGrpSpPr/>
-        <p:nvPr/>
-      </p:nvGrpSpPr>
-      <p:grpSpPr>
-        <a:xfrm>
-          <a:off x="0" y="0"/>
-          <a:ext cx="0" cy="0"/>
-          <a:chOff x="0" y="0"/>
-          <a:chExt cx="0" cy="0"/>
-        </a:xfrm>
-      </p:grpSpPr>
-      <p:sp>
-        <p:nvSpPr>
-          <p:cNvPr id="26" name="Google Shape;26;p6"/>
-          <p:cNvSpPr txBox="1"/>
-          <p:nvPr>
-            <p:ph type="title"/>
-          </p:nvPr>
-        </p:nvSpPr>
-        <p:spPr>
-          <a:xfrm>
-            <a:off x="364468" y="654105"/>
-            <a:ext cx="9963000" cy="841800"/>
-          </a:xfrm>
-          <a:prstGeom prst="rect">
-            <a:avLst/>
-          </a:prstGeom>
-        </p:spPr>
-        <p:txBody>
-          <a:bodyPr anchorCtr="0" anchor="t" bIns="116050" lIns="116050" spcFirstLastPara="1" rIns="116050" wrap="square" tIns="116050">
-            <a:noAutofit/>
-          </a:bodyPr>
-          <a:lstStyle>
-            <a:lvl1pPr lvl="0">
-              <a:spcBef>
-                <a:spcPts val="0"/>
-              </a:spcBef>
-              <a:spcAft>
-                <a:spcPts val="0"/>
-              </a:spcAft>
-              <a:buSzPts val="3600"/>
-              <a:buNone/>
-              <a:defRPr/>
-            </a:lvl1pPr>
-            <a:lvl2pPr lvl="1">
-              <a:spcBef>
-                <a:spcPts val="0"/>
-              </a:spcBef>
-              <a:spcAft>
-                <a:spcPts val="0"/>
-              </a:spcAft>
-              <a:buSzPts val="3600"/>
-              <a:buNone/>
-              <a:defRPr/>
-            </a:lvl2pPr>
-            <a:lvl3pPr lvl="2">
-              <a:spcBef>
-                <a:spcPts val="0"/>
-              </a:spcBef>
-              <a:spcAft>
-                <a:spcPts val="0"/>
-              </a:spcAft>
-              <a:buSzPts val="3600"/>
-              <a:buNone/>
-              <a:defRPr/>
-            </a:lvl3pPr>
-            <a:lvl4pPr lvl="3">
-              <a:spcBef>
-                <a:spcPts val="0"/>
-              </a:spcBef>
-              <a:spcAft>
-                <a:spcPts val="0"/>
-              </a:spcAft>
-              <a:buSzPts val="3600"/>
-              <a:buNone/>
-              <a:defRPr/>
-            </a:lvl4pPr>
-            <a:lvl5pPr lvl="4">
-              <a:spcBef>
-                <a:spcPts val="0"/>
-              </a:spcBef>
-              <a:spcAft>
-                <a:spcPts val="0"/>
-              </a:spcAft>
-              <a:buSzPts val="3600"/>
-              <a:buNone/>
-              <a:defRPr/>
-            </a:lvl5pPr>
-            <a:lvl6pPr lvl="5">
-              <a:spcBef>
-                <a:spcPts val="0"/>
-              </a:spcBef>
-              <a:spcAft>
-                <a:spcPts val="0"/>
-              </a:spcAft>
-              <a:buSzPts val="3600"/>
-              <a:buNone/>
-              <a:defRPr/>
-            </a:lvl6pPr>
-            <a:lvl7pPr lvl="6">
-              <a:spcBef>
-                <a:spcPts val="0"/>
-              </a:spcBef>
-              <a:spcAft>
-                <a:spcPts val="0"/>
-              </a:spcAft>
-              <a:buSzPts val="3600"/>
-              <a:buNone/>
-              <a:defRPr/>
-            </a:lvl7pPr>
-            <a:lvl8pPr lvl="7">
-              <a:spcBef>
-                <a:spcPts val="0"/>
-              </a:spcBef>
-              <a:spcAft>
-                <a:spcPts val="0"/>
-              </a:spcAft>
-              <a:buSzPts val="3600"/>
-              <a:buNone/>
-              <a:defRPr/>
-            </a:lvl8pPr>
-            <a:lvl9pPr lvl="8">
-              <a:spcBef>
-                <a:spcPts val="0"/>
-              </a:spcBef>
-              <a:spcAft>
-                <a:spcPts val="0"/>
-              </a:spcAft>
-              <a:buSzPts val="3600"/>
-              <a:buNone/>
-              <a:defRPr/>
-            </a:lvl9pPr>
-          </a:lstStyle>
-          <a:p/>
-        </p:txBody>
-      </p:sp>
-      <p:sp>
-        <p:nvSpPr>
-          <p:cNvPr id="27" name="Google Shape;27;p6"/>
-          <p:cNvSpPr txBox="1"/>
-          <p:nvPr>
-            <p:ph idx="12" type="sldNum"/>
-          </p:nvPr>
-        </p:nvSpPr>
-        <p:spPr>
-          <a:xfrm>
-            <a:off x="9906772" y="6854072"/>
-            <a:ext cx="641700" cy="578400"/>
-          </a:xfrm>
-          <a:prstGeom prst="rect">
-            <a:avLst/>
-          </a:prstGeom>
-        </p:spPr>
-        <p:txBody>
-          <a:bodyPr anchorCtr="0" anchor="ctr" bIns="116050" lIns="116050" spcFirstLastPara="1" rIns="116050" wrap="square" tIns="116050">
-            <a:noAutofit/>
-          </a:bodyPr>
-          <a:lstStyle>
-            <a:lvl1pPr lvl="0">
-              <a:buNone/>
-              <a:defRPr/>
-            </a:lvl1pPr>
-            <a:lvl2pPr lvl="1">
-              <a:buNone/>
-              <a:defRPr/>
-            </a:lvl2pPr>
-            <a:lvl3pPr lvl="2">
-              <a:buNone/>
-              <a:defRPr/>
-            </a:lvl3pPr>
-            <a:lvl4pPr lvl="3">
-              <a:buNone/>
-              <a:defRPr/>
-            </a:lvl4pPr>
-            <a:lvl5pPr lvl="4">
-              <a:buNone/>
-              <a:defRPr/>
-            </a:lvl5pPr>
-            <a:lvl6pPr lvl="5">
-              <a:buNone/>
-              <a:defRPr/>
-            </a:lvl6pPr>
-            <a:lvl7pPr lvl="6">
-              <a:buNone/>
-              <a:defRPr/>
-            </a:lvl7pPr>
-            <a:lvl8pPr lvl="7">
-              <a:buNone/>
-              <a:defRPr/>
-            </a:lvl8pPr>
-            <a:lvl9pPr lvl="8">
-              <a:buNone/>
-              <a:defRPr/>
-            </a:lvl9pPr>
-          </a:lstStyle>
-          <a:p>
-            <a:pPr indent="0" lvl="0" marL="0" rtl="0" algn="r">
-              <a:spcBef>
-                <a:spcPts val="0"/>
-              </a:spcBef>
-              <a:spcAft>
-                <a:spcPts val="0"/>
-              </a:spcAft>
-              <a:buNone/>
-            </a:pPr>
-            <a:fld id="{00000000-1234-1234-1234-123412341234}" type="slidenum">
-              <a:rPr lang="en"/>
-              <a:t>‹#›</a:t>
-            </a:fld>
-            <a:endParaRPr/>
-          </a:p>
-        </p:txBody>
-      </p:sp>
-    </p:spTree>
-  </p:cSld>
-  <p:clrMapOvr>
-    <a:masterClrMapping/>
-  </p:clrMapOvr>
-</p:sldLayout>
-</file>
-
-<file path=ppt/slideLayouts/slideLayout6.xml><?xml version="1.0" encoding="utf-8"?>
-<p:sldLayout xmlns:a="http://schemas.openxmlformats.org/drawingml/2006/main" xmlns:r="http://schemas.openxmlformats.org/officeDocument/2006/relationships" xmlns:mc="http://schemas.openxmlformats.org/markup-compatibility/2006" xmlns:mv="urn:schemas-microsoft-com:mac:vml" xmlns:p="http://schemas.openxmlformats.org/presentationml/2006/main" xmlns:c="http://schemas.openxmlformats.org/drawingml/2006/chart" xmlns:dgm="http://schemas.openxmlformats.org/drawingml/2006/diagram" xmlns:o="urn:schemas-microsoft-com:office:office" xmlns:v="urn:schemas-microsoft-com:vml" xmlns:pvml="urn:schemas-microsoft-com:office:powerpoint" xmlns:com="http://schemas.openxmlformats.org/drawingml/2006/compatibility" xmlns:p14="http://schemas.microsoft.com/office/powerpoint/2010/main" xmlns:p15="http://schemas.microsoft.com/office/powerpoint/2012/main" matchingName="One column text">
-  <p:cSld name="ONE_COLUMN_TEXT">
-    <p:spTree>
-      <p:nvGrpSpPr>
-        <p:cNvPr id="28" name="Shape 28"/>
-        <p:cNvGrpSpPr/>
-        <p:nvPr/>
-      </p:nvGrpSpPr>
-      <p:grpSpPr>
-        <a:xfrm>
-          <a:off x="0" y="0"/>
-          <a:ext cx="0" cy="0"/>
-          <a:chOff x="0" y="0"/>
-          <a:chExt cx="0" cy="0"/>
-        </a:xfrm>
-      </p:grpSpPr>
-      <p:sp>
-        <p:nvSpPr>
-          <p:cNvPr id="29" name="Google Shape;29;p7"/>
+          <p:cNvPr id="9" name="Google Shape;9;p2"/>
           <p:cNvSpPr txBox="1"/>
           <p:nvPr>
             <p:ph type="title"/>
@@ -3646,7 +1526,7 @@
             <a:noAutofit/>
           </a:bodyPr>
           <a:lstStyle>
-            <a:lvl1pPr lvl="0">
+            <a:lvl1pPr lvl="0" rtl="0">
               <a:spcBef>
                 <a:spcPts val="0"/>
               </a:spcBef>
@@ -3657,7 +1537,7 @@
               <a:buNone/>
               <a:defRPr sz="3000"/>
             </a:lvl1pPr>
-            <a:lvl2pPr lvl="1">
+            <a:lvl2pPr lvl="1" rtl="0">
               <a:spcBef>
                 <a:spcPts val="0"/>
               </a:spcBef>
@@ -3668,7 +1548,7 @@
               <a:buNone/>
               <a:defRPr sz="3000"/>
             </a:lvl2pPr>
-            <a:lvl3pPr lvl="2">
+            <a:lvl3pPr lvl="2" rtl="0">
               <a:spcBef>
                 <a:spcPts val="0"/>
               </a:spcBef>
@@ -3679,7 +1559,7 @@
               <a:buNone/>
               <a:defRPr sz="3000"/>
             </a:lvl3pPr>
-            <a:lvl4pPr lvl="3">
+            <a:lvl4pPr lvl="3" rtl="0">
               <a:spcBef>
                 <a:spcPts val="0"/>
               </a:spcBef>
@@ -3690,7 +1570,7 @@
               <a:buNone/>
               <a:defRPr sz="3000"/>
             </a:lvl4pPr>
-            <a:lvl5pPr lvl="4">
+            <a:lvl5pPr lvl="4" rtl="0">
               <a:spcBef>
                 <a:spcPts val="0"/>
               </a:spcBef>
@@ -3701,7 +1581,7 @@
               <a:buNone/>
               <a:defRPr sz="3000"/>
             </a:lvl5pPr>
-            <a:lvl6pPr lvl="5">
+            <a:lvl6pPr lvl="5" rtl="0">
               <a:spcBef>
                 <a:spcPts val="0"/>
               </a:spcBef>
@@ -3712,7 +1592,7 @@
               <a:buNone/>
               <a:defRPr sz="3000"/>
             </a:lvl6pPr>
-            <a:lvl7pPr lvl="6">
+            <a:lvl7pPr lvl="6" rtl="0">
               <a:spcBef>
                 <a:spcPts val="0"/>
               </a:spcBef>
@@ -3723,7 +1603,7 @@
               <a:buNone/>
               <a:defRPr sz="3000"/>
             </a:lvl7pPr>
-            <a:lvl8pPr lvl="7">
+            <a:lvl8pPr lvl="7" rtl="0">
               <a:spcBef>
                 <a:spcPts val="0"/>
               </a:spcBef>
@@ -3734,7 +1614,7 @@
               <a:buNone/>
               <a:defRPr sz="3000"/>
             </a:lvl8pPr>
-            <a:lvl9pPr lvl="8">
+            <a:lvl9pPr lvl="8" rtl="0">
               <a:spcBef>
                 <a:spcPts val="0"/>
               </a:spcBef>
@@ -3747,1124 +1627,6 @@
             </a:lvl9pPr>
           </a:lstStyle>
           <a:p/>
-        </p:txBody>
-      </p:sp>
-      <p:sp>
-        <p:nvSpPr>
-          <p:cNvPr id="30" name="Google Shape;30;p7"/>
-          <p:cNvSpPr txBox="1"/>
-          <p:nvPr>
-            <p:ph idx="1" type="body"/>
-          </p:nvPr>
-        </p:nvSpPr>
-        <p:spPr>
-          <a:xfrm>
-            <a:off x="364468" y="2042457"/>
-            <a:ext cx="3283500" cy="4673100"/>
-          </a:xfrm>
-          <a:prstGeom prst="rect">
-            <a:avLst/>
-          </a:prstGeom>
-        </p:spPr>
-        <p:txBody>
-          <a:bodyPr anchorCtr="0" anchor="t" bIns="116050" lIns="116050" spcFirstLastPara="1" rIns="116050" wrap="square" tIns="116050">
-            <a:noAutofit/>
-          </a:bodyPr>
-          <a:lstStyle>
-            <a:lvl1pPr indent="-323850" lvl="0" marL="457200">
-              <a:spcBef>
-                <a:spcPts val="0"/>
-              </a:spcBef>
-              <a:spcAft>
-                <a:spcPts val="0"/>
-              </a:spcAft>
-              <a:buSzPts val="1500"/>
-              <a:buChar char="●"/>
-              <a:defRPr sz="1500"/>
-            </a:lvl1pPr>
-            <a:lvl2pPr indent="-323850" lvl="1" marL="914400">
-              <a:spcBef>
-                <a:spcPts val="2000"/>
-              </a:spcBef>
-              <a:spcAft>
-                <a:spcPts val="0"/>
-              </a:spcAft>
-              <a:buSzPts val="1500"/>
-              <a:buChar char="○"/>
-              <a:defRPr sz="1500"/>
-            </a:lvl2pPr>
-            <a:lvl3pPr indent="-323850" lvl="2" marL="1371600">
-              <a:spcBef>
-                <a:spcPts val="2000"/>
-              </a:spcBef>
-              <a:spcAft>
-                <a:spcPts val="0"/>
-              </a:spcAft>
-              <a:buSzPts val="1500"/>
-              <a:buChar char="■"/>
-              <a:defRPr sz="1500"/>
-            </a:lvl3pPr>
-            <a:lvl4pPr indent="-323850" lvl="3" marL="1828800">
-              <a:spcBef>
-                <a:spcPts val="2000"/>
-              </a:spcBef>
-              <a:spcAft>
-                <a:spcPts val="0"/>
-              </a:spcAft>
-              <a:buSzPts val="1500"/>
-              <a:buChar char="●"/>
-              <a:defRPr sz="1500"/>
-            </a:lvl4pPr>
-            <a:lvl5pPr indent="-323850" lvl="4" marL="2286000">
-              <a:spcBef>
-                <a:spcPts val="2000"/>
-              </a:spcBef>
-              <a:spcAft>
-                <a:spcPts val="0"/>
-              </a:spcAft>
-              <a:buSzPts val="1500"/>
-              <a:buChar char="○"/>
-              <a:defRPr sz="1500"/>
-            </a:lvl5pPr>
-            <a:lvl6pPr indent="-323850" lvl="5" marL="2743200">
-              <a:spcBef>
-                <a:spcPts val="2000"/>
-              </a:spcBef>
-              <a:spcAft>
-                <a:spcPts val="0"/>
-              </a:spcAft>
-              <a:buSzPts val="1500"/>
-              <a:buChar char="■"/>
-              <a:defRPr sz="1500"/>
-            </a:lvl6pPr>
-            <a:lvl7pPr indent="-323850" lvl="6" marL="3200400">
-              <a:spcBef>
-                <a:spcPts val="2000"/>
-              </a:spcBef>
-              <a:spcAft>
-                <a:spcPts val="0"/>
-              </a:spcAft>
-              <a:buSzPts val="1500"/>
-              <a:buChar char="●"/>
-              <a:defRPr sz="1500"/>
-            </a:lvl7pPr>
-            <a:lvl8pPr indent="-323850" lvl="7" marL="3657600">
-              <a:spcBef>
-                <a:spcPts val="2000"/>
-              </a:spcBef>
-              <a:spcAft>
-                <a:spcPts val="0"/>
-              </a:spcAft>
-              <a:buSzPts val="1500"/>
-              <a:buChar char="○"/>
-              <a:defRPr sz="1500"/>
-            </a:lvl8pPr>
-            <a:lvl9pPr indent="-323850" lvl="8" marL="4114800">
-              <a:spcBef>
-                <a:spcPts val="2000"/>
-              </a:spcBef>
-              <a:spcAft>
-                <a:spcPts val="2000"/>
-              </a:spcAft>
-              <a:buSzPts val="1500"/>
-              <a:buChar char="■"/>
-              <a:defRPr sz="1500"/>
-            </a:lvl9pPr>
-          </a:lstStyle>
-          <a:p/>
-        </p:txBody>
-      </p:sp>
-      <p:sp>
-        <p:nvSpPr>
-          <p:cNvPr id="31" name="Google Shape;31;p7"/>
-          <p:cNvSpPr txBox="1"/>
-          <p:nvPr>
-            <p:ph idx="12" type="sldNum"/>
-          </p:nvPr>
-        </p:nvSpPr>
-        <p:spPr>
-          <a:xfrm>
-            <a:off x="9906772" y="6854072"/>
-            <a:ext cx="641700" cy="578400"/>
-          </a:xfrm>
-          <a:prstGeom prst="rect">
-            <a:avLst/>
-          </a:prstGeom>
-        </p:spPr>
-        <p:txBody>
-          <a:bodyPr anchorCtr="0" anchor="ctr" bIns="116050" lIns="116050" spcFirstLastPara="1" rIns="116050" wrap="square" tIns="116050">
-            <a:noAutofit/>
-          </a:bodyPr>
-          <a:lstStyle>
-            <a:lvl1pPr lvl="0">
-              <a:buNone/>
-              <a:defRPr/>
-            </a:lvl1pPr>
-            <a:lvl2pPr lvl="1">
-              <a:buNone/>
-              <a:defRPr/>
-            </a:lvl2pPr>
-            <a:lvl3pPr lvl="2">
-              <a:buNone/>
-              <a:defRPr/>
-            </a:lvl3pPr>
-            <a:lvl4pPr lvl="3">
-              <a:buNone/>
-              <a:defRPr/>
-            </a:lvl4pPr>
-            <a:lvl5pPr lvl="4">
-              <a:buNone/>
-              <a:defRPr/>
-            </a:lvl5pPr>
-            <a:lvl6pPr lvl="5">
-              <a:buNone/>
-              <a:defRPr/>
-            </a:lvl6pPr>
-            <a:lvl7pPr lvl="6">
-              <a:buNone/>
-              <a:defRPr/>
-            </a:lvl7pPr>
-            <a:lvl8pPr lvl="7">
-              <a:buNone/>
-              <a:defRPr/>
-            </a:lvl8pPr>
-            <a:lvl9pPr lvl="8">
-              <a:buNone/>
-              <a:defRPr/>
-            </a:lvl9pPr>
-          </a:lstStyle>
-          <a:p>
-            <a:pPr indent="0" lvl="0" marL="0" rtl="0" algn="r">
-              <a:spcBef>
-                <a:spcPts val="0"/>
-              </a:spcBef>
-              <a:spcAft>
-                <a:spcPts val="0"/>
-              </a:spcAft>
-              <a:buNone/>
-            </a:pPr>
-            <a:fld id="{00000000-1234-1234-1234-123412341234}" type="slidenum">
-              <a:rPr lang="en"/>
-              <a:t>‹#›</a:t>
-            </a:fld>
-            <a:endParaRPr/>
-          </a:p>
-        </p:txBody>
-      </p:sp>
-    </p:spTree>
-  </p:cSld>
-  <p:clrMapOvr>
-    <a:masterClrMapping/>
-  </p:clrMapOvr>
-</p:sldLayout>
-</file>
-
-<file path=ppt/slideLayouts/slideLayout7.xml><?xml version="1.0" encoding="utf-8"?>
-<p:sldLayout xmlns:a="http://schemas.openxmlformats.org/drawingml/2006/main" xmlns:r="http://schemas.openxmlformats.org/officeDocument/2006/relationships" xmlns:mc="http://schemas.openxmlformats.org/markup-compatibility/2006" xmlns:mv="urn:schemas-microsoft-com:mac:vml" xmlns:p="http://schemas.openxmlformats.org/presentationml/2006/main" xmlns:c="http://schemas.openxmlformats.org/drawingml/2006/chart" xmlns:dgm="http://schemas.openxmlformats.org/drawingml/2006/diagram" xmlns:o="urn:schemas-microsoft-com:office:office" xmlns:v="urn:schemas-microsoft-com:vml" xmlns:pvml="urn:schemas-microsoft-com:office:powerpoint" xmlns:com="http://schemas.openxmlformats.org/drawingml/2006/compatibility" xmlns:p14="http://schemas.microsoft.com/office/powerpoint/2010/main" xmlns:p15="http://schemas.microsoft.com/office/powerpoint/2012/main" matchingName="Main point">
-  <p:cSld name="MAIN_POINT">
-    <p:spTree>
-      <p:nvGrpSpPr>
-        <p:cNvPr id="32" name="Shape 32"/>
-        <p:cNvGrpSpPr/>
-        <p:nvPr/>
-      </p:nvGrpSpPr>
-      <p:grpSpPr>
-        <a:xfrm>
-          <a:off x="0" y="0"/>
-          <a:ext cx="0" cy="0"/>
-          <a:chOff x="0" y="0"/>
-          <a:chExt cx="0" cy="0"/>
-        </a:xfrm>
-      </p:grpSpPr>
-      <p:sp>
-        <p:nvSpPr>
-          <p:cNvPr id="33" name="Google Shape;33;p8"/>
-          <p:cNvSpPr txBox="1"/>
-          <p:nvPr>
-            <p:ph type="title"/>
-          </p:nvPr>
-        </p:nvSpPr>
-        <p:spPr>
-          <a:xfrm>
-            <a:off x="573245" y="661638"/>
-            <a:ext cx="7445700" cy="6012600"/>
-          </a:xfrm>
-          <a:prstGeom prst="rect">
-            <a:avLst/>
-          </a:prstGeom>
-        </p:spPr>
-        <p:txBody>
-          <a:bodyPr anchorCtr="0" anchor="ctr" bIns="116050" lIns="116050" spcFirstLastPara="1" rIns="116050" wrap="square" tIns="116050">
-            <a:noAutofit/>
-          </a:bodyPr>
-          <a:lstStyle>
-            <a:lvl1pPr lvl="0">
-              <a:spcBef>
-                <a:spcPts val="0"/>
-              </a:spcBef>
-              <a:spcAft>
-                <a:spcPts val="0"/>
-              </a:spcAft>
-              <a:buSzPts val="6100"/>
-              <a:buNone/>
-              <a:defRPr sz="6100"/>
-            </a:lvl1pPr>
-            <a:lvl2pPr lvl="1">
-              <a:spcBef>
-                <a:spcPts val="0"/>
-              </a:spcBef>
-              <a:spcAft>
-                <a:spcPts val="0"/>
-              </a:spcAft>
-              <a:buSzPts val="6100"/>
-              <a:buNone/>
-              <a:defRPr sz="6100"/>
-            </a:lvl2pPr>
-            <a:lvl3pPr lvl="2">
-              <a:spcBef>
-                <a:spcPts val="0"/>
-              </a:spcBef>
-              <a:spcAft>
-                <a:spcPts val="0"/>
-              </a:spcAft>
-              <a:buSzPts val="6100"/>
-              <a:buNone/>
-              <a:defRPr sz="6100"/>
-            </a:lvl3pPr>
-            <a:lvl4pPr lvl="3">
-              <a:spcBef>
-                <a:spcPts val="0"/>
-              </a:spcBef>
-              <a:spcAft>
-                <a:spcPts val="0"/>
-              </a:spcAft>
-              <a:buSzPts val="6100"/>
-              <a:buNone/>
-              <a:defRPr sz="6100"/>
-            </a:lvl4pPr>
-            <a:lvl5pPr lvl="4">
-              <a:spcBef>
-                <a:spcPts val="0"/>
-              </a:spcBef>
-              <a:spcAft>
-                <a:spcPts val="0"/>
-              </a:spcAft>
-              <a:buSzPts val="6100"/>
-              <a:buNone/>
-              <a:defRPr sz="6100"/>
-            </a:lvl5pPr>
-            <a:lvl6pPr lvl="5">
-              <a:spcBef>
-                <a:spcPts val="0"/>
-              </a:spcBef>
-              <a:spcAft>
-                <a:spcPts val="0"/>
-              </a:spcAft>
-              <a:buSzPts val="6100"/>
-              <a:buNone/>
-              <a:defRPr sz="6100"/>
-            </a:lvl6pPr>
-            <a:lvl7pPr lvl="6">
-              <a:spcBef>
-                <a:spcPts val="0"/>
-              </a:spcBef>
-              <a:spcAft>
-                <a:spcPts val="0"/>
-              </a:spcAft>
-              <a:buSzPts val="6100"/>
-              <a:buNone/>
-              <a:defRPr sz="6100"/>
-            </a:lvl7pPr>
-            <a:lvl8pPr lvl="7">
-              <a:spcBef>
-                <a:spcPts val="0"/>
-              </a:spcBef>
-              <a:spcAft>
-                <a:spcPts val="0"/>
-              </a:spcAft>
-              <a:buSzPts val="6100"/>
-              <a:buNone/>
-              <a:defRPr sz="6100"/>
-            </a:lvl8pPr>
-            <a:lvl9pPr lvl="8">
-              <a:spcBef>
-                <a:spcPts val="0"/>
-              </a:spcBef>
-              <a:spcAft>
-                <a:spcPts val="0"/>
-              </a:spcAft>
-              <a:buSzPts val="6100"/>
-              <a:buNone/>
-              <a:defRPr sz="6100"/>
-            </a:lvl9pPr>
-          </a:lstStyle>
-          <a:p/>
-        </p:txBody>
-      </p:sp>
-      <p:sp>
-        <p:nvSpPr>
-          <p:cNvPr id="34" name="Google Shape;34;p8"/>
-          <p:cNvSpPr txBox="1"/>
-          <p:nvPr>
-            <p:ph idx="12" type="sldNum"/>
-          </p:nvPr>
-        </p:nvSpPr>
-        <p:spPr>
-          <a:xfrm>
-            <a:off x="9906772" y="6854072"/>
-            <a:ext cx="641700" cy="578400"/>
-          </a:xfrm>
-          <a:prstGeom prst="rect">
-            <a:avLst/>
-          </a:prstGeom>
-        </p:spPr>
-        <p:txBody>
-          <a:bodyPr anchorCtr="0" anchor="ctr" bIns="116050" lIns="116050" spcFirstLastPara="1" rIns="116050" wrap="square" tIns="116050">
-            <a:noAutofit/>
-          </a:bodyPr>
-          <a:lstStyle>
-            <a:lvl1pPr lvl="0">
-              <a:buNone/>
-              <a:defRPr/>
-            </a:lvl1pPr>
-            <a:lvl2pPr lvl="1">
-              <a:buNone/>
-              <a:defRPr/>
-            </a:lvl2pPr>
-            <a:lvl3pPr lvl="2">
-              <a:buNone/>
-              <a:defRPr/>
-            </a:lvl3pPr>
-            <a:lvl4pPr lvl="3">
-              <a:buNone/>
-              <a:defRPr/>
-            </a:lvl4pPr>
-            <a:lvl5pPr lvl="4">
-              <a:buNone/>
-              <a:defRPr/>
-            </a:lvl5pPr>
-            <a:lvl6pPr lvl="5">
-              <a:buNone/>
-              <a:defRPr/>
-            </a:lvl6pPr>
-            <a:lvl7pPr lvl="6">
-              <a:buNone/>
-              <a:defRPr/>
-            </a:lvl7pPr>
-            <a:lvl8pPr lvl="7">
-              <a:buNone/>
-              <a:defRPr/>
-            </a:lvl8pPr>
-            <a:lvl9pPr lvl="8">
-              <a:buNone/>
-              <a:defRPr/>
-            </a:lvl9pPr>
-          </a:lstStyle>
-          <a:p>
-            <a:pPr indent="0" lvl="0" marL="0" rtl="0" algn="r">
-              <a:spcBef>
-                <a:spcPts val="0"/>
-              </a:spcBef>
-              <a:spcAft>
-                <a:spcPts val="0"/>
-              </a:spcAft>
-              <a:buNone/>
-            </a:pPr>
-            <a:fld id="{00000000-1234-1234-1234-123412341234}" type="slidenum">
-              <a:rPr lang="en"/>
-              <a:t>‹#›</a:t>
-            </a:fld>
-            <a:endParaRPr/>
-          </a:p>
-        </p:txBody>
-      </p:sp>
-    </p:spTree>
-  </p:cSld>
-  <p:clrMapOvr>
-    <a:masterClrMapping/>
-  </p:clrMapOvr>
-</p:sldLayout>
-</file>
-
-<file path=ppt/slideLayouts/slideLayout8.xml><?xml version="1.0" encoding="utf-8"?>
-<p:sldLayout xmlns:a="http://schemas.openxmlformats.org/drawingml/2006/main" xmlns:r="http://schemas.openxmlformats.org/officeDocument/2006/relationships" xmlns:mc="http://schemas.openxmlformats.org/markup-compatibility/2006" xmlns:mv="urn:schemas-microsoft-com:mac:vml" xmlns:p="http://schemas.openxmlformats.org/presentationml/2006/main" xmlns:c="http://schemas.openxmlformats.org/drawingml/2006/chart" xmlns:dgm="http://schemas.openxmlformats.org/drawingml/2006/diagram" xmlns:o="urn:schemas-microsoft-com:office:office" xmlns:v="urn:schemas-microsoft-com:vml" xmlns:pvml="urn:schemas-microsoft-com:office:powerpoint" xmlns:com="http://schemas.openxmlformats.org/drawingml/2006/compatibility" xmlns:p14="http://schemas.microsoft.com/office/powerpoint/2010/main" xmlns:p15="http://schemas.microsoft.com/office/powerpoint/2012/main" matchingName="Section title and description">
-  <p:cSld name="SECTION_TITLE_AND_DESCRIPTION">
-    <p:spTree>
-      <p:nvGrpSpPr>
-        <p:cNvPr id="35" name="Shape 35"/>
-        <p:cNvGrpSpPr/>
-        <p:nvPr/>
-      </p:nvGrpSpPr>
-      <p:grpSpPr>
-        <a:xfrm>
-          <a:off x="0" y="0"/>
-          <a:ext cx="0" cy="0"/>
-          <a:chOff x="0" y="0"/>
-          <a:chExt cx="0" cy="0"/>
-        </a:xfrm>
-      </p:grpSpPr>
-      <p:sp>
-        <p:nvSpPr>
-          <p:cNvPr id="36" name="Google Shape;36;p9"/>
-          <p:cNvSpPr/>
-          <p:nvPr/>
-        </p:nvSpPr>
-        <p:spPr>
-          <a:xfrm>
-            <a:off x="5346000" y="-184"/>
-            <a:ext cx="5346000" cy="7560000"/>
-          </a:xfrm>
-          <a:prstGeom prst="rect">
-            <a:avLst/>
-          </a:prstGeom>
-          <a:solidFill>
-            <a:schemeClr val="lt2"/>
-          </a:solidFill>
-          <a:ln>
-            <a:noFill/>
-          </a:ln>
-        </p:spPr>
-        <p:txBody>
-          <a:bodyPr anchorCtr="0" anchor="ctr" bIns="116050" lIns="116050" spcFirstLastPara="1" rIns="116050" wrap="square" tIns="116050">
-            <a:noAutofit/>
-          </a:bodyPr>
-          <a:lstStyle/>
-          <a:p>
-            <a:pPr indent="0" lvl="0" marL="0" rtl="0" algn="l">
-              <a:spcBef>
-                <a:spcPts val="0"/>
-              </a:spcBef>
-              <a:spcAft>
-                <a:spcPts val="0"/>
-              </a:spcAft>
-              <a:buNone/>
-            </a:pPr>
-            <a:r>
-              <a:t/>
-            </a:r>
-            <a:endParaRPr/>
-          </a:p>
-        </p:txBody>
-      </p:sp>
-      <p:sp>
-        <p:nvSpPr>
-          <p:cNvPr id="37" name="Google Shape;37;p9"/>
-          <p:cNvSpPr txBox="1"/>
-          <p:nvPr>
-            <p:ph type="title"/>
-          </p:nvPr>
-        </p:nvSpPr>
-        <p:spPr>
-          <a:xfrm>
-            <a:off x="310447" y="1812541"/>
-            <a:ext cx="4730100" cy="2178600"/>
-          </a:xfrm>
-          <a:prstGeom prst="rect">
-            <a:avLst/>
-          </a:prstGeom>
-        </p:spPr>
-        <p:txBody>
-          <a:bodyPr anchorCtr="0" anchor="b" bIns="116050" lIns="116050" spcFirstLastPara="1" rIns="116050" wrap="square" tIns="116050">
-            <a:noAutofit/>
-          </a:bodyPr>
-          <a:lstStyle>
-            <a:lvl1pPr lvl="0" algn="ctr">
-              <a:spcBef>
-                <a:spcPts val="0"/>
-              </a:spcBef>
-              <a:spcAft>
-                <a:spcPts val="0"/>
-              </a:spcAft>
-              <a:buSzPts val="5300"/>
-              <a:buNone/>
-              <a:defRPr sz="5300"/>
-            </a:lvl1pPr>
-            <a:lvl2pPr lvl="1" algn="ctr">
-              <a:spcBef>
-                <a:spcPts val="0"/>
-              </a:spcBef>
-              <a:spcAft>
-                <a:spcPts val="0"/>
-              </a:spcAft>
-              <a:buSzPts val="5300"/>
-              <a:buNone/>
-              <a:defRPr sz="5300"/>
-            </a:lvl2pPr>
-            <a:lvl3pPr lvl="2" algn="ctr">
-              <a:spcBef>
-                <a:spcPts val="0"/>
-              </a:spcBef>
-              <a:spcAft>
-                <a:spcPts val="0"/>
-              </a:spcAft>
-              <a:buSzPts val="5300"/>
-              <a:buNone/>
-              <a:defRPr sz="5300"/>
-            </a:lvl3pPr>
-            <a:lvl4pPr lvl="3" algn="ctr">
-              <a:spcBef>
-                <a:spcPts val="0"/>
-              </a:spcBef>
-              <a:spcAft>
-                <a:spcPts val="0"/>
-              </a:spcAft>
-              <a:buSzPts val="5300"/>
-              <a:buNone/>
-              <a:defRPr sz="5300"/>
-            </a:lvl4pPr>
-            <a:lvl5pPr lvl="4" algn="ctr">
-              <a:spcBef>
-                <a:spcPts val="0"/>
-              </a:spcBef>
-              <a:spcAft>
-                <a:spcPts val="0"/>
-              </a:spcAft>
-              <a:buSzPts val="5300"/>
-              <a:buNone/>
-              <a:defRPr sz="5300"/>
-            </a:lvl5pPr>
-            <a:lvl6pPr lvl="5" algn="ctr">
-              <a:spcBef>
-                <a:spcPts val="0"/>
-              </a:spcBef>
-              <a:spcAft>
-                <a:spcPts val="0"/>
-              </a:spcAft>
-              <a:buSzPts val="5300"/>
-              <a:buNone/>
-              <a:defRPr sz="5300"/>
-            </a:lvl6pPr>
-            <a:lvl7pPr lvl="6" algn="ctr">
-              <a:spcBef>
-                <a:spcPts val="0"/>
-              </a:spcBef>
-              <a:spcAft>
-                <a:spcPts val="0"/>
-              </a:spcAft>
-              <a:buSzPts val="5300"/>
-              <a:buNone/>
-              <a:defRPr sz="5300"/>
-            </a:lvl7pPr>
-            <a:lvl8pPr lvl="7" algn="ctr">
-              <a:spcBef>
-                <a:spcPts val="0"/>
-              </a:spcBef>
-              <a:spcAft>
-                <a:spcPts val="0"/>
-              </a:spcAft>
-              <a:buSzPts val="5300"/>
-              <a:buNone/>
-              <a:defRPr sz="5300"/>
-            </a:lvl8pPr>
-            <a:lvl9pPr lvl="8" algn="ctr">
-              <a:spcBef>
-                <a:spcPts val="0"/>
-              </a:spcBef>
-              <a:spcAft>
-                <a:spcPts val="0"/>
-              </a:spcAft>
-              <a:buSzPts val="5300"/>
-              <a:buNone/>
-              <a:defRPr sz="5300"/>
-            </a:lvl9pPr>
-          </a:lstStyle>
-          <a:p/>
-        </p:txBody>
-      </p:sp>
-      <p:sp>
-        <p:nvSpPr>
-          <p:cNvPr id="38" name="Google Shape;38;p9"/>
-          <p:cNvSpPr txBox="1"/>
-          <p:nvPr>
-            <p:ph idx="1" type="subTitle"/>
-          </p:nvPr>
-        </p:nvSpPr>
-        <p:spPr>
-          <a:xfrm>
-            <a:off x="310447" y="4120005"/>
-            <a:ext cx="4730100" cy="1815300"/>
-          </a:xfrm>
-          <a:prstGeom prst="rect">
-            <a:avLst/>
-          </a:prstGeom>
-        </p:spPr>
-        <p:txBody>
-          <a:bodyPr anchorCtr="0" anchor="t" bIns="116050" lIns="116050" spcFirstLastPara="1" rIns="116050" wrap="square" tIns="116050">
-            <a:noAutofit/>
-          </a:bodyPr>
-          <a:lstStyle>
-            <a:lvl1pPr lvl="0" algn="ctr">
-              <a:lnSpc>
-                <a:spcPct val="100000"/>
-              </a:lnSpc>
-              <a:spcBef>
-                <a:spcPts val="0"/>
-              </a:spcBef>
-              <a:spcAft>
-                <a:spcPts val="0"/>
-              </a:spcAft>
-              <a:buSzPts val="2700"/>
-              <a:buNone/>
-              <a:defRPr sz="2700"/>
-            </a:lvl1pPr>
-            <a:lvl2pPr lvl="1" algn="ctr">
-              <a:lnSpc>
-                <a:spcPct val="100000"/>
-              </a:lnSpc>
-              <a:spcBef>
-                <a:spcPts val="0"/>
-              </a:spcBef>
-              <a:spcAft>
-                <a:spcPts val="0"/>
-              </a:spcAft>
-              <a:buSzPts val="2700"/>
-              <a:buNone/>
-              <a:defRPr sz="2700"/>
-            </a:lvl2pPr>
-            <a:lvl3pPr lvl="2" algn="ctr">
-              <a:lnSpc>
-                <a:spcPct val="100000"/>
-              </a:lnSpc>
-              <a:spcBef>
-                <a:spcPts val="0"/>
-              </a:spcBef>
-              <a:spcAft>
-                <a:spcPts val="0"/>
-              </a:spcAft>
-              <a:buSzPts val="2700"/>
-              <a:buNone/>
-              <a:defRPr sz="2700"/>
-            </a:lvl3pPr>
-            <a:lvl4pPr lvl="3" algn="ctr">
-              <a:lnSpc>
-                <a:spcPct val="100000"/>
-              </a:lnSpc>
-              <a:spcBef>
-                <a:spcPts val="0"/>
-              </a:spcBef>
-              <a:spcAft>
-                <a:spcPts val="0"/>
-              </a:spcAft>
-              <a:buSzPts val="2700"/>
-              <a:buNone/>
-              <a:defRPr sz="2700"/>
-            </a:lvl4pPr>
-            <a:lvl5pPr lvl="4" algn="ctr">
-              <a:lnSpc>
-                <a:spcPct val="100000"/>
-              </a:lnSpc>
-              <a:spcBef>
-                <a:spcPts val="0"/>
-              </a:spcBef>
-              <a:spcAft>
-                <a:spcPts val="0"/>
-              </a:spcAft>
-              <a:buSzPts val="2700"/>
-              <a:buNone/>
-              <a:defRPr sz="2700"/>
-            </a:lvl5pPr>
-            <a:lvl6pPr lvl="5" algn="ctr">
-              <a:lnSpc>
-                <a:spcPct val="100000"/>
-              </a:lnSpc>
-              <a:spcBef>
-                <a:spcPts val="0"/>
-              </a:spcBef>
-              <a:spcAft>
-                <a:spcPts val="0"/>
-              </a:spcAft>
-              <a:buSzPts val="2700"/>
-              <a:buNone/>
-              <a:defRPr sz="2700"/>
-            </a:lvl6pPr>
-            <a:lvl7pPr lvl="6" algn="ctr">
-              <a:lnSpc>
-                <a:spcPct val="100000"/>
-              </a:lnSpc>
-              <a:spcBef>
-                <a:spcPts val="0"/>
-              </a:spcBef>
-              <a:spcAft>
-                <a:spcPts val="0"/>
-              </a:spcAft>
-              <a:buSzPts val="2700"/>
-              <a:buNone/>
-              <a:defRPr sz="2700"/>
-            </a:lvl7pPr>
-            <a:lvl8pPr lvl="7" algn="ctr">
-              <a:lnSpc>
-                <a:spcPct val="100000"/>
-              </a:lnSpc>
-              <a:spcBef>
-                <a:spcPts val="0"/>
-              </a:spcBef>
-              <a:spcAft>
-                <a:spcPts val="0"/>
-              </a:spcAft>
-              <a:buSzPts val="2700"/>
-              <a:buNone/>
-              <a:defRPr sz="2700"/>
-            </a:lvl8pPr>
-            <a:lvl9pPr lvl="8" algn="ctr">
-              <a:lnSpc>
-                <a:spcPct val="100000"/>
-              </a:lnSpc>
-              <a:spcBef>
-                <a:spcPts val="0"/>
-              </a:spcBef>
-              <a:spcAft>
-                <a:spcPts val="0"/>
-              </a:spcAft>
-              <a:buSzPts val="2700"/>
-              <a:buNone/>
-              <a:defRPr sz="2700"/>
-            </a:lvl9pPr>
-          </a:lstStyle>
-          <a:p/>
-        </p:txBody>
-      </p:sp>
-      <p:sp>
-        <p:nvSpPr>
-          <p:cNvPr id="39" name="Google Shape;39;p9"/>
-          <p:cNvSpPr txBox="1"/>
-          <p:nvPr>
-            <p:ph idx="2" type="body"/>
-          </p:nvPr>
-        </p:nvSpPr>
-        <p:spPr>
-          <a:xfrm>
-            <a:off x="5775715" y="1064257"/>
-            <a:ext cx="4486500" cy="5431200"/>
-          </a:xfrm>
-          <a:prstGeom prst="rect">
-            <a:avLst/>
-          </a:prstGeom>
-        </p:spPr>
-        <p:txBody>
-          <a:bodyPr anchorCtr="0" anchor="ctr" bIns="116050" lIns="116050" spcFirstLastPara="1" rIns="116050" wrap="square" tIns="116050">
-            <a:noAutofit/>
-          </a:bodyPr>
-          <a:lstStyle>
-            <a:lvl1pPr indent="-374650" lvl="0" marL="457200">
-              <a:spcBef>
-                <a:spcPts val="0"/>
-              </a:spcBef>
-              <a:spcAft>
-                <a:spcPts val="0"/>
-              </a:spcAft>
-              <a:buSzPts val="2300"/>
-              <a:buChar char="●"/>
-              <a:defRPr/>
-            </a:lvl1pPr>
-            <a:lvl2pPr indent="-342900" lvl="1" marL="914400">
-              <a:spcBef>
-                <a:spcPts val="2000"/>
-              </a:spcBef>
-              <a:spcAft>
-                <a:spcPts val="0"/>
-              </a:spcAft>
-              <a:buSzPts val="1800"/>
-              <a:buChar char="○"/>
-              <a:defRPr/>
-            </a:lvl2pPr>
-            <a:lvl3pPr indent="-342900" lvl="2" marL="1371600">
-              <a:spcBef>
-                <a:spcPts val="2000"/>
-              </a:spcBef>
-              <a:spcAft>
-                <a:spcPts val="0"/>
-              </a:spcAft>
-              <a:buSzPts val="1800"/>
-              <a:buChar char="■"/>
-              <a:defRPr/>
-            </a:lvl3pPr>
-            <a:lvl4pPr indent="-342900" lvl="3" marL="1828800">
-              <a:spcBef>
-                <a:spcPts val="2000"/>
-              </a:spcBef>
-              <a:spcAft>
-                <a:spcPts val="0"/>
-              </a:spcAft>
-              <a:buSzPts val="1800"/>
-              <a:buChar char="●"/>
-              <a:defRPr/>
-            </a:lvl4pPr>
-            <a:lvl5pPr indent="-342900" lvl="4" marL="2286000">
-              <a:spcBef>
-                <a:spcPts val="2000"/>
-              </a:spcBef>
-              <a:spcAft>
-                <a:spcPts val="0"/>
-              </a:spcAft>
-              <a:buSzPts val="1800"/>
-              <a:buChar char="○"/>
-              <a:defRPr/>
-            </a:lvl5pPr>
-            <a:lvl6pPr indent="-342900" lvl="5" marL="2743200">
-              <a:spcBef>
-                <a:spcPts val="2000"/>
-              </a:spcBef>
-              <a:spcAft>
-                <a:spcPts val="0"/>
-              </a:spcAft>
-              <a:buSzPts val="1800"/>
-              <a:buChar char="■"/>
-              <a:defRPr/>
-            </a:lvl6pPr>
-            <a:lvl7pPr indent="-342900" lvl="6" marL="3200400">
-              <a:spcBef>
-                <a:spcPts val="2000"/>
-              </a:spcBef>
-              <a:spcAft>
-                <a:spcPts val="0"/>
-              </a:spcAft>
-              <a:buSzPts val="1800"/>
-              <a:buChar char="●"/>
-              <a:defRPr/>
-            </a:lvl7pPr>
-            <a:lvl8pPr indent="-342900" lvl="7" marL="3657600">
-              <a:spcBef>
-                <a:spcPts val="2000"/>
-              </a:spcBef>
-              <a:spcAft>
-                <a:spcPts val="0"/>
-              </a:spcAft>
-              <a:buSzPts val="1800"/>
-              <a:buChar char="○"/>
-              <a:defRPr/>
-            </a:lvl8pPr>
-            <a:lvl9pPr indent="-342900" lvl="8" marL="4114800">
-              <a:spcBef>
-                <a:spcPts val="2000"/>
-              </a:spcBef>
-              <a:spcAft>
-                <a:spcPts val="2000"/>
-              </a:spcAft>
-              <a:buSzPts val="1800"/>
-              <a:buChar char="■"/>
-              <a:defRPr/>
-            </a:lvl9pPr>
-          </a:lstStyle>
-          <a:p/>
-        </p:txBody>
-      </p:sp>
-      <p:sp>
-        <p:nvSpPr>
-          <p:cNvPr id="40" name="Google Shape;40;p9"/>
-          <p:cNvSpPr txBox="1"/>
-          <p:nvPr>
-            <p:ph idx="12" type="sldNum"/>
-          </p:nvPr>
-        </p:nvSpPr>
-        <p:spPr>
-          <a:xfrm>
-            <a:off x="9906772" y="6854072"/>
-            <a:ext cx="641700" cy="578400"/>
-          </a:xfrm>
-          <a:prstGeom prst="rect">
-            <a:avLst/>
-          </a:prstGeom>
-        </p:spPr>
-        <p:txBody>
-          <a:bodyPr anchorCtr="0" anchor="ctr" bIns="116050" lIns="116050" spcFirstLastPara="1" rIns="116050" wrap="square" tIns="116050">
-            <a:noAutofit/>
-          </a:bodyPr>
-          <a:lstStyle>
-            <a:lvl1pPr lvl="0">
-              <a:buNone/>
-              <a:defRPr/>
-            </a:lvl1pPr>
-            <a:lvl2pPr lvl="1">
-              <a:buNone/>
-              <a:defRPr/>
-            </a:lvl2pPr>
-            <a:lvl3pPr lvl="2">
-              <a:buNone/>
-              <a:defRPr/>
-            </a:lvl3pPr>
-            <a:lvl4pPr lvl="3">
-              <a:buNone/>
-              <a:defRPr/>
-            </a:lvl4pPr>
-            <a:lvl5pPr lvl="4">
-              <a:buNone/>
-              <a:defRPr/>
-            </a:lvl5pPr>
-            <a:lvl6pPr lvl="5">
-              <a:buNone/>
-              <a:defRPr/>
-            </a:lvl6pPr>
-            <a:lvl7pPr lvl="6">
-              <a:buNone/>
-              <a:defRPr/>
-            </a:lvl7pPr>
-            <a:lvl8pPr lvl="7">
-              <a:buNone/>
-              <a:defRPr/>
-            </a:lvl8pPr>
-            <a:lvl9pPr lvl="8">
-              <a:buNone/>
-              <a:defRPr/>
-            </a:lvl9pPr>
-          </a:lstStyle>
-          <a:p>
-            <a:pPr indent="0" lvl="0" marL="0" rtl="0" algn="r">
-              <a:spcBef>
-                <a:spcPts val="0"/>
-              </a:spcBef>
-              <a:spcAft>
-                <a:spcPts val="0"/>
-              </a:spcAft>
-              <a:buNone/>
-            </a:pPr>
-            <a:fld id="{00000000-1234-1234-1234-123412341234}" type="slidenum">
-              <a:rPr lang="en"/>
-              <a:t>‹#›</a:t>
-            </a:fld>
-            <a:endParaRPr/>
-          </a:p>
-        </p:txBody>
-      </p:sp>
-    </p:spTree>
-  </p:cSld>
-  <p:clrMapOvr>
-    <a:masterClrMapping/>
-  </p:clrMapOvr>
-</p:sldLayout>
-</file>
-
-<file path=ppt/slideLayouts/slideLayout9.xml><?xml version="1.0" encoding="utf-8"?>
-<p:sldLayout xmlns:a="http://schemas.openxmlformats.org/drawingml/2006/main" xmlns:r="http://schemas.openxmlformats.org/officeDocument/2006/relationships" xmlns:mc="http://schemas.openxmlformats.org/markup-compatibility/2006" xmlns:mv="urn:schemas-microsoft-com:mac:vml" xmlns:p="http://schemas.openxmlformats.org/presentationml/2006/main" xmlns:c="http://schemas.openxmlformats.org/drawingml/2006/chart" xmlns:dgm="http://schemas.openxmlformats.org/drawingml/2006/diagram" xmlns:o="urn:schemas-microsoft-com:office:office" xmlns:v="urn:schemas-microsoft-com:vml" xmlns:pvml="urn:schemas-microsoft-com:office:powerpoint" xmlns:com="http://schemas.openxmlformats.org/drawingml/2006/compatibility" xmlns:p14="http://schemas.microsoft.com/office/powerpoint/2010/main" xmlns:p15="http://schemas.microsoft.com/office/powerpoint/2012/main" matchingName="Caption">
-  <p:cSld name="CAPTION_ONLY">
-    <p:spTree>
-      <p:nvGrpSpPr>
-        <p:cNvPr id="41" name="Shape 41"/>
-        <p:cNvGrpSpPr/>
-        <p:nvPr/>
-      </p:nvGrpSpPr>
-      <p:grpSpPr>
-        <a:xfrm>
-          <a:off x="0" y="0"/>
-          <a:ext cx="0" cy="0"/>
-          <a:chOff x="0" y="0"/>
-          <a:chExt cx="0" cy="0"/>
-        </a:xfrm>
-      </p:grpSpPr>
-      <p:sp>
-        <p:nvSpPr>
-          <p:cNvPr id="42" name="Google Shape;42;p10"/>
-          <p:cNvSpPr txBox="1"/>
-          <p:nvPr>
-            <p:ph idx="1" type="body"/>
-          </p:nvPr>
-        </p:nvSpPr>
-        <p:spPr>
-          <a:xfrm>
-            <a:off x="364468" y="6218168"/>
-            <a:ext cx="7014300" cy="889500"/>
-          </a:xfrm>
-          <a:prstGeom prst="rect">
-            <a:avLst/>
-          </a:prstGeom>
-        </p:spPr>
-        <p:txBody>
-          <a:bodyPr anchorCtr="0" anchor="ctr" bIns="116050" lIns="116050" spcFirstLastPara="1" rIns="116050" wrap="square" tIns="116050">
-            <a:noAutofit/>
-          </a:bodyPr>
-          <a:lstStyle>
-            <a:lvl1pPr indent="-228600" lvl="0" marL="457200">
-              <a:lnSpc>
-                <a:spcPct val="100000"/>
-              </a:lnSpc>
-              <a:spcBef>
-                <a:spcPts val="0"/>
-              </a:spcBef>
-              <a:spcAft>
-                <a:spcPts val="0"/>
-              </a:spcAft>
-              <a:buSzPts val="2300"/>
-              <a:buNone/>
-              <a:defRPr/>
-            </a:lvl1pPr>
-          </a:lstStyle>
-          <a:p/>
-        </p:txBody>
-      </p:sp>
-      <p:sp>
-        <p:nvSpPr>
-          <p:cNvPr id="43" name="Google Shape;43;p10"/>
-          <p:cNvSpPr txBox="1"/>
-          <p:nvPr>
-            <p:ph idx="12" type="sldNum"/>
-          </p:nvPr>
-        </p:nvSpPr>
-        <p:spPr>
-          <a:xfrm>
-            <a:off x="9906772" y="6854072"/>
-            <a:ext cx="641700" cy="578400"/>
-          </a:xfrm>
-          <a:prstGeom prst="rect">
-            <a:avLst/>
-          </a:prstGeom>
-        </p:spPr>
-        <p:txBody>
-          <a:bodyPr anchorCtr="0" anchor="ctr" bIns="116050" lIns="116050" spcFirstLastPara="1" rIns="116050" wrap="square" tIns="116050">
-            <a:noAutofit/>
-          </a:bodyPr>
-          <a:lstStyle>
-            <a:lvl1pPr lvl="0">
-              <a:buNone/>
-              <a:defRPr/>
-            </a:lvl1pPr>
-            <a:lvl2pPr lvl="1">
-              <a:buNone/>
-              <a:defRPr/>
-            </a:lvl2pPr>
-            <a:lvl3pPr lvl="2">
-              <a:buNone/>
-              <a:defRPr/>
-            </a:lvl3pPr>
-            <a:lvl4pPr lvl="3">
-              <a:buNone/>
-              <a:defRPr/>
-            </a:lvl4pPr>
-            <a:lvl5pPr lvl="4">
-              <a:buNone/>
-              <a:defRPr/>
-            </a:lvl5pPr>
-            <a:lvl6pPr lvl="5">
-              <a:buNone/>
-              <a:defRPr/>
-            </a:lvl6pPr>
-            <a:lvl7pPr lvl="6">
-              <a:buNone/>
-              <a:defRPr/>
-            </a:lvl7pPr>
-            <a:lvl8pPr lvl="7">
-              <a:buNone/>
-              <a:defRPr/>
-            </a:lvl8pPr>
-            <a:lvl9pPr lvl="8">
-              <a:buNone/>
-              <a:defRPr/>
-            </a:lvl9pPr>
-          </a:lstStyle>
-          <a:p>
-            <a:pPr indent="0" lvl="0" marL="0" rtl="0" algn="r">
-              <a:spcBef>
-                <a:spcPts val="0"/>
-              </a:spcBef>
-              <a:spcAft>
-                <a:spcPts val="0"/>
-              </a:spcAft>
-              <a:buNone/>
-            </a:pPr>
-            <a:fld id="{00000000-1234-1234-1234-123412341234}" type="slidenum">
-              <a:rPr lang="en"/>
-              <a:t>‹#›</a:t>
-            </a:fld>
-            <a:endParaRPr/>
-          </a:p>
         </p:txBody>
       </p:sp>
     </p:spTree>
@@ -5310,138 +2072,11 @@
           <a:p/>
         </p:txBody>
       </p:sp>
-      <p:sp>
-        <p:nvSpPr>
-          <p:cNvPr id="8" name="Google Shape;8;p1"/>
-          <p:cNvSpPr txBox="1"/>
-          <p:nvPr>
-            <p:ph idx="12" type="sldNum"/>
-          </p:nvPr>
-        </p:nvSpPr>
-        <p:spPr>
-          <a:xfrm>
-            <a:off x="9906772" y="6854072"/>
-            <a:ext cx="641700" cy="578400"/>
-          </a:xfrm>
-          <a:prstGeom prst="rect">
-            <a:avLst/>
-          </a:prstGeom>
-          <a:noFill/>
-          <a:ln>
-            <a:noFill/>
-          </a:ln>
-        </p:spPr>
-        <p:txBody>
-          <a:bodyPr anchorCtr="0" anchor="ctr" bIns="116050" lIns="116050" spcFirstLastPara="1" rIns="116050" wrap="square" tIns="116050">
-            <a:noAutofit/>
-          </a:bodyPr>
-          <a:lstStyle>
-            <a:lvl1pPr lvl="0" algn="r">
-              <a:buNone/>
-              <a:defRPr sz="1300">
-                <a:solidFill>
-                  <a:schemeClr val="dk2"/>
-                </a:solidFill>
-              </a:defRPr>
-            </a:lvl1pPr>
-            <a:lvl2pPr lvl="1" algn="r">
-              <a:buNone/>
-              <a:defRPr sz="1300">
-                <a:solidFill>
-                  <a:schemeClr val="dk2"/>
-                </a:solidFill>
-              </a:defRPr>
-            </a:lvl2pPr>
-            <a:lvl3pPr lvl="2" algn="r">
-              <a:buNone/>
-              <a:defRPr sz="1300">
-                <a:solidFill>
-                  <a:schemeClr val="dk2"/>
-                </a:solidFill>
-              </a:defRPr>
-            </a:lvl3pPr>
-            <a:lvl4pPr lvl="3" algn="r">
-              <a:buNone/>
-              <a:defRPr sz="1300">
-                <a:solidFill>
-                  <a:schemeClr val="dk2"/>
-                </a:solidFill>
-              </a:defRPr>
-            </a:lvl4pPr>
-            <a:lvl5pPr lvl="4" algn="r">
-              <a:buNone/>
-              <a:defRPr sz="1300">
-                <a:solidFill>
-                  <a:schemeClr val="dk2"/>
-                </a:solidFill>
-              </a:defRPr>
-            </a:lvl5pPr>
-            <a:lvl6pPr lvl="5" algn="r">
-              <a:buNone/>
-              <a:defRPr sz="1300">
-                <a:solidFill>
-                  <a:schemeClr val="dk2"/>
-                </a:solidFill>
-              </a:defRPr>
-            </a:lvl6pPr>
-            <a:lvl7pPr lvl="6" algn="r">
-              <a:buNone/>
-              <a:defRPr sz="1300">
-                <a:solidFill>
-                  <a:schemeClr val="dk2"/>
-                </a:solidFill>
-              </a:defRPr>
-            </a:lvl7pPr>
-            <a:lvl8pPr lvl="7" algn="r">
-              <a:buNone/>
-              <a:defRPr sz="1300">
-                <a:solidFill>
-                  <a:schemeClr val="dk2"/>
-                </a:solidFill>
-              </a:defRPr>
-            </a:lvl8pPr>
-            <a:lvl9pPr lvl="8" algn="r">
-              <a:buNone/>
-              <a:defRPr sz="1300">
-                <a:solidFill>
-                  <a:schemeClr val="dk2"/>
-                </a:solidFill>
-              </a:defRPr>
-            </a:lvl9pPr>
-          </a:lstStyle>
-          <a:p>
-            <a:pPr indent="0" lvl="0" marL="0" rtl="0" algn="r">
-              <a:spcBef>
-                <a:spcPts val="0"/>
-              </a:spcBef>
-              <a:spcAft>
-                <a:spcPts val="0"/>
-              </a:spcAft>
-              <a:buNone/>
-            </a:pPr>
-            <a:fld id="{00000000-1234-1234-1234-123412341234}" type="slidenum">
-              <a:rPr lang="en"/>
-              <a:t>‹#›</a:t>
-            </a:fld>
-            <a:endParaRPr/>
-          </a:p>
-        </p:txBody>
-      </p:sp>
     </p:spTree>
   </p:cSld>
   <p:clrMap accent1="accent1" accent2="accent2" accent3="accent3" accent4="accent4" accent5="accent5" accent6="accent6" bg1="lt1" bg2="dk2" tx1="dk1" tx2="lt2" folHlink="folHlink" hlink="hlink"/>
   <p:sldLayoutIdLst>
     <p:sldLayoutId id="2147483648" r:id="rId1"/>
-    <p:sldLayoutId id="2147483649" r:id="rId2"/>
-    <p:sldLayoutId id="2147483650" r:id="rId3"/>
-    <p:sldLayoutId id="2147483651" r:id="rId4"/>
-    <p:sldLayoutId id="2147483652" r:id="rId5"/>
-    <p:sldLayoutId id="2147483653" r:id="rId6"/>
-    <p:sldLayoutId id="2147483654" r:id="rId7"/>
-    <p:sldLayoutId id="2147483655" r:id="rId8"/>
-    <p:sldLayoutId id="2147483656" r:id="rId9"/>
-    <p:sldLayoutId id="2147483657" r:id="rId10"/>
-    <p:sldLayoutId id="2147483658" r:id="rId11"/>
   </p:sldLayoutIdLst>
   <p:hf dt="0" ftr="0" hdr="0" sldNum="0"/>
   <p:txStyles>
@@ -6141,7 +2776,7 @@
   <p:cSld>
     <p:spTree>
       <p:nvGrpSpPr>
-        <p:cNvPr id="53" name="Shape 53"/>
+        <p:cNvPr id="13" name="Shape 13"/>
         <p:cNvGrpSpPr/>
         <p:nvPr/>
       </p:nvGrpSpPr>
@@ -6155,7 +2790,7 @@
       </p:grpSpPr>
       <p:sp>
         <p:nvSpPr>
-          <p:cNvPr id="54" name="Google Shape;54;p13"/>
+          <p:cNvPr id="14" name="Google Shape;14;p3"/>
           <p:cNvSpPr/>
           <p:nvPr/>
         </p:nvSpPr>
@@ -6206,7 +2841,7 @@
       </p:sp>
       <p:sp>
         <p:nvSpPr>
-          <p:cNvPr id="55" name="Google Shape;55;p13"/>
+          <p:cNvPr id="15" name="Google Shape;15;p3"/>
           <p:cNvSpPr txBox="1"/>
           <p:nvPr>
             <p:ph type="title"/>
@@ -6389,10 +3024,10 @@
       </p:sp>
       <p:sp>
         <p:nvSpPr>
-          <p:cNvPr id="56" name="Google Shape;56;p13"/>
+          <p:cNvPr id="16" name="Google Shape;16;p3"/>
           <p:cNvSpPr txBox="1"/>
           <p:nvPr>
-            <p:ph idx="1" type="body"/>
+            <p:ph idx="4294967295" type="body"/>
           </p:nvPr>
         </p:nvSpPr>
         <p:spPr>
@@ -7020,7 +3655,7 @@
       </p:sp>
       <p:sp>
         <p:nvSpPr>
-          <p:cNvPr id="57" name="Google Shape;57;p13"/>
+          <p:cNvPr id="17" name="Google Shape;17;p3"/>
           <p:cNvSpPr txBox="1"/>
           <p:nvPr>
             <p:ph type="title"/>
@@ -7169,7 +3804,7 @@
       </p:sp>
       <p:sp>
         <p:nvSpPr>
-          <p:cNvPr id="58" name="Google Shape;58;p13"/>
+          <p:cNvPr id="18" name="Google Shape;18;p3"/>
           <p:cNvSpPr txBox="1"/>
           <p:nvPr/>
         </p:nvSpPr>
@@ -7228,7 +3863,7 @@
       </p:sp>
       <p:sp>
         <p:nvSpPr>
-          <p:cNvPr id="59" name="Google Shape;59;p13"/>
+          <p:cNvPr id="19" name="Google Shape;19;p3"/>
           <p:cNvSpPr txBox="1"/>
           <p:nvPr/>
         </p:nvSpPr>
@@ -7287,7 +3922,7 @@
       </p:sp>
       <p:sp>
         <p:nvSpPr>
-          <p:cNvPr id="60" name="Google Shape;60;p13"/>
+          <p:cNvPr id="20" name="Google Shape;20;p3"/>
           <p:cNvSpPr/>
           <p:nvPr/>
         </p:nvSpPr>
@@ -7347,7 +3982,7 @@
       </p:sp>
       <p:sp>
         <p:nvSpPr>
-          <p:cNvPr id="61" name="Google Shape;61;p13"/>
+          <p:cNvPr id="21" name="Google Shape;21;p3"/>
           <p:cNvSpPr txBox="1"/>
           <p:nvPr/>
         </p:nvSpPr>
@@ -7472,7 +4107,7 @@
       </p:sp>
       <p:sp>
         <p:nvSpPr>
-          <p:cNvPr id="62" name="Google Shape;62;p13"/>
+          <p:cNvPr id="22" name="Google Shape;22;p3"/>
           <p:cNvSpPr txBox="1"/>
           <p:nvPr/>
         </p:nvSpPr>
@@ -7602,7 +4237,7 @@
       </p:sp>
       <p:sp>
         <p:nvSpPr>
-          <p:cNvPr id="63" name="Google Shape;63;p13"/>
+          <p:cNvPr id="23" name="Google Shape;23;p3"/>
           <p:cNvSpPr/>
           <p:nvPr/>
         </p:nvSpPr>
@@ -7662,7 +4297,7 @@
       </p:sp>
       <p:sp>
         <p:nvSpPr>
-          <p:cNvPr id="64" name="Google Shape;64;p13"/>
+          <p:cNvPr id="24" name="Google Shape;24;p3"/>
           <p:cNvSpPr txBox="1"/>
           <p:nvPr/>
         </p:nvSpPr>
@@ -7792,7 +4427,7 @@
       </p:sp>
       <p:sp>
         <p:nvSpPr>
-          <p:cNvPr id="65" name="Google Shape;65;p13"/>
+          <p:cNvPr id="25" name="Google Shape;25;p3"/>
           <p:cNvSpPr/>
           <p:nvPr/>
         </p:nvSpPr>
@@ -7852,7 +4487,7 @@
       </p:sp>
       <p:sp>
         <p:nvSpPr>
-          <p:cNvPr id="66" name="Google Shape;66;p13"/>
+          <p:cNvPr id="26" name="Google Shape;26;p3"/>
           <p:cNvSpPr txBox="1"/>
           <p:nvPr/>
         </p:nvSpPr>
@@ -7970,7 +4605,7 @@
       </p:sp>
       <p:sp>
         <p:nvSpPr>
-          <p:cNvPr id="67" name="Google Shape;67;p13"/>
+          <p:cNvPr id="27" name="Google Shape;27;p3"/>
           <p:cNvSpPr/>
           <p:nvPr/>
         </p:nvSpPr>
@@ -8036,7 +4671,7 @@
       </p:sp>
       <p:grpSp>
         <p:nvGrpSpPr>
-          <p:cNvPr id="68" name="Google Shape;68;p13"/>
+          <p:cNvPr id="28" name="Google Shape;28;p3"/>
           <p:cNvGrpSpPr/>
           <p:nvPr/>
         </p:nvGrpSpPr>
@@ -8050,7 +4685,7 @@
         </p:grpSpPr>
         <p:sp>
           <p:nvSpPr>
-            <p:cNvPr id="69" name="Google Shape;69;p13"/>
+            <p:cNvPr id="29" name="Google Shape;29;p3"/>
             <p:cNvSpPr txBox="1"/>
             <p:nvPr/>
           </p:nvSpPr>
@@ -8139,7 +4774,7 @@
         </p:sp>
         <p:sp>
           <p:nvSpPr>
-            <p:cNvPr id="70" name="Google Shape;70;p13"/>
+            <p:cNvPr id="30" name="Google Shape;30;p3"/>
             <p:cNvSpPr txBox="1"/>
             <p:nvPr/>
           </p:nvSpPr>
@@ -8202,7 +4837,7 @@
         </p:sp>
         <p:sp>
           <p:nvSpPr>
-            <p:cNvPr id="71" name="Google Shape;71;p13"/>
+            <p:cNvPr id="31" name="Google Shape;31;p3"/>
             <p:cNvSpPr txBox="1"/>
             <p:nvPr/>
           </p:nvSpPr>
@@ -8308,7 +4943,7 @@
         </p:sp>
         <p:sp>
           <p:nvSpPr>
-            <p:cNvPr id="72" name="Google Shape;72;p13"/>
+            <p:cNvPr id="32" name="Google Shape;32;p3"/>
             <p:cNvSpPr txBox="1"/>
             <p:nvPr/>
           </p:nvSpPr>
@@ -8371,7 +5006,7 @@
         </p:sp>
         <p:sp>
           <p:nvSpPr>
-            <p:cNvPr id="73" name="Google Shape;73;p13"/>
+            <p:cNvPr id="33" name="Google Shape;33;p3"/>
             <p:cNvSpPr txBox="1"/>
             <p:nvPr/>
           </p:nvSpPr>
@@ -8477,7 +5112,7 @@
         </p:sp>
         <p:sp>
           <p:nvSpPr>
-            <p:cNvPr id="74" name="Google Shape;74;p13"/>
+            <p:cNvPr id="34" name="Google Shape;34;p3"/>
             <p:cNvSpPr txBox="1"/>
             <p:nvPr/>
           </p:nvSpPr>
@@ -8583,7 +5218,7 @@
         </p:sp>
         <p:sp>
           <p:nvSpPr>
-            <p:cNvPr id="75" name="Google Shape;75;p13"/>
+            <p:cNvPr id="35" name="Google Shape;35;p3"/>
             <p:cNvSpPr txBox="1"/>
             <p:nvPr/>
           </p:nvSpPr>
@@ -8689,7 +5324,7 @@
         </p:sp>
         <p:sp>
           <p:nvSpPr>
-            <p:cNvPr id="76" name="Google Shape;76;p13"/>
+            <p:cNvPr id="36" name="Google Shape;36;p3"/>
             <p:cNvSpPr txBox="1"/>
             <p:nvPr/>
           </p:nvSpPr>
@@ -8795,7 +5430,7 @@
         </p:sp>
         <p:sp>
           <p:nvSpPr>
-            <p:cNvPr id="77" name="Google Shape;77;p13"/>
+            <p:cNvPr id="37" name="Google Shape;37;p3"/>
             <p:cNvSpPr txBox="1"/>
             <p:nvPr/>
           </p:nvSpPr>
@@ -8858,7 +5493,7 @@
         </p:sp>
         <p:sp>
           <p:nvSpPr>
-            <p:cNvPr id="78" name="Google Shape;78;p13"/>
+            <p:cNvPr id="38" name="Google Shape;38;p3"/>
             <p:cNvSpPr txBox="1"/>
             <p:nvPr/>
           </p:nvSpPr>
@@ -8921,7 +5556,7 @@
         </p:sp>
         <p:sp>
           <p:nvSpPr>
-            <p:cNvPr id="79" name="Google Shape;79;p13"/>
+            <p:cNvPr id="39" name="Google Shape;39;p3"/>
             <p:cNvSpPr txBox="1"/>
             <p:nvPr/>
           </p:nvSpPr>
@@ -8984,7 +5619,7 @@
         </p:sp>
         <p:sp>
           <p:nvSpPr>
-            <p:cNvPr id="80" name="Google Shape;80;p13"/>
+            <p:cNvPr id="40" name="Google Shape;40;p3"/>
             <p:cNvSpPr txBox="1"/>
             <p:nvPr/>
           </p:nvSpPr>
@@ -9047,7 +5682,7 @@
         </p:sp>
         <p:sp>
           <p:nvSpPr>
-            <p:cNvPr id="81" name="Google Shape;81;p13"/>
+            <p:cNvPr id="41" name="Google Shape;41;p3"/>
             <p:cNvSpPr txBox="1"/>
             <p:nvPr/>
           </p:nvSpPr>
@@ -9110,7 +5745,7 @@
         </p:sp>
         <p:sp>
           <p:nvSpPr>
-            <p:cNvPr id="82" name="Google Shape;82;p13"/>
+            <p:cNvPr id="42" name="Google Shape;42;p3"/>
             <p:cNvSpPr txBox="1"/>
             <p:nvPr/>
           </p:nvSpPr>
@@ -9173,7 +5808,7 @@
         </p:sp>
         <p:sp>
           <p:nvSpPr>
-            <p:cNvPr id="83" name="Google Shape;83;p13"/>
+            <p:cNvPr id="43" name="Google Shape;43;p3"/>
             <p:cNvSpPr txBox="1"/>
             <p:nvPr/>
           </p:nvSpPr>
@@ -9236,7 +5871,7 @@
         </p:sp>
         <p:sp>
           <p:nvSpPr>
-            <p:cNvPr id="84" name="Google Shape;84;p13"/>
+            <p:cNvPr id="44" name="Google Shape;44;p3"/>
             <p:cNvSpPr txBox="1"/>
             <p:nvPr/>
           </p:nvSpPr>
@@ -9300,7 +5935,7 @@
       </p:grpSp>
       <p:grpSp>
         <p:nvGrpSpPr>
-          <p:cNvPr id="85" name="Google Shape;85;p13"/>
+          <p:cNvPr id="45" name="Google Shape;45;p3"/>
           <p:cNvGrpSpPr/>
           <p:nvPr/>
         </p:nvGrpSpPr>
@@ -9314,7 +5949,7 @@
         </p:grpSpPr>
         <p:sp>
           <p:nvSpPr>
-            <p:cNvPr id="86" name="Google Shape;86;p13"/>
+            <p:cNvPr id="46" name="Google Shape;46;p3"/>
             <p:cNvSpPr/>
             <p:nvPr/>
           </p:nvSpPr>
@@ -9363,7 +5998,7 @@
         </p:sp>
         <p:pic>
           <p:nvPicPr>
-            <p:cNvPr id="87" name="Google Shape;87;p13"/>
+            <p:cNvPr id="47" name="Google Shape;47;p3"/>
             <p:cNvPicPr preferRelativeResize="0"/>
             <p:nvPr/>
           </p:nvPicPr>
@@ -9391,7 +6026,7 @@
       </p:grpSp>
       <p:sp>
         <p:nvSpPr>
-          <p:cNvPr id="88" name="Google Shape;88;p13"/>
+          <p:cNvPr id="48" name="Google Shape;48;p3"/>
           <p:cNvSpPr/>
           <p:nvPr/>
         </p:nvSpPr>
@@ -9451,7 +6086,7 @@
       </p:sp>
       <p:sp>
         <p:nvSpPr>
-          <p:cNvPr id="89" name="Google Shape;89;p13"/>
+          <p:cNvPr id="49" name="Google Shape;49;p3"/>
           <p:cNvSpPr txBox="1"/>
           <p:nvPr/>
         </p:nvSpPr>
@@ -9579,7 +6214,7 @@
       </p:sp>
       <p:sp>
         <p:nvSpPr>
-          <p:cNvPr id="90" name="Google Shape;90;p13"/>
+          <p:cNvPr id="50" name="Google Shape;50;p3"/>
           <p:cNvSpPr/>
           <p:nvPr/>
         </p:nvSpPr>
@@ -9639,7 +6274,7 @@
       </p:sp>
       <p:sp>
         <p:nvSpPr>
-          <p:cNvPr id="91" name="Google Shape;91;p13"/>
+          <p:cNvPr id="51" name="Google Shape;51;p3"/>
           <p:cNvSpPr txBox="1"/>
           <p:nvPr/>
         </p:nvSpPr>
@@ -9744,7 +6379,7 @@
       </p:sp>
       <p:sp>
         <p:nvSpPr>
-          <p:cNvPr id="92" name="Google Shape;92;p13"/>
+          <p:cNvPr id="52" name="Google Shape;52;p3"/>
           <p:cNvSpPr/>
           <p:nvPr/>
         </p:nvSpPr>
@@ -9804,7 +6439,7 @@
       </p:sp>
       <p:sp>
         <p:nvSpPr>
-          <p:cNvPr id="93" name="Google Shape;93;p13"/>
+          <p:cNvPr id="53" name="Google Shape;53;p3"/>
           <p:cNvSpPr txBox="1"/>
           <p:nvPr/>
         </p:nvSpPr>
@@ -9956,301 +6591,9 @@
           </a:p>
         </p:txBody>
       </p:sp>
-      <p:grpSp>
-        <p:nvGrpSpPr>
-          <p:cNvPr id="94" name="Google Shape;94;p13"/>
-          <p:cNvGrpSpPr/>
-          <p:nvPr/>
-        </p:nvGrpSpPr>
-        <p:grpSpPr>
-          <a:xfrm>
-            <a:off x="0" y="7094781"/>
-            <a:ext cx="10692000" cy="465069"/>
-            <a:chOff x="0" y="7094781"/>
-            <a:chExt cx="10692000" cy="465069"/>
-          </a:xfrm>
-        </p:grpSpPr>
-        <p:sp>
-          <p:nvSpPr>
-            <p:cNvPr id="95" name="Google Shape;95;p13"/>
-            <p:cNvSpPr/>
-            <p:nvPr/>
-          </p:nvSpPr>
-          <p:spPr>
-            <a:xfrm>
-              <a:off x="0" y="7094850"/>
-              <a:ext cx="10692000" cy="465000"/>
-            </a:xfrm>
-            <a:prstGeom prst="rect">
-              <a:avLst/>
-            </a:prstGeom>
-            <a:solidFill>
-              <a:srgbClr val="FFFFFF"/>
-            </a:solidFill>
-            <a:ln>
-              <a:noFill/>
-            </a:ln>
-          </p:spPr>
-          <p:txBody>
-            <a:bodyPr anchorCtr="0" anchor="ctr" bIns="91425" lIns="91425" spcFirstLastPara="1" rIns="91425" wrap="square" tIns="91425">
-              <a:noAutofit/>
-            </a:bodyPr>
-            <a:lstStyle/>
-            <a:p>
-              <a:pPr indent="0" lvl="0" marL="0" rtl="0" algn="l">
-                <a:spcBef>
-                  <a:spcPts val="0"/>
-                </a:spcBef>
-                <a:spcAft>
-                  <a:spcPts val="0"/>
-                </a:spcAft>
-                <a:buNone/>
-              </a:pPr>
-              <a:r>
-                <a:t/>
-              </a:r>
-              <a:endParaRPr/>
-            </a:p>
-          </p:txBody>
-        </p:sp>
-        <p:sp>
-          <p:nvSpPr>
-            <p:cNvPr id="96" name="Google Shape;96;p13"/>
-            <p:cNvSpPr txBox="1"/>
-            <p:nvPr/>
-          </p:nvSpPr>
-          <p:spPr>
-            <a:xfrm>
-              <a:off x="514889" y="7198197"/>
-              <a:ext cx="4216500" cy="266400"/>
-            </a:xfrm>
-            <a:prstGeom prst="rect">
-              <a:avLst/>
-            </a:prstGeom>
-            <a:noFill/>
-            <a:ln>
-              <a:noFill/>
-            </a:ln>
-          </p:spPr>
-          <p:txBody>
-            <a:bodyPr anchorCtr="0" anchor="b" bIns="92475" lIns="92475" spcFirstLastPara="1" rIns="92475" wrap="square" tIns="92475">
-              <a:noAutofit/>
-            </a:bodyPr>
-            <a:lstStyle/>
-            <a:p>
-              <a:pPr indent="0" lvl="0" marL="0" rtl="0" algn="l">
-                <a:spcBef>
-                  <a:spcPts val="0"/>
-                </a:spcBef>
-                <a:spcAft>
-                  <a:spcPts val="0"/>
-                </a:spcAft>
-                <a:buNone/>
-              </a:pPr>
-              <a:r>
-                <a:t/>
-              </a:r>
-              <a:endParaRPr b="1" sz="600">
-                <a:solidFill>
-                  <a:srgbClr val="000000"/>
-                </a:solidFill>
-                <a:latin typeface="IBM Plex Sans"/>
-                <a:ea typeface="IBM Plex Sans"/>
-                <a:cs typeface="IBM Plex Sans"/>
-                <a:sym typeface="IBM Plex Sans"/>
-              </a:endParaRPr>
-            </a:p>
-            <a:p>
-              <a:pPr indent="0" lvl="0" marL="0" rtl="0" algn="l">
-                <a:spcBef>
-                  <a:spcPts val="0"/>
-                </a:spcBef>
-                <a:spcAft>
-                  <a:spcPts val="0"/>
-                </a:spcAft>
-                <a:buNone/>
-              </a:pPr>
-              <a:r>
-                <a:t/>
-              </a:r>
-              <a:endParaRPr b="1" sz="600">
-                <a:solidFill>
-                  <a:srgbClr val="000000"/>
-                </a:solidFill>
-                <a:latin typeface="IBM Plex Sans"/>
-                <a:ea typeface="IBM Plex Sans"/>
-                <a:cs typeface="IBM Plex Sans"/>
-                <a:sym typeface="IBM Plex Sans"/>
-              </a:endParaRPr>
-            </a:p>
-            <a:p>
-              <a:pPr indent="0" lvl="0" marL="0" rtl="0" algn="l">
-                <a:spcBef>
-                  <a:spcPts val="0"/>
-                </a:spcBef>
-                <a:spcAft>
-                  <a:spcPts val="0"/>
-                </a:spcAft>
-                <a:buNone/>
-              </a:pPr>
-              <a:r>
-                <a:t/>
-              </a:r>
-              <a:endParaRPr b="1" sz="600">
-                <a:solidFill>
-                  <a:srgbClr val="000000"/>
-                </a:solidFill>
-                <a:latin typeface="IBM Plex Sans"/>
-                <a:ea typeface="IBM Plex Sans"/>
-                <a:cs typeface="IBM Plex Sans"/>
-                <a:sym typeface="IBM Plex Sans"/>
-              </a:endParaRPr>
-            </a:p>
-            <a:p>
-              <a:pPr indent="0" lvl="0" marL="0" rtl="0" algn="l">
-                <a:spcBef>
-                  <a:spcPts val="0"/>
-                </a:spcBef>
-                <a:spcAft>
-                  <a:spcPts val="0"/>
-                </a:spcAft>
-                <a:buNone/>
-              </a:pPr>
-              <a:r>
-                <a:rPr b="1" lang="en" sz="600">
-                  <a:latin typeface="IBM Plex Sans"/>
-                  <a:ea typeface="IBM Plex Sans"/>
-                  <a:cs typeface="IBM Plex Sans"/>
-                  <a:sym typeface="IBM Plex Sans"/>
-                </a:rPr>
-                <a:t>FINANCIAL INNOVATION LAB</a:t>
-              </a:r>
-              <a:r>
-                <a:rPr b="1" lang="en" sz="600">
-                  <a:solidFill>
-                    <a:srgbClr val="3C78D8"/>
-                  </a:solidFill>
-                  <a:latin typeface="IBM Plex Sans"/>
-                  <a:ea typeface="IBM Plex Sans"/>
-                  <a:cs typeface="IBM Plex Sans"/>
-                  <a:sym typeface="IBM Plex Sans"/>
-                </a:rPr>
-                <a:t> | BOOTCAMP ONE </a:t>
-              </a:r>
-              <a:endParaRPr b="1" sz="600">
-                <a:solidFill>
-                  <a:srgbClr val="3C78D8"/>
-                </a:solidFill>
-                <a:latin typeface="IBM Plex Sans"/>
-                <a:ea typeface="IBM Plex Sans"/>
-                <a:cs typeface="IBM Plex Sans"/>
-                <a:sym typeface="IBM Plex Sans"/>
-              </a:endParaRPr>
-            </a:p>
-          </p:txBody>
-        </p:sp>
-        <p:grpSp>
-          <p:nvGrpSpPr>
-            <p:cNvPr id="97" name="Google Shape;97;p13"/>
-            <p:cNvGrpSpPr/>
-            <p:nvPr/>
-          </p:nvGrpSpPr>
-          <p:grpSpPr>
-            <a:xfrm>
-              <a:off x="7712143" y="7094781"/>
-              <a:ext cx="2412328" cy="430321"/>
-              <a:chOff x="5831433" y="6857683"/>
-              <a:chExt cx="4631966" cy="815774"/>
-            </a:xfrm>
-          </p:grpSpPr>
-          <p:pic>
-            <p:nvPicPr>
-              <p:cNvPr id="98" name="Google Shape;98;p13"/>
-              <p:cNvPicPr preferRelativeResize="0"/>
-              <p:nvPr/>
-            </p:nvPicPr>
-            <p:blipFill>
-              <a:blip r:embed="rId4">
-                <a:alphaModFix/>
-              </a:blip>
-              <a:stretch>
-                <a:fillRect/>
-              </a:stretch>
-            </p:blipFill>
-            <p:spPr>
-              <a:xfrm>
-                <a:off x="9513825" y="6857683"/>
-                <a:ext cx="949574" cy="815774"/>
-              </a:xfrm>
-              <a:prstGeom prst="rect">
-                <a:avLst/>
-              </a:prstGeom>
-              <a:noFill/>
-              <a:ln>
-                <a:noFill/>
-              </a:ln>
-            </p:spPr>
-          </p:pic>
-          <p:pic>
-            <p:nvPicPr>
-              <p:cNvPr id="99" name="Google Shape;99;p13"/>
-              <p:cNvPicPr preferRelativeResize="0"/>
-              <p:nvPr/>
-            </p:nvPicPr>
-            <p:blipFill>
-              <a:blip r:embed="rId5">
-                <a:alphaModFix/>
-              </a:blip>
-              <a:stretch>
-                <a:fillRect/>
-              </a:stretch>
-            </p:blipFill>
-            <p:spPr>
-              <a:xfrm>
-                <a:off x="5831433" y="7117645"/>
-                <a:ext cx="1933325" cy="446407"/>
-              </a:xfrm>
-              <a:prstGeom prst="rect">
-                <a:avLst/>
-              </a:prstGeom>
-              <a:noFill/>
-              <a:ln>
-                <a:noFill/>
-              </a:ln>
-            </p:spPr>
-          </p:pic>
-          <p:pic>
-            <p:nvPicPr>
-              <p:cNvPr id="100" name="Google Shape;100;p13"/>
-              <p:cNvPicPr preferRelativeResize="0"/>
-              <p:nvPr/>
-            </p:nvPicPr>
-            <p:blipFill rotWithShape="1">
-              <a:blip r:embed="rId6">
-                <a:alphaModFix/>
-              </a:blip>
-              <a:srcRect b="23935" l="18913" r="10250" t="28704"/>
-              <a:stretch/>
-            </p:blipFill>
-            <p:spPr>
-              <a:xfrm>
-                <a:off x="8144179" y="7097827"/>
-                <a:ext cx="990224" cy="393901"/>
-              </a:xfrm>
-              <a:prstGeom prst="rect">
-                <a:avLst/>
-              </a:prstGeom>
-              <a:noFill/>
-              <a:ln>
-                <a:noFill/>
-              </a:ln>
-            </p:spPr>
-          </p:pic>
-        </p:grpSp>
-      </p:grpSp>
       <p:sp>
         <p:nvSpPr>
-          <p:cNvPr id="101" name="Google Shape;101;p13"/>
+          <p:cNvPr id="54" name="Google Shape;54;p3"/>
           <p:cNvSpPr/>
           <p:nvPr/>
         </p:nvSpPr>
@@ -10291,6 +6634,259 @@
           </a:p>
         </p:txBody>
       </p:sp>
+      <p:grpSp>
+        <p:nvGrpSpPr>
+          <p:cNvPr id="55" name="Google Shape;55;p3"/>
+          <p:cNvGrpSpPr/>
+          <p:nvPr/>
+        </p:nvGrpSpPr>
+        <p:grpSpPr>
+          <a:xfrm>
+            <a:off x="0" y="7094781"/>
+            <a:ext cx="10692000" cy="465069"/>
+            <a:chOff x="0" y="7094781"/>
+            <a:chExt cx="10692000" cy="465069"/>
+          </a:xfrm>
+        </p:grpSpPr>
+        <p:grpSp>
+          <p:nvGrpSpPr>
+            <p:cNvPr id="56" name="Google Shape;56;p3"/>
+            <p:cNvGrpSpPr/>
+            <p:nvPr/>
+          </p:nvGrpSpPr>
+          <p:grpSpPr>
+            <a:xfrm>
+              <a:off x="0" y="7094781"/>
+              <a:ext cx="10692000" cy="465069"/>
+              <a:chOff x="0" y="7094781"/>
+              <a:chExt cx="10692000" cy="465069"/>
+            </a:xfrm>
+          </p:grpSpPr>
+          <p:sp>
+            <p:nvSpPr>
+              <p:cNvPr id="57" name="Google Shape;57;p3"/>
+              <p:cNvSpPr/>
+              <p:nvPr/>
+            </p:nvSpPr>
+            <p:spPr>
+              <a:xfrm>
+                <a:off x="0" y="7094850"/>
+                <a:ext cx="10692000" cy="465000"/>
+              </a:xfrm>
+              <a:prstGeom prst="rect">
+                <a:avLst/>
+              </a:prstGeom>
+              <a:solidFill>
+                <a:srgbClr val="FFFFFF"/>
+              </a:solidFill>
+              <a:ln>
+                <a:noFill/>
+              </a:ln>
+            </p:spPr>
+            <p:txBody>
+              <a:bodyPr anchorCtr="0" anchor="ctr" bIns="91425" lIns="91425" spcFirstLastPara="1" rIns="91425" wrap="square" tIns="91425">
+                <a:noAutofit/>
+              </a:bodyPr>
+              <a:lstStyle/>
+              <a:p>
+                <a:pPr indent="0" lvl="0" marL="0" rtl="0" algn="l">
+                  <a:spcBef>
+                    <a:spcPts val="0"/>
+                  </a:spcBef>
+                  <a:spcAft>
+                    <a:spcPts val="0"/>
+                  </a:spcAft>
+                  <a:buNone/>
+                </a:pPr>
+                <a:r>
+                  <a:t/>
+                </a:r>
+                <a:endParaRPr/>
+              </a:p>
+            </p:txBody>
+          </p:sp>
+          <p:sp>
+            <p:nvSpPr>
+              <p:cNvPr id="58" name="Google Shape;58;p3"/>
+              <p:cNvSpPr txBox="1"/>
+              <p:nvPr/>
+            </p:nvSpPr>
+            <p:spPr>
+              <a:xfrm>
+                <a:off x="514889" y="7198197"/>
+                <a:ext cx="4216500" cy="266400"/>
+              </a:xfrm>
+              <a:prstGeom prst="rect">
+                <a:avLst/>
+              </a:prstGeom>
+              <a:noFill/>
+              <a:ln>
+                <a:noFill/>
+              </a:ln>
+            </p:spPr>
+            <p:txBody>
+              <a:bodyPr anchorCtr="0" anchor="b" bIns="92475" lIns="92475" spcFirstLastPara="1" rIns="92475" wrap="square" tIns="92475">
+                <a:noAutofit/>
+              </a:bodyPr>
+              <a:lstStyle/>
+              <a:p>
+                <a:pPr indent="0" lvl="0" marL="0" rtl="0" algn="l">
+                  <a:spcBef>
+                    <a:spcPts val="0"/>
+                  </a:spcBef>
+                  <a:spcAft>
+                    <a:spcPts val="0"/>
+                  </a:spcAft>
+                  <a:buNone/>
+                </a:pPr>
+                <a:r>
+                  <a:t/>
+                </a:r>
+                <a:endParaRPr b="1" sz="600">
+                  <a:solidFill>
+                    <a:srgbClr val="000000"/>
+                  </a:solidFill>
+                  <a:latin typeface="IBM Plex Sans"/>
+                  <a:ea typeface="IBM Plex Sans"/>
+                  <a:cs typeface="IBM Plex Sans"/>
+                  <a:sym typeface="IBM Plex Sans"/>
+                </a:endParaRPr>
+              </a:p>
+              <a:p>
+                <a:pPr indent="0" lvl="0" marL="0" rtl="0" algn="l">
+                  <a:spcBef>
+                    <a:spcPts val="0"/>
+                  </a:spcBef>
+                  <a:spcAft>
+                    <a:spcPts val="0"/>
+                  </a:spcAft>
+                  <a:buNone/>
+                </a:pPr>
+                <a:r>
+                  <a:t/>
+                </a:r>
+                <a:endParaRPr b="1" sz="600">
+                  <a:solidFill>
+                    <a:srgbClr val="000000"/>
+                  </a:solidFill>
+                  <a:latin typeface="IBM Plex Sans"/>
+                  <a:ea typeface="IBM Plex Sans"/>
+                  <a:cs typeface="IBM Plex Sans"/>
+                  <a:sym typeface="IBM Plex Sans"/>
+                </a:endParaRPr>
+              </a:p>
+              <a:p>
+                <a:pPr indent="0" lvl="0" marL="0" rtl="0" algn="l">
+                  <a:spcBef>
+                    <a:spcPts val="0"/>
+                  </a:spcBef>
+                  <a:spcAft>
+                    <a:spcPts val="0"/>
+                  </a:spcAft>
+                  <a:buNone/>
+                </a:pPr>
+                <a:r>
+                  <a:t/>
+                </a:r>
+                <a:endParaRPr b="1" sz="600">
+                  <a:solidFill>
+                    <a:srgbClr val="000000"/>
+                  </a:solidFill>
+                  <a:latin typeface="IBM Plex Sans"/>
+                  <a:ea typeface="IBM Plex Sans"/>
+                  <a:cs typeface="IBM Plex Sans"/>
+                  <a:sym typeface="IBM Plex Sans"/>
+                </a:endParaRPr>
+              </a:p>
+              <a:p>
+                <a:pPr indent="0" lvl="0" marL="0" rtl="0" algn="l">
+                  <a:spcBef>
+                    <a:spcPts val="0"/>
+                  </a:spcBef>
+                  <a:spcAft>
+                    <a:spcPts val="0"/>
+                  </a:spcAft>
+                  <a:buNone/>
+                </a:pPr>
+                <a:r>
+                  <a:rPr b="1" lang="en" sz="600">
+                    <a:latin typeface="IBM Plex Sans"/>
+                    <a:ea typeface="IBM Plex Sans"/>
+                    <a:cs typeface="IBM Plex Sans"/>
+                    <a:sym typeface="IBM Plex Sans"/>
+                  </a:rPr>
+                  <a:t>THE FINLAB TOOLKIT</a:t>
+                </a:r>
+                <a:endParaRPr b="1" sz="600">
+                  <a:solidFill>
+                    <a:srgbClr val="3C78D8"/>
+                  </a:solidFill>
+                  <a:latin typeface="IBM Plex Sans"/>
+                  <a:ea typeface="IBM Plex Sans"/>
+                  <a:cs typeface="IBM Plex Sans"/>
+                  <a:sym typeface="IBM Plex Sans"/>
+                </a:endParaRPr>
+              </a:p>
+            </p:txBody>
+          </p:sp>
+          <p:pic>
+            <p:nvPicPr>
+              <p:cNvPr id="59" name="Google Shape;59;p3"/>
+              <p:cNvPicPr preferRelativeResize="0"/>
+              <p:nvPr/>
+            </p:nvPicPr>
+            <p:blipFill>
+              <a:blip r:embed="rId4">
+                <a:alphaModFix/>
+              </a:blip>
+              <a:stretch>
+                <a:fillRect/>
+              </a:stretch>
+            </p:blipFill>
+            <p:spPr>
+              <a:xfrm>
+                <a:off x="9629932" y="7094781"/>
+                <a:ext cx="494539" cy="430321"/>
+              </a:xfrm>
+              <a:prstGeom prst="rect">
+                <a:avLst/>
+              </a:prstGeom>
+              <a:noFill/>
+              <a:ln>
+                <a:noFill/>
+              </a:ln>
+            </p:spPr>
+          </p:pic>
+        </p:grpSp>
+        <p:pic>
+          <p:nvPicPr>
+            <p:cNvPr id="60" name="Google Shape;60;p3"/>
+            <p:cNvPicPr preferRelativeResize="0"/>
+            <p:nvPr/>
+          </p:nvPicPr>
+          <p:blipFill>
+            <a:blip r:embed="rId5">
+              <a:alphaModFix/>
+            </a:blip>
+            <a:stretch>
+              <a:fillRect/>
+            </a:stretch>
+          </p:blipFill>
+          <p:spPr>
+            <a:xfrm>
+              <a:off x="8553150" y="7165073"/>
+              <a:ext cx="1013800" cy="354000"/>
+            </a:xfrm>
+            <a:prstGeom prst="rect">
+              <a:avLst/>
+            </a:prstGeom>
+            <a:noFill/>
+            <a:ln>
+              <a:noFill/>
+            </a:ln>
+          </p:spPr>
+        </p:pic>
+      </p:grpSp>
     </p:spTree>
   </p:cSld>
   <p:clrMapOvr>
@@ -10304,7 +6900,7 @@
   <p:cSld>
     <p:spTree>
       <p:nvGrpSpPr>
-        <p:cNvPr id="105" name="Shape 105"/>
+        <p:cNvPr id="64" name="Shape 64"/>
         <p:cNvGrpSpPr/>
         <p:nvPr/>
       </p:nvGrpSpPr>
@@ -10318,7 +6914,7 @@
       </p:grpSpPr>
       <p:sp>
         <p:nvSpPr>
-          <p:cNvPr id="106" name="Google Shape;106;p14"/>
+          <p:cNvPr id="65" name="Google Shape;65;p4"/>
           <p:cNvSpPr/>
           <p:nvPr/>
         </p:nvSpPr>
@@ -10369,7 +6965,7 @@
       </p:sp>
       <p:sp>
         <p:nvSpPr>
-          <p:cNvPr id="107" name="Google Shape;107;p14"/>
+          <p:cNvPr id="66" name="Google Shape;66;p4"/>
           <p:cNvSpPr txBox="1"/>
           <p:nvPr/>
         </p:nvSpPr>
@@ -10428,7 +7024,7 @@
       </p:sp>
       <p:sp>
         <p:nvSpPr>
-          <p:cNvPr id="108" name="Google Shape;108;p14"/>
+          <p:cNvPr id="67" name="Google Shape;67;p4"/>
           <p:cNvSpPr txBox="1"/>
           <p:nvPr/>
         </p:nvSpPr>
@@ -10487,7 +7083,7 @@
       </p:sp>
       <p:sp>
         <p:nvSpPr>
-          <p:cNvPr id="109" name="Google Shape;109;p14"/>
+          <p:cNvPr id="68" name="Google Shape;68;p4"/>
           <p:cNvSpPr txBox="1"/>
           <p:nvPr>
             <p:ph type="title"/>
@@ -10642,7 +7238,7 @@
       </p:sp>
       <p:sp>
         <p:nvSpPr>
-          <p:cNvPr id="110" name="Google Shape;110;p14"/>
+          <p:cNvPr id="69" name="Google Shape;69;p4"/>
           <p:cNvSpPr txBox="1"/>
           <p:nvPr>
             <p:ph type="title"/>
@@ -10791,7 +7387,7 @@
       </p:sp>
       <p:grpSp>
         <p:nvGrpSpPr>
-          <p:cNvPr id="111" name="Google Shape;111;p14"/>
+          <p:cNvPr id="70" name="Google Shape;70;p4"/>
           <p:cNvGrpSpPr/>
           <p:nvPr/>
         </p:nvGrpSpPr>
@@ -10805,7 +7401,7 @@
         </p:grpSpPr>
         <p:sp>
           <p:nvSpPr>
-            <p:cNvPr id="112" name="Google Shape;112;p14"/>
+            <p:cNvPr id="71" name="Google Shape;71;p4"/>
             <p:cNvSpPr/>
             <p:nvPr/>
           </p:nvSpPr>
@@ -10854,7 +7450,7 @@
         </p:sp>
         <p:pic>
           <p:nvPicPr>
-            <p:cNvPr id="113" name="Google Shape;113;p14"/>
+            <p:cNvPr id="72" name="Google Shape;72;p4"/>
             <p:cNvPicPr preferRelativeResize="0"/>
             <p:nvPr/>
           </p:nvPicPr>
@@ -10889,7 +7485,7 @@
       </p:grpSp>
       <p:sp>
         <p:nvSpPr>
-          <p:cNvPr id="114" name="Google Shape;114;p14"/>
+          <p:cNvPr id="73" name="Google Shape;73;p4"/>
           <p:cNvSpPr/>
           <p:nvPr/>
         </p:nvSpPr>
@@ -10949,7 +7545,7 @@
       </p:sp>
       <p:sp>
         <p:nvSpPr>
-          <p:cNvPr id="115" name="Google Shape;115;p14"/>
+          <p:cNvPr id="74" name="Google Shape;74;p4"/>
           <p:cNvSpPr txBox="1"/>
           <p:nvPr/>
         </p:nvSpPr>
@@ -11074,7 +7670,7 @@
       </p:sp>
       <p:sp>
         <p:nvSpPr>
-          <p:cNvPr id="116" name="Google Shape;116;p14"/>
+          <p:cNvPr id="75" name="Google Shape;75;p4"/>
           <p:cNvSpPr txBox="1"/>
           <p:nvPr/>
         </p:nvSpPr>
@@ -11204,7 +7800,7 @@
       </p:sp>
       <p:sp>
         <p:nvSpPr>
-          <p:cNvPr id="117" name="Google Shape;117;p14"/>
+          <p:cNvPr id="76" name="Google Shape;76;p4"/>
           <p:cNvSpPr/>
           <p:nvPr/>
         </p:nvSpPr>
@@ -11264,7 +7860,7 @@
       </p:sp>
       <p:sp>
         <p:nvSpPr>
-          <p:cNvPr id="118" name="Google Shape;118;p14"/>
+          <p:cNvPr id="77" name="Google Shape;77;p4"/>
           <p:cNvSpPr txBox="1"/>
           <p:nvPr/>
         </p:nvSpPr>
@@ -11394,7 +7990,7 @@
       </p:sp>
       <p:sp>
         <p:nvSpPr>
-          <p:cNvPr id="119" name="Google Shape;119;p14"/>
+          <p:cNvPr id="78" name="Google Shape;78;p4"/>
           <p:cNvSpPr/>
           <p:nvPr/>
         </p:nvSpPr>
@@ -11454,7 +8050,7 @@
       </p:sp>
       <p:sp>
         <p:nvSpPr>
-          <p:cNvPr id="120" name="Google Shape;120;p14"/>
+          <p:cNvPr id="79" name="Google Shape;79;p4"/>
           <p:cNvSpPr txBox="1"/>
           <p:nvPr/>
         </p:nvSpPr>
@@ -11572,7 +8168,7 @@
       </p:sp>
       <p:sp>
         <p:nvSpPr>
-          <p:cNvPr id="121" name="Google Shape;121;p14"/>
+          <p:cNvPr id="80" name="Google Shape;80;p4"/>
           <p:cNvSpPr/>
           <p:nvPr/>
         </p:nvSpPr>
@@ -11638,7 +8234,7 @@
       </p:sp>
       <p:sp>
         <p:nvSpPr>
-          <p:cNvPr id="122" name="Google Shape;122;p14"/>
+          <p:cNvPr id="81" name="Google Shape;81;p4"/>
           <p:cNvSpPr/>
           <p:nvPr/>
         </p:nvSpPr>
@@ -11698,7 +8294,7 @@
       </p:sp>
       <p:sp>
         <p:nvSpPr>
-          <p:cNvPr id="123" name="Google Shape;123;p14"/>
+          <p:cNvPr id="82" name="Google Shape;82;p4"/>
           <p:cNvSpPr txBox="1"/>
           <p:nvPr/>
         </p:nvSpPr>
@@ -11823,7 +8419,7 @@
       </p:sp>
       <p:sp>
         <p:nvSpPr>
-          <p:cNvPr id="124" name="Google Shape;124;p14"/>
+          <p:cNvPr id="83" name="Google Shape;83;p4"/>
           <p:cNvSpPr txBox="1"/>
           <p:nvPr/>
         </p:nvSpPr>
@@ -11953,7 +8549,7 @@
       </p:sp>
       <p:sp>
         <p:nvSpPr>
-          <p:cNvPr id="125" name="Google Shape;125;p14"/>
+          <p:cNvPr id="84" name="Google Shape;84;p4"/>
           <p:cNvSpPr/>
           <p:nvPr/>
         </p:nvSpPr>
@@ -12013,7 +8609,7 @@
       </p:sp>
       <p:sp>
         <p:nvSpPr>
-          <p:cNvPr id="126" name="Google Shape;126;p14"/>
+          <p:cNvPr id="85" name="Google Shape;85;p4"/>
           <p:cNvSpPr txBox="1"/>
           <p:nvPr/>
         </p:nvSpPr>
@@ -12143,7 +8739,7 @@
       </p:sp>
       <p:sp>
         <p:nvSpPr>
-          <p:cNvPr id="127" name="Google Shape;127;p14"/>
+          <p:cNvPr id="86" name="Google Shape;86;p4"/>
           <p:cNvSpPr/>
           <p:nvPr/>
         </p:nvSpPr>
@@ -12203,7 +8799,7 @@
       </p:sp>
       <p:grpSp>
         <p:nvGrpSpPr>
-          <p:cNvPr id="128" name="Google Shape;128;p14"/>
+          <p:cNvPr id="87" name="Google Shape;87;p4"/>
           <p:cNvGrpSpPr/>
           <p:nvPr/>
         </p:nvGrpSpPr>
@@ -12217,7 +8813,7 @@
         </p:grpSpPr>
         <p:sp>
           <p:nvSpPr>
-            <p:cNvPr id="129" name="Google Shape;129;p14"/>
+            <p:cNvPr id="88" name="Google Shape;88;p4"/>
             <p:cNvSpPr/>
             <p:nvPr/>
           </p:nvSpPr>
@@ -12266,7 +8862,7 @@
         </p:sp>
         <p:pic>
           <p:nvPicPr>
-            <p:cNvPr id="130" name="Google Shape;130;p14"/>
+            <p:cNvPr id="89" name="Google Shape;89;p4"/>
             <p:cNvPicPr preferRelativeResize="0"/>
             <p:nvPr/>
           </p:nvPicPr>
@@ -12300,7 +8896,7 @@
         </p:pic>
         <p:pic>
           <p:nvPicPr>
-            <p:cNvPr id="131" name="Google Shape;131;p14"/>
+            <p:cNvPr id="90" name="Google Shape;90;p4"/>
             <p:cNvPicPr preferRelativeResize="0"/>
             <p:nvPr/>
           </p:nvPicPr>
@@ -12334,7 +8930,7 @@
         </p:pic>
         <p:pic>
           <p:nvPicPr>
-            <p:cNvPr id="132" name="Google Shape;132;p14"/>
+            <p:cNvPr id="91" name="Google Shape;91;p4"/>
             <p:cNvPicPr preferRelativeResize="0"/>
             <p:nvPr/>
           </p:nvPicPr>
@@ -12368,7 +8964,7 @@
       </p:grpSp>
       <p:sp>
         <p:nvSpPr>
-          <p:cNvPr id="133" name="Google Shape;133;p14"/>
+          <p:cNvPr id="92" name="Google Shape;92;p4"/>
           <p:cNvSpPr txBox="1"/>
           <p:nvPr/>
         </p:nvSpPr>
@@ -12486,7 +9082,7 @@
       </p:sp>
       <p:sp>
         <p:nvSpPr>
-          <p:cNvPr id="134" name="Google Shape;134;p14"/>
+          <p:cNvPr id="93" name="Google Shape;93;p4"/>
           <p:cNvSpPr/>
           <p:nvPr/>
         </p:nvSpPr>
@@ -12550,301 +9146,9 @@
           </a:p>
         </p:txBody>
       </p:sp>
-      <p:grpSp>
-        <p:nvGrpSpPr>
-          <p:cNvPr id="135" name="Google Shape;135;p14"/>
-          <p:cNvGrpSpPr/>
-          <p:nvPr/>
-        </p:nvGrpSpPr>
-        <p:grpSpPr>
-          <a:xfrm>
-            <a:off x="0" y="7094781"/>
-            <a:ext cx="10692000" cy="465069"/>
-            <a:chOff x="0" y="7094781"/>
-            <a:chExt cx="10692000" cy="465069"/>
-          </a:xfrm>
-        </p:grpSpPr>
-        <p:sp>
-          <p:nvSpPr>
-            <p:cNvPr id="136" name="Google Shape;136;p14"/>
-            <p:cNvSpPr/>
-            <p:nvPr/>
-          </p:nvSpPr>
-          <p:spPr>
-            <a:xfrm>
-              <a:off x="0" y="7094850"/>
-              <a:ext cx="10692000" cy="465000"/>
-            </a:xfrm>
-            <a:prstGeom prst="rect">
-              <a:avLst/>
-            </a:prstGeom>
-            <a:solidFill>
-              <a:srgbClr val="FFFFFF"/>
-            </a:solidFill>
-            <a:ln>
-              <a:noFill/>
-            </a:ln>
-          </p:spPr>
-          <p:txBody>
-            <a:bodyPr anchorCtr="0" anchor="ctr" bIns="91425" lIns="91425" spcFirstLastPara="1" rIns="91425" wrap="square" tIns="91425">
-              <a:noAutofit/>
-            </a:bodyPr>
-            <a:lstStyle/>
-            <a:p>
-              <a:pPr indent="0" lvl="0" marL="0" rtl="0" algn="l">
-                <a:spcBef>
-                  <a:spcPts val="0"/>
-                </a:spcBef>
-                <a:spcAft>
-                  <a:spcPts val="0"/>
-                </a:spcAft>
-                <a:buNone/>
-              </a:pPr>
-              <a:r>
-                <a:t/>
-              </a:r>
-              <a:endParaRPr/>
-            </a:p>
-          </p:txBody>
-        </p:sp>
-        <p:sp>
-          <p:nvSpPr>
-            <p:cNvPr id="137" name="Google Shape;137;p14"/>
-            <p:cNvSpPr txBox="1"/>
-            <p:nvPr/>
-          </p:nvSpPr>
-          <p:spPr>
-            <a:xfrm>
-              <a:off x="514889" y="7198197"/>
-              <a:ext cx="4216500" cy="266400"/>
-            </a:xfrm>
-            <a:prstGeom prst="rect">
-              <a:avLst/>
-            </a:prstGeom>
-            <a:noFill/>
-            <a:ln>
-              <a:noFill/>
-            </a:ln>
-          </p:spPr>
-          <p:txBody>
-            <a:bodyPr anchorCtr="0" anchor="b" bIns="92475" lIns="92475" spcFirstLastPara="1" rIns="92475" wrap="square" tIns="92475">
-              <a:noAutofit/>
-            </a:bodyPr>
-            <a:lstStyle/>
-            <a:p>
-              <a:pPr indent="0" lvl="0" marL="0" rtl="0" algn="l">
-                <a:spcBef>
-                  <a:spcPts val="0"/>
-                </a:spcBef>
-                <a:spcAft>
-                  <a:spcPts val="0"/>
-                </a:spcAft>
-                <a:buNone/>
-              </a:pPr>
-              <a:r>
-                <a:t/>
-              </a:r>
-              <a:endParaRPr b="1" sz="600">
-                <a:solidFill>
-                  <a:srgbClr val="000000"/>
-                </a:solidFill>
-                <a:latin typeface="IBM Plex Sans"/>
-                <a:ea typeface="IBM Plex Sans"/>
-                <a:cs typeface="IBM Plex Sans"/>
-                <a:sym typeface="IBM Plex Sans"/>
-              </a:endParaRPr>
-            </a:p>
-            <a:p>
-              <a:pPr indent="0" lvl="0" marL="0" rtl="0" algn="l">
-                <a:spcBef>
-                  <a:spcPts val="0"/>
-                </a:spcBef>
-                <a:spcAft>
-                  <a:spcPts val="0"/>
-                </a:spcAft>
-                <a:buNone/>
-              </a:pPr>
-              <a:r>
-                <a:t/>
-              </a:r>
-              <a:endParaRPr b="1" sz="600">
-                <a:solidFill>
-                  <a:srgbClr val="000000"/>
-                </a:solidFill>
-                <a:latin typeface="IBM Plex Sans"/>
-                <a:ea typeface="IBM Plex Sans"/>
-                <a:cs typeface="IBM Plex Sans"/>
-                <a:sym typeface="IBM Plex Sans"/>
-              </a:endParaRPr>
-            </a:p>
-            <a:p>
-              <a:pPr indent="0" lvl="0" marL="0" rtl="0" algn="l">
-                <a:spcBef>
-                  <a:spcPts val="0"/>
-                </a:spcBef>
-                <a:spcAft>
-                  <a:spcPts val="0"/>
-                </a:spcAft>
-                <a:buNone/>
-              </a:pPr>
-              <a:r>
-                <a:t/>
-              </a:r>
-              <a:endParaRPr b="1" sz="600">
-                <a:solidFill>
-                  <a:srgbClr val="000000"/>
-                </a:solidFill>
-                <a:latin typeface="IBM Plex Sans"/>
-                <a:ea typeface="IBM Plex Sans"/>
-                <a:cs typeface="IBM Plex Sans"/>
-                <a:sym typeface="IBM Plex Sans"/>
-              </a:endParaRPr>
-            </a:p>
-            <a:p>
-              <a:pPr indent="0" lvl="0" marL="0" rtl="0" algn="l">
-                <a:spcBef>
-                  <a:spcPts val="0"/>
-                </a:spcBef>
-                <a:spcAft>
-                  <a:spcPts val="0"/>
-                </a:spcAft>
-                <a:buNone/>
-              </a:pPr>
-              <a:r>
-                <a:rPr b="1" lang="en" sz="600">
-                  <a:latin typeface="IBM Plex Sans"/>
-                  <a:ea typeface="IBM Plex Sans"/>
-                  <a:cs typeface="IBM Plex Sans"/>
-                  <a:sym typeface="IBM Plex Sans"/>
-                </a:rPr>
-                <a:t>FINANCIAL INNOVATION LAB</a:t>
-              </a:r>
-              <a:r>
-                <a:rPr b="1" lang="en" sz="600">
-                  <a:solidFill>
-                    <a:srgbClr val="3C78D8"/>
-                  </a:solidFill>
-                  <a:latin typeface="IBM Plex Sans"/>
-                  <a:ea typeface="IBM Plex Sans"/>
-                  <a:cs typeface="IBM Plex Sans"/>
-                  <a:sym typeface="IBM Plex Sans"/>
-                </a:rPr>
-                <a:t> | BOOTCAMP ONE </a:t>
-              </a:r>
-              <a:endParaRPr b="1" sz="600">
-                <a:solidFill>
-                  <a:srgbClr val="3C78D8"/>
-                </a:solidFill>
-                <a:latin typeface="IBM Plex Sans"/>
-                <a:ea typeface="IBM Plex Sans"/>
-                <a:cs typeface="IBM Plex Sans"/>
-                <a:sym typeface="IBM Plex Sans"/>
-              </a:endParaRPr>
-            </a:p>
-          </p:txBody>
-        </p:sp>
-        <p:grpSp>
-          <p:nvGrpSpPr>
-            <p:cNvPr id="138" name="Google Shape;138;p14"/>
-            <p:cNvGrpSpPr/>
-            <p:nvPr/>
-          </p:nvGrpSpPr>
-          <p:grpSpPr>
-            <a:xfrm>
-              <a:off x="7712143" y="7094781"/>
-              <a:ext cx="2412328" cy="430321"/>
-              <a:chOff x="5831433" y="6857683"/>
-              <a:chExt cx="4631966" cy="815774"/>
-            </a:xfrm>
-          </p:grpSpPr>
-          <p:pic>
-            <p:nvPicPr>
-              <p:cNvPr id="139" name="Google Shape;139;p14"/>
-              <p:cNvPicPr preferRelativeResize="0"/>
-              <p:nvPr/>
-            </p:nvPicPr>
-            <p:blipFill>
-              <a:blip r:embed="rId7">
-                <a:alphaModFix/>
-              </a:blip>
-              <a:stretch>
-                <a:fillRect/>
-              </a:stretch>
-            </p:blipFill>
-            <p:spPr>
-              <a:xfrm>
-                <a:off x="9513825" y="6857683"/>
-                <a:ext cx="949574" cy="815774"/>
-              </a:xfrm>
-              <a:prstGeom prst="rect">
-                <a:avLst/>
-              </a:prstGeom>
-              <a:noFill/>
-              <a:ln>
-                <a:noFill/>
-              </a:ln>
-            </p:spPr>
-          </p:pic>
-          <p:pic>
-            <p:nvPicPr>
-              <p:cNvPr id="140" name="Google Shape;140;p14"/>
-              <p:cNvPicPr preferRelativeResize="0"/>
-              <p:nvPr/>
-            </p:nvPicPr>
-            <p:blipFill>
-              <a:blip r:embed="rId8">
-                <a:alphaModFix/>
-              </a:blip>
-              <a:stretch>
-                <a:fillRect/>
-              </a:stretch>
-            </p:blipFill>
-            <p:spPr>
-              <a:xfrm>
-                <a:off x="5831433" y="7117645"/>
-                <a:ext cx="1933325" cy="446407"/>
-              </a:xfrm>
-              <a:prstGeom prst="rect">
-                <a:avLst/>
-              </a:prstGeom>
-              <a:noFill/>
-              <a:ln>
-                <a:noFill/>
-              </a:ln>
-            </p:spPr>
-          </p:pic>
-          <p:pic>
-            <p:nvPicPr>
-              <p:cNvPr id="141" name="Google Shape;141;p14"/>
-              <p:cNvPicPr preferRelativeResize="0"/>
-              <p:nvPr/>
-            </p:nvPicPr>
-            <p:blipFill rotWithShape="1">
-              <a:blip r:embed="rId9">
-                <a:alphaModFix/>
-              </a:blip>
-              <a:srcRect b="23935" l="18913" r="10250" t="28704"/>
-              <a:stretch/>
-            </p:blipFill>
-            <p:spPr>
-              <a:xfrm>
-                <a:off x="8144179" y="7097827"/>
-                <a:ext cx="990224" cy="393901"/>
-              </a:xfrm>
-              <a:prstGeom prst="rect">
-                <a:avLst/>
-              </a:prstGeom>
-              <a:noFill/>
-              <a:ln>
-                <a:noFill/>
-              </a:ln>
-            </p:spPr>
-          </p:pic>
-        </p:grpSp>
-      </p:grpSp>
       <p:sp>
         <p:nvSpPr>
-          <p:cNvPr id="142" name="Google Shape;142;p14"/>
+          <p:cNvPr id="94" name="Google Shape;94;p4"/>
           <p:cNvSpPr/>
           <p:nvPr/>
         </p:nvSpPr>
@@ -12885,6 +9189,259 @@
           </a:p>
         </p:txBody>
       </p:sp>
+      <p:grpSp>
+        <p:nvGrpSpPr>
+          <p:cNvPr id="95" name="Google Shape;95;p4"/>
+          <p:cNvGrpSpPr/>
+          <p:nvPr/>
+        </p:nvGrpSpPr>
+        <p:grpSpPr>
+          <a:xfrm>
+            <a:off x="0" y="7094781"/>
+            <a:ext cx="10692000" cy="465069"/>
+            <a:chOff x="0" y="7094781"/>
+            <a:chExt cx="10692000" cy="465069"/>
+          </a:xfrm>
+        </p:grpSpPr>
+        <p:grpSp>
+          <p:nvGrpSpPr>
+            <p:cNvPr id="96" name="Google Shape;96;p4"/>
+            <p:cNvGrpSpPr/>
+            <p:nvPr/>
+          </p:nvGrpSpPr>
+          <p:grpSpPr>
+            <a:xfrm>
+              <a:off x="0" y="7094781"/>
+              <a:ext cx="10692000" cy="465069"/>
+              <a:chOff x="0" y="7094781"/>
+              <a:chExt cx="10692000" cy="465069"/>
+            </a:xfrm>
+          </p:grpSpPr>
+          <p:sp>
+            <p:nvSpPr>
+              <p:cNvPr id="97" name="Google Shape;97;p4"/>
+              <p:cNvSpPr/>
+              <p:nvPr/>
+            </p:nvSpPr>
+            <p:spPr>
+              <a:xfrm>
+                <a:off x="0" y="7094850"/>
+                <a:ext cx="10692000" cy="465000"/>
+              </a:xfrm>
+              <a:prstGeom prst="rect">
+                <a:avLst/>
+              </a:prstGeom>
+              <a:solidFill>
+                <a:srgbClr val="FFFFFF"/>
+              </a:solidFill>
+              <a:ln>
+                <a:noFill/>
+              </a:ln>
+            </p:spPr>
+            <p:txBody>
+              <a:bodyPr anchorCtr="0" anchor="ctr" bIns="91425" lIns="91425" spcFirstLastPara="1" rIns="91425" wrap="square" tIns="91425">
+                <a:noAutofit/>
+              </a:bodyPr>
+              <a:lstStyle/>
+              <a:p>
+                <a:pPr indent="0" lvl="0" marL="0" rtl="0" algn="l">
+                  <a:spcBef>
+                    <a:spcPts val="0"/>
+                  </a:spcBef>
+                  <a:spcAft>
+                    <a:spcPts val="0"/>
+                  </a:spcAft>
+                  <a:buNone/>
+                </a:pPr>
+                <a:r>
+                  <a:t/>
+                </a:r>
+                <a:endParaRPr/>
+              </a:p>
+            </p:txBody>
+          </p:sp>
+          <p:sp>
+            <p:nvSpPr>
+              <p:cNvPr id="98" name="Google Shape;98;p4"/>
+              <p:cNvSpPr txBox="1"/>
+              <p:nvPr/>
+            </p:nvSpPr>
+            <p:spPr>
+              <a:xfrm>
+                <a:off x="514889" y="7198197"/>
+                <a:ext cx="4216500" cy="266400"/>
+              </a:xfrm>
+              <a:prstGeom prst="rect">
+                <a:avLst/>
+              </a:prstGeom>
+              <a:noFill/>
+              <a:ln>
+                <a:noFill/>
+              </a:ln>
+            </p:spPr>
+            <p:txBody>
+              <a:bodyPr anchorCtr="0" anchor="b" bIns="92475" lIns="92475" spcFirstLastPara="1" rIns="92475" wrap="square" tIns="92475">
+                <a:noAutofit/>
+              </a:bodyPr>
+              <a:lstStyle/>
+              <a:p>
+                <a:pPr indent="0" lvl="0" marL="0" rtl="0" algn="l">
+                  <a:spcBef>
+                    <a:spcPts val="0"/>
+                  </a:spcBef>
+                  <a:spcAft>
+                    <a:spcPts val="0"/>
+                  </a:spcAft>
+                  <a:buNone/>
+                </a:pPr>
+                <a:r>
+                  <a:t/>
+                </a:r>
+                <a:endParaRPr b="1" sz="600">
+                  <a:solidFill>
+                    <a:srgbClr val="000000"/>
+                  </a:solidFill>
+                  <a:latin typeface="IBM Plex Sans"/>
+                  <a:ea typeface="IBM Plex Sans"/>
+                  <a:cs typeface="IBM Plex Sans"/>
+                  <a:sym typeface="IBM Plex Sans"/>
+                </a:endParaRPr>
+              </a:p>
+              <a:p>
+                <a:pPr indent="0" lvl="0" marL="0" rtl="0" algn="l">
+                  <a:spcBef>
+                    <a:spcPts val="0"/>
+                  </a:spcBef>
+                  <a:spcAft>
+                    <a:spcPts val="0"/>
+                  </a:spcAft>
+                  <a:buNone/>
+                </a:pPr>
+                <a:r>
+                  <a:t/>
+                </a:r>
+                <a:endParaRPr b="1" sz="600">
+                  <a:solidFill>
+                    <a:srgbClr val="000000"/>
+                  </a:solidFill>
+                  <a:latin typeface="IBM Plex Sans"/>
+                  <a:ea typeface="IBM Plex Sans"/>
+                  <a:cs typeface="IBM Plex Sans"/>
+                  <a:sym typeface="IBM Plex Sans"/>
+                </a:endParaRPr>
+              </a:p>
+              <a:p>
+                <a:pPr indent="0" lvl="0" marL="0" rtl="0" algn="l">
+                  <a:spcBef>
+                    <a:spcPts val="0"/>
+                  </a:spcBef>
+                  <a:spcAft>
+                    <a:spcPts val="0"/>
+                  </a:spcAft>
+                  <a:buNone/>
+                </a:pPr>
+                <a:r>
+                  <a:t/>
+                </a:r>
+                <a:endParaRPr b="1" sz="600">
+                  <a:solidFill>
+                    <a:srgbClr val="000000"/>
+                  </a:solidFill>
+                  <a:latin typeface="IBM Plex Sans"/>
+                  <a:ea typeface="IBM Plex Sans"/>
+                  <a:cs typeface="IBM Plex Sans"/>
+                  <a:sym typeface="IBM Plex Sans"/>
+                </a:endParaRPr>
+              </a:p>
+              <a:p>
+                <a:pPr indent="0" lvl="0" marL="0" rtl="0" algn="l">
+                  <a:spcBef>
+                    <a:spcPts val="0"/>
+                  </a:spcBef>
+                  <a:spcAft>
+                    <a:spcPts val="0"/>
+                  </a:spcAft>
+                  <a:buNone/>
+                </a:pPr>
+                <a:r>
+                  <a:rPr b="1" lang="en" sz="600">
+                    <a:latin typeface="IBM Plex Sans"/>
+                    <a:ea typeface="IBM Plex Sans"/>
+                    <a:cs typeface="IBM Plex Sans"/>
+                    <a:sym typeface="IBM Plex Sans"/>
+                  </a:rPr>
+                  <a:t>THE FINLAB TOOLKIT</a:t>
+                </a:r>
+                <a:endParaRPr b="1" sz="600">
+                  <a:solidFill>
+                    <a:srgbClr val="3C78D8"/>
+                  </a:solidFill>
+                  <a:latin typeface="IBM Plex Sans"/>
+                  <a:ea typeface="IBM Plex Sans"/>
+                  <a:cs typeface="IBM Plex Sans"/>
+                  <a:sym typeface="IBM Plex Sans"/>
+                </a:endParaRPr>
+              </a:p>
+            </p:txBody>
+          </p:sp>
+          <p:pic>
+            <p:nvPicPr>
+              <p:cNvPr id="99" name="Google Shape;99;p4"/>
+              <p:cNvPicPr preferRelativeResize="0"/>
+              <p:nvPr/>
+            </p:nvPicPr>
+            <p:blipFill>
+              <a:blip r:embed="rId7">
+                <a:alphaModFix/>
+              </a:blip>
+              <a:stretch>
+                <a:fillRect/>
+              </a:stretch>
+            </p:blipFill>
+            <p:spPr>
+              <a:xfrm>
+                <a:off x="9629932" y="7094781"/>
+                <a:ext cx="494539" cy="430321"/>
+              </a:xfrm>
+              <a:prstGeom prst="rect">
+                <a:avLst/>
+              </a:prstGeom>
+              <a:noFill/>
+              <a:ln>
+                <a:noFill/>
+              </a:ln>
+            </p:spPr>
+          </p:pic>
+        </p:grpSp>
+        <p:pic>
+          <p:nvPicPr>
+            <p:cNvPr id="100" name="Google Shape;100;p4"/>
+            <p:cNvPicPr preferRelativeResize="0"/>
+            <p:nvPr/>
+          </p:nvPicPr>
+          <p:blipFill>
+            <a:blip r:embed="rId8">
+              <a:alphaModFix/>
+            </a:blip>
+            <a:stretch>
+              <a:fillRect/>
+            </a:stretch>
+          </p:blipFill>
+          <p:spPr>
+            <a:xfrm>
+              <a:off x="8553150" y="7165073"/>
+              <a:ext cx="1013800" cy="354000"/>
+            </a:xfrm>
+            <a:prstGeom prst="rect">
+              <a:avLst/>
+            </a:prstGeom>
+            <a:noFill/>
+            <a:ln>
+              <a:noFill/>
+            </a:ln>
+          </p:spPr>
+        </p:pic>
+      </p:grpSp>
     </p:spTree>
   </p:cSld>
   <p:clrMapOvr>
@@ -12898,7 +9455,7 @@
   <p:cSld>
     <p:spTree>
       <p:nvGrpSpPr>
-        <p:cNvPr id="146" name="Shape 146"/>
+        <p:cNvPr id="104" name="Shape 104"/>
         <p:cNvGrpSpPr/>
         <p:nvPr/>
       </p:nvGrpSpPr>
@@ -12912,7 +9469,7 @@
       </p:grpSpPr>
       <p:sp>
         <p:nvSpPr>
-          <p:cNvPr id="147" name="Google Shape;147;p15"/>
+          <p:cNvPr id="105" name="Google Shape;105;p5"/>
           <p:cNvSpPr/>
           <p:nvPr/>
         </p:nvSpPr>
@@ -12963,10 +9520,10 @@
       </p:sp>
       <p:sp>
         <p:nvSpPr>
-          <p:cNvPr id="148" name="Google Shape;148;p15"/>
+          <p:cNvPr id="106" name="Google Shape;106;p5"/>
           <p:cNvSpPr txBox="1"/>
           <p:nvPr>
-            <p:ph idx="1" type="body"/>
+            <p:ph idx="4294967295" type="body"/>
           </p:nvPr>
         </p:nvSpPr>
         <p:spPr>
@@ -13772,7 +10329,7 @@
       </p:sp>
       <p:sp>
         <p:nvSpPr>
-          <p:cNvPr id="149" name="Google Shape;149;p15"/>
+          <p:cNvPr id="107" name="Google Shape;107;p5"/>
           <p:cNvSpPr txBox="1"/>
           <p:nvPr/>
         </p:nvSpPr>
@@ -13830,7 +10387,7 @@
       </p:sp>
       <p:sp>
         <p:nvSpPr>
-          <p:cNvPr id="150" name="Google Shape;150;p15"/>
+          <p:cNvPr id="108" name="Google Shape;108;p5"/>
           <p:cNvSpPr txBox="1"/>
           <p:nvPr/>
         </p:nvSpPr>
@@ -14099,10 +10656,10 @@
       </p:sp>
       <p:sp>
         <p:nvSpPr>
-          <p:cNvPr id="151" name="Google Shape;151;p15"/>
+          <p:cNvPr id="109" name="Google Shape;109;p5"/>
           <p:cNvSpPr txBox="1"/>
           <p:nvPr>
-            <p:ph idx="1" type="body"/>
+            <p:ph idx="4294967295" type="body"/>
           </p:nvPr>
         </p:nvSpPr>
         <p:spPr>
@@ -14557,7 +11114,7 @@
       </p:sp>
       <p:sp>
         <p:nvSpPr>
-          <p:cNvPr id="152" name="Google Shape;152;p15"/>
+          <p:cNvPr id="110" name="Google Shape;110;p5"/>
           <p:cNvSpPr txBox="1"/>
           <p:nvPr>
             <p:ph type="title"/>
@@ -14733,301 +11290,9 @@
           </a:p>
         </p:txBody>
       </p:sp>
-      <p:grpSp>
-        <p:nvGrpSpPr>
-          <p:cNvPr id="153" name="Google Shape;153;p15"/>
-          <p:cNvGrpSpPr/>
-          <p:nvPr/>
-        </p:nvGrpSpPr>
-        <p:grpSpPr>
-          <a:xfrm>
-            <a:off x="0" y="7094781"/>
-            <a:ext cx="10692000" cy="465069"/>
-            <a:chOff x="0" y="7094781"/>
-            <a:chExt cx="10692000" cy="465069"/>
-          </a:xfrm>
-        </p:grpSpPr>
-        <p:sp>
-          <p:nvSpPr>
-            <p:cNvPr id="154" name="Google Shape;154;p15"/>
-            <p:cNvSpPr/>
-            <p:nvPr/>
-          </p:nvSpPr>
-          <p:spPr>
-            <a:xfrm>
-              <a:off x="0" y="7094850"/>
-              <a:ext cx="10692000" cy="465000"/>
-            </a:xfrm>
-            <a:prstGeom prst="rect">
-              <a:avLst/>
-            </a:prstGeom>
-            <a:solidFill>
-              <a:srgbClr val="FFFFFF"/>
-            </a:solidFill>
-            <a:ln>
-              <a:noFill/>
-            </a:ln>
-          </p:spPr>
-          <p:txBody>
-            <a:bodyPr anchorCtr="0" anchor="ctr" bIns="91425" lIns="91425" spcFirstLastPara="1" rIns="91425" wrap="square" tIns="91425">
-              <a:noAutofit/>
-            </a:bodyPr>
-            <a:lstStyle/>
-            <a:p>
-              <a:pPr indent="0" lvl="0" marL="0" rtl="0" algn="l">
-                <a:spcBef>
-                  <a:spcPts val="0"/>
-                </a:spcBef>
-                <a:spcAft>
-                  <a:spcPts val="0"/>
-                </a:spcAft>
-                <a:buNone/>
-              </a:pPr>
-              <a:r>
-                <a:t/>
-              </a:r>
-              <a:endParaRPr/>
-            </a:p>
-          </p:txBody>
-        </p:sp>
-        <p:sp>
-          <p:nvSpPr>
-            <p:cNvPr id="155" name="Google Shape;155;p15"/>
-            <p:cNvSpPr txBox="1"/>
-            <p:nvPr/>
-          </p:nvSpPr>
-          <p:spPr>
-            <a:xfrm>
-              <a:off x="514889" y="7198197"/>
-              <a:ext cx="4216500" cy="266400"/>
-            </a:xfrm>
-            <a:prstGeom prst="rect">
-              <a:avLst/>
-            </a:prstGeom>
-            <a:noFill/>
-            <a:ln>
-              <a:noFill/>
-            </a:ln>
-          </p:spPr>
-          <p:txBody>
-            <a:bodyPr anchorCtr="0" anchor="b" bIns="92475" lIns="92475" spcFirstLastPara="1" rIns="92475" wrap="square" tIns="92475">
-              <a:noAutofit/>
-            </a:bodyPr>
-            <a:lstStyle/>
-            <a:p>
-              <a:pPr indent="0" lvl="0" marL="0" rtl="0" algn="l">
-                <a:spcBef>
-                  <a:spcPts val="0"/>
-                </a:spcBef>
-                <a:spcAft>
-                  <a:spcPts val="0"/>
-                </a:spcAft>
-                <a:buNone/>
-              </a:pPr>
-              <a:r>
-                <a:t/>
-              </a:r>
-              <a:endParaRPr b="1" sz="600">
-                <a:solidFill>
-                  <a:srgbClr val="000000"/>
-                </a:solidFill>
-                <a:latin typeface="IBM Plex Sans"/>
-                <a:ea typeface="IBM Plex Sans"/>
-                <a:cs typeface="IBM Plex Sans"/>
-                <a:sym typeface="IBM Plex Sans"/>
-              </a:endParaRPr>
-            </a:p>
-            <a:p>
-              <a:pPr indent="0" lvl="0" marL="0" rtl="0" algn="l">
-                <a:spcBef>
-                  <a:spcPts val="0"/>
-                </a:spcBef>
-                <a:spcAft>
-                  <a:spcPts val="0"/>
-                </a:spcAft>
-                <a:buNone/>
-              </a:pPr>
-              <a:r>
-                <a:t/>
-              </a:r>
-              <a:endParaRPr b="1" sz="600">
-                <a:solidFill>
-                  <a:srgbClr val="000000"/>
-                </a:solidFill>
-                <a:latin typeface="IBM Plex Sans"/>
-                <a:ea typeface="IBM Plex Sans"/>
-                <a:cs typeface="IBM Plex Sans"/>
-                <a:sym typeface="IBM Plex Sans"/>
-              </a:endParaRPr>
-            </a:p>
-            <a:p>
-              <a:pPr indent="0" lvl="0" marL="0" rtl="0" algn="l">
-                <a:spcBef>
-                  <a:spcPts val="0"/>
-                </a:spcBef>
-                <a:spcAft>
-                  <a:spcPts val="0"/>
-                </a:spcAft>
-                <a:buNone/>
-              </a:pPr>
-              <a:r>
-                <a:t/>
-              </a:r>
-              <a:endParaRPr b="1" sz="600">
-                <a:solidFill>
-                  <a:srgbClr val="000000"/>
-                </a:solidFill>
-                <a:latin typeface="IBM Plex Sans"/>
-                <a:ea typeface="IBM Plex Sans"/>
-                <a:cs typeface="IBM Plex Sans"/>
-                <a:sym typeface="IBM Plex Sans"/>
-              </a:endParaRPr>
-            </a:p>
-            <a:p>
-              <a:pPr indent="0" lvl="0" marL="0" rtl="0" algn="l">
-                <a:spcBef>
-                  <a:spcPts val="0"/>
-                </a:spcBef>
-                <a:spcAft>
-                  <a:spcPts val="0"/>
-                </a:spcAft>
-                <a:buNone/>
-              </a:pPr>
-              <a:r>
-                <a:rPr b="1" lang="en" sz="600">
-                  <a:latin typeface="IBM Plex Sans"/>
-                  <a:ea typeface="IBM Plex Sans"/>
-                  <a:cs typeface="IBM Plex Sans"/>
-                  <a:sym typeface="IBM Plex Sans"/>
-                </a:rPr>
-                <a:t>FINANCIAL INNOVATION LAB</a:t>
-              </a:r>
-              <a:r>
-                <a:rPr b="1" lang="en" sz="600">
-                  <a:solidFill>
-                    <a:srgbClr val="3C78D8"/>
-                  </a:solidFill>
-                  <a:latin typeface="IBM Plex Sans"/>
-                  <a:ea typeface="IBM Plex Sans"/>
-                  <a:cs typeface="IBM Plex Sans"/>
-                  <a:sym typeface="IBM Plex Sans"/>
-                </a:rPr>
-                <a:t> | BOOTCAMP ONE </a:t>
-              </a:r>
-              <a:endParaRPr b="1" sz="600">
-                <a:solidFill>
-                  <a:srgbClr val="3C78D8"/>
-                </a:solidFill>
-                <a:latin typeface="IBM Plex Sans"/>
-                <a:ea typeface="IBM Plex Sans"/>
-                <a:cs typeface="IBM Plex Sans"/>
-                <a:sym typeface="IBM Plex Sans"/>
-              </a:endParaRPr>
-            </a:p>
-          </p:txBody>
-        </p:sp>
-        <p:grpSp>
-          <p:nvGrpSpPr>
-            <p:cNvPr id="156" name="Google Shape;156;p15"/>
-            <p:cNvGrpSpPr/>
-            <p:nvPr/>
-          </p:nvGrpSpPr>
-          <p:grpSpPr>
-            <a:xfrm>
-              <a:off x="7712143" y="7094781"/>
-              <a:ext cx="2412328" cy="430321"/>
-              <a:chOff x="5831433" y="6857683"/>
-              <a:chExt cx="4631966" cy="815774"/>
-            </a:xfrm>
-          </p:grpSpPr>
-          <p:pic>
-            <p:nvPicPr>
-              <p:cNvPr id="157" name="Google Shape;157;p15"/>
-              <p:cNvPicPr preferRelativeResize="0"/>
-              <p:nvPr/>
-            </p:nvPicPr>
-            <p:blipFill>
-              <a:blip r:embed="rId3">
-                <a:alphaModFix/>
-              </a:blip>
-              <a:stretch>
-                <a:fillRect/>
-              </a:stretch>
-            </p:blipFill>
-            <p:spPr>
-              <a:xfrm>
-                <a:off x="9513825" y="6857683"/>
-                <a:ext cx="949574" cy="815774"/>
-              </a:xfrm>
-              <a:prstGeom prst="rect">
-                <a:avLst/>
-              </a:prstGeom>
-              <a:noFill/>
-              <a:ln>
-                <a:noFill/>
-              </a:ln>
-            </p:spPr>
-          </p:pic>
-          <p:pic>
-            <p:nvPicPr>
-              <p:cNvPr id="158" name="Google Shape;158;p15"/>
-              <p:cNvPicPr preferRelativeResize="0"/>
-              <p:nvPr/>
-            </p:nvPicPr>
-            <p:blipFill>
-              <a:blip r:embed="rId4">
-                <a:alphaModFix/>
-              </a:blip>
-              <a:stretch>
-                <a:fillRect/>
-              </a:stretch>
-            </p:blipFill>
-            <p:spPr>
-              <a:xfrm>
-                <a:off x="5831433" y="7117645"/>
-                <a:ext cx="1933325" cy="446407"/>
-              </a:xfrm>
-              <a:prstGeom prst="rect">
-                <a:avLst/>
-              </a:prstGeom>
-              <a:noFill/>
-              <a:ln>
-                <a:noFill/>
-              </a:ln>
-            </p:spPr>
-          </p:pic>
-          <p:pic>
-            <p:nvPicPr>
-              <p:cNvPr id="159" name="Google Shape;159;p15"/>
-              <p:cNvPicPr preferRelativeResize="0"/>
-              <p:nvPr/>
-            </p:nvPicPr>
-            <p:blipFill rotWithShape="1">
-              <a:blip r:embed="rId5">
-                <a:alphaModFix/>
-              </a:blip>
-              <a:srcRect b="23935" l="18913" r="10250" t="28704"/>
-              <a:stretch/>
-            </p:blipFill>
-            <p:spPr>
-              <a:xfrm>
-                <a:off x="8144179" y="7097827"/>
-                <a:ext cx="990224" cy="393901"/>
-              </a:xfrm>
-              <a:prstGeom prst="rect">
-                <a:avLst/>
-              </a:prstGeom>
-              <a:noFill/>
-              <a:ln>
-                <a:noFill/>
-              </a:ln>
-            </p:spPr>
-          </p:pic>
-        </p:grpSp>
-      </p:grpSp>
       <p:sp>
         <p:nvSpPr>
-          <p:cNvPr id="160" name="Google Shape;160;p15"/>
+          <p:cNvPr id="111" name="Google Shape;111;p5"/>
           <p:cNvSpPr/>
           <p:nvPr/>
         </p:nvSpPr>
@@ -15072,6 +11337,259 @@
           </a:p>
         </p:txBody>
       </p:sp>
+      <p:grpSp>
+        <p:nvGrpSpPr>
+          <p:cNvPr id="112" name="Google Shape;112;p5"/>
+          <p:cNvGrpSpPr/>
+          <p:nvPr/>
+        </p:nvGrpSpPr>
+        <p:grpSpPr>
+          <a:xfrm>
+            <a:off x="0" y="7094781"/>
+            <a:ext cx="10692000" cy="465069"/>
+            <a:chOff x="0" y="7094781"/>
+            <a:chExt cx="10692000" cy="465069"/>
+          </a:xfrm>
+        </p:grpSpPr>
+        <p:grpSp>
+          <p:nvGrpSpPr>
+            <p:cNvPr id="113" name="Google Shape;113;p5"/>
+            <p:cNvGrpSpPr/>
+            <p:nvPr/>
+          </p:nvGrpSpPr>
+          <p:grpSpPr>
+            <a:xfrm>
+              <a:off x="0" y="7094781"/>
+              <a:ext cx="10692000" cy="465069"/>
+              <a:chOff x="0" y="7094781"/>
+              <a:chExt cx="10692000" cy="465069"/>
+            </a:xfrm>
+          </p:grpSpPr>
+          <p:sp>
+            <p:nvSpPr>
+              <p:cNvPr id="114" name="Google Shape;114;p5"/>
+              <p:cNvSpPr/>
+              <p:nvPr/>
+            </p:nvSpPr>
+            <p:spPr>
+              <a:xfrm>
+                <a:off x="0" y="7094850"/>
+                <a:ext cx="10692000" cy="465000"/>
+              </a:xfrm>
+              <a:prstGeom prst="rect">
+                <a:avLst/>
+              </a:prstGeom>
+              <a:solidFill>
+                <a:srgbClr val="FFFFFF"/>
+              </a:solidFill>
+              <a:ln>
+                <a:noFill/>
+              </a:ln>
+            </p:spPr>
+            <p:txBody>
+              <a:bodyPr anchorCtr="0" anchor="ctr" bIns="91425" lIns="91425" spcFirstLastPara="1" rIns="91425" wrap="square" tIns="91425">
+                <a:noAutofit/>
+              </a:bodyPr>
+              <a:lstStyle/>
+              <a:p>
+                <a:pPr indent="0" lvl="0" marL="0" rtl="0" algn="l">
+                  <a:spcBef>
+                    <a:spcPts val="0"/>
+                  </a:spcBef>
+                  <a:spcAft>
+                    <a:spcPts val="0"/>
+                  </a:spcAft>
+                  <a:buNone/>
+                </a:pPr>
+                <a:r>
+                  <a:t/>
+                </a:r>
+                <a:endParaRPr/>
+              </a:p>
+            </p:txBody>
+          </p:sp>
+          <p:sp>
+            <p:nvSpPr>
+              <p:cNvPr id="115" name="Google Shape;115;p5"/>
+              <p:cNvSpPr txBox="1"/>
+              <p:nvPr/>
+            </p:nvSpPr>
+            <p:spPr>
+              <a:xfrm>
+                <a:off x="514889" y="7198197"/>
+                <a:ext cx="4216500" cy="266400"/>
+              </a:xfrm>
+              <a:prstGeom prst="rect">
+                <a:avLst/>
+              </a:prstGeom>
+              <a:noFill/>
+              <a:ln>
+                <a:noFill/>
+              </a:ln>
+            </p:spPr>
+            <p:txBody>
+              <a:bodyPr anchorCtr="0" anchor="b" bIns="92475" lIns="92475" spcFirstLastPara="1" rIns="92475" wrap="square" tIns="92475">
+                <a:noAutofit/>
+              </a:bodyPr>
+              <a:lstStyle/>
+              <a:p>
+                <a:pPr indent="0" lvl="0" marL="0" rtl="0" algn="l">
+                  <a:spcBef>
+                    <a:spcPts val="0"/>
+                  </a:spcBef>
+                  <a:spcAft>
+                    <a:spcPts val="0"/>
+                  </a:spcAft>
+                  <a:buNone/>
+                </a:pPr>
+                <a:r>
+                  <a:t/>
+                </a:r>
+                <a:endParaRPr b="1" sz="600">
+                  <a:solidFill>
+                    <a:srgbClr val="000000"/>
+                  </a:solidFill>
+                  <a:latin typeface="IBM Plex Sans"/>
+                  <a:ea typeface="IBM Plex Sans"/>
+                  <a:cs typeface="IBM Plex Sans"/>
+                  <a:sym typeface="IBM Plex Sans"/>
+                </a:endParaRPr>
+              </a:p>
+              <a:p>
+                <a:pPr indent="0" lvl="0" marL="0" rtl="0" algn="l">
+                  <a:spcBef>
+                    <a:spcPts val="0"/>
+                  </a:spcBef>
+                  <a:spcAft>
+                    <a:spcPts val="0"/>
+                  </a:spcAft>
+                  <a:buNone/>
+                </a:pPr>
+                <a:r>
+                  <a:t/>
+                </a:r>
+                <a:endParaRPr b="1" sz="600">
+                  <a:solidFill>
+                    <a:srgbClr val="000000"/>
+                  </a:solidFill>
+                  <a:latin typeface="IBM Plex Sans"/>
+                  <a:ea typeface="IBM Plex Sans"/>
+                  <a:cs typeface="IBM Plex Sans"/>
+                  <a:sym typeface="IBM Plex Sans"/>
+                </a:endParaRPr>
+              </a:p>
+              <a:p>
+                <a:pPr indent="0" lvl="0" marL="0" rtl="0" algn="l">
+                  <a:spcBef>
+                    <a:spcPts val="0"/>
+                  </a:spcBef>
+                  <a:spcAft>
+                    <a:spcPts val="0"/>
+                  </a:spcAft>
+                  <a:buNone/>
+                </a:pPr>
+                <a:r>
+                  <a:t/>
+                </a:r>
+                <a:endParaRPr b="1" sz="600">
+                  <a:solidFill>
+                    <a:srgbClr val="000000"/>
+                  </a:solidFill>
+                  <a:latin typeface="IBM Plex Sans"/>
+                  <a:ea typeface="IBM Plex Sans"/>
+                  <a:cs typeface="IBM Plex Sans"/>
+                  <a:sym typeface="IBM Plex Sans"/>
+                </a:endParaRPr>
+              </a:p>
+              <a:p>
+                <a:pPr indent="0" lvl="0" marL="0" rtl="0" algn="l">
+                  <a:spcBef>
+                    <a:spcPts val="0"/>
+                  </a:spcBef>
+                  <a:spcAft>
+                    <a:spcPts val="0"/>
+                  </a:spcAft>
+                  <a:buNone/>
+                </a:pPr>
+                <a:r>
+                  <a:rPr b="1" lang="en" sz="600">
+                    <a:latin typeface="IBM Plex Sans"/>
+                    <a:ea typeface="IBM Plex Sans"/>
+                    <a:cs typeface="IBM Plex Sans"/>
+                    <a:sym typeface="IBM Plex Sans"/>
+                  </a:rPr>
+                  <a:t>THE FINLAB TOOLKIT</a:t>
+                </a:r>
+                <a:endParaRPr b="1" sz="600">
+                  <a:solidFill>
+                    <a:srgbClr val="3C78D8"/>
+                  </a:solidFill>
+                  <a:latin typeface="IBM Plex Sans"/>
+                  <a:ea typeface="IBM Plex Sans"/>
+                  <a:cs typeface="IBM Plex Sans"/>
+                  <a:sym typeface="IBM Plex Sans"/>
+                </a:endParaRPr>
+              </a:p>
+            </p:txBody>
+          </p:sp>
+          <p:pic>
+            <p:nvPicPr>
+              <p:cNvPr id="116" name="Google Shape;116;p5"/>
+              <p:cNvPicPr preferRelativeResize="0"/>
+              <p:nvPr/>
+            </p:nvPicPr>
+            <p:blipFill>
+              <a:blip r:embed="rId3">
+                <a:alphaModFix/>
+              </a:blip>
+              <a:stretch>
+                <a:fillRect/>
+              </a:stretch>
+            </p:blipFill>
+            <p:spPr>
+              <a:xfrm>
+                <a:off x="9629932" y="7094781"/>
+                <a:ext cx="494539" cy="430321"/>
+              </a:xfrm>
+              <a:prstGeom prst="rect">
+                <a:avLst/>
+              </a:prstGeom>
+              <a:noFill/>
+              <a:ln>
+                <a:noFill/>
+              </a:ln>
+            </p:spPr>
+          </p:pic>
+        </p:grpSp>
+        <p:pic>
+          <p:nvPicPr>
+            <p:cNvPr id="117" name="Google Shape;117;p5"/>
+            <p:cNvPicPr preferRelativeResize="0"/>
+            <p:nvPr/>
+          </p:nvPicPr>
+          <p:blipFill>
+            <a:blip r:embed="rId4">
+              <a:alphaModFix/>
+            </a:blip>
+            <a:stretch>
+              <a:fillRect/>
+            </a:stretch>
+          </p:blipFill>
+          <p:spPr>
+            <a:xfrm>
+              <a:off x="8553150" y="7165073"/>
+              <a:ext cx="1013800" cy="354000"/>
+            </a:xfrm>
+            <a:prstGeom prst="rect">
+              <a:avLst/>
+            </a:prstGeom>
+            <a:noFill/>
+            <a:ln>
+              <a:noFill/>
+            </a:ln>
+          </p:spPr>
+        </p:pic>
+      </p:grpSp>
     </p:spTree>
   </p:cSld>
   <p:clrMapOvr>
@@ -15085,7 +11603,7 @@
   <p:cSld>
     <p:spTree>
       <p:nvGrpSpPr>
-        <p:cNvPr id="164" name="Shape 164"/>
+        <p:cNvPr id="121" name="Shape 121"/>
         <p:cNvGrpSpPr/>
         <p:nvPr/>
       </p:nvGrpSpPr>
@@ -15099,7 +11617,7 @@
       </p:grpSpPr>
       <p:sp>
         <p:nvSpPr>
-          <p:cNvPr id="165" name="Google Shape;165;p16"/>
+          <p:cNvPr id="122" name="Google Shape;122;p6"/>
           <p:cNvSpPr txBox="1"/>
           <p:nvPr>
             <p:ph type="title"/>
@@ -15261,7 +11779,7 @@
       </p:sp>
       <p:grpSp>
         <p:nvGrpSpPr>
-          <p:cNvPr id="166" name="Google Shape;166;p16"/>
+          <p:cNvPr id="123" name="Google Shape;123;p6"/>
           <p:cNvGrpSpPr/>
           <p:nvPr/>
         </p:nvGrpSpPr>
@@ -15275,7 +11793,7 @@
         </p:grpSpPr>
         <p:sp>
           <p:nvSpPr>
-            <p:cNvPr id="167" name="Google Shape;167;p16"/>
+            <p:cNvPr id="124" name="Google Shape;124;p6"/>
             <p:cNvSpPr txBox="1"/>
             <p:nvPr/>
           </p:nvSpPr>
@@ -15369,7 +11887,7 @@
         </p:sp>
         <p:sp>
           <p:nvSpPr>
-            <p:cNvPr id="168" name="Google Shape;168;p16"/>
+            <p:cNvPr id="125" name="Google Shape;125;p6"/>
             <p:cNvSpPr txBox="1"/>
             <p:nvPr/>
           </p:nvSpPr>
@@ -15432,7 +11950,7 @@
         </p:sp>
         <p:sp>
           <p:nvSpPr>
-            <p:cNvPr id="169" name="Google Shape;169;p16"/>
+            <p:cNvPr id="126" name="Google Shape;126;p6"/>
             <p:cNvSpPr txBox="1"/>
             <p:nvPr/>
           </p:nvSpPr>
@@ -15538,7 +12056,7 @@
         </p:sp>
         <p:sp>
           <p:nvSpPr>
-            <p:cNvPr id="170" name="Google Shape;170;p16"/>
+            <p:cNvPr id="127" name="Google Shape;127;p6"/>
             <p:cNvSpPr txBox="1"/>
             <p:nvPr/>
           </p:nvSpPr>
@@ -15601,7 +12119,7 @@
         </p:sp>
         <p:sp>
           <p:nvSpPr>
-            <p:cNvPr id="171" name="Google Shape;171;p16"/>
+            <p:cNvPr id="128" name="Google Shape;128;p6"/>
             <p:cNvSpPr txBox="1"/>
             <p:nvPr/>
           </p:nvSpPr>
@@ -15707,7 +12225,7 @@
         </p:sp>
         <p:sp>
           <p:nvSpPr>
-            <p:cNvPr id="172" name="Google Shape;172;p16"/>
+            <p:cNvPr id="129" name="Google Shape;129;p6"/>
             <p:cNvSpPr txBox="1"/>
             <p:nvPr/>
           </p:nvSpPr>
@@ -15813,7 +12331,7 @@
         </p:sp>
         <p:sp>
           <p:nvSpPr>
-            <p:cNvPr id="173" name="Google Shape;173;p16"/>
+            <p:cNvPr id="130" name="Google Shape;130;p6"/>
             <p:cNvSpPr txBox="1"/>
             <p:nvPr/>
           </p:nvSpPr>
@@ -15919,7 +12437,7 @@
         </p:sp>
         <p:sp>
           <p:nvSpPr>
-            <p:cNvPr id="174" name="Google Shape;174;p16"/>
+            <p:cNvPr id="131" name="Google Shape;131;p6"/>
             <p:cNvSpPr txBox="1"/>
             <p:nvPr/>
           </p:nvSpPr>
@@ -16025,7 +12543,7 @@
         </p:sp>
         <p:sp>
           <p:nvSpPr>
-            <p:cNvPr id="175" name="Google Shape;175;p16"/>
+            <p:cNvPr id="132" name="Google Shape;132;p6"/>
             <p:cNvSpPr txBox="1"/>
             <p:nvPr/>
           </p:nvSpPr>
@@ -16096,7 +12614,7 @@
         </p:sp>
         <p:sp>
           <p:nvSpPr>
-            <p:cNvPr id="176" name="Google Shape;176;p16"/>
+            <p:cNvPr id="133" name="Google Shape;133;p6"/>
             <p:cNvSpPr txBox="1"/>
             <p:nvPr/>
           </p:nvSpPr>
@@ -16167,7 +12685,7 @@
         </p:sp>
         <p:sp>
           <p:nvSpPr>
-            <p:cNvPr id="177" name="Google Shape;177;p16"/>
+            <p:cNvPr id="134" name="Google Shape;134;p6"/>
             <p:cNvSpPr txBox="1"/>
             <p:nvPr/>
           </p:nvSpPr>
@@ -16238,7 +12756,7 @@
         </p:sp>
         <p:sp>
           <p:nvSpPr>
-            <p:cNvPr id="178" name="Google Shape;178;p16"/>
+            <p:cNvPr id="135" name="Google Shape;135;p6"/>
             <p:cNvSpPr txBox="1"/>
             <p:nvPr/>
           </p:nvSpPr>
@@ -16309,7 +12827,7 @@
         </p:sp>
         <p:sp>
           <p:nvSpPr>
-            <p:cNvPr id="179" name="Google Shape;179;p16"/>
+            <p:cNvPr id="136" name="Google Shape;136;p6"/>
             <p:cNvSpPr txBox="1"/>
             <p:nvPr/>
           </p:nvSpPr>
@@ -16380,7 +12898,7 @@
         </p:sp>
         <p:sp>
           <p:nvSpPr>
-            <p:cNvPr id="180" name="Google Shape;180;p16"/>
+            <p:cNvPr id="137" name="Google Shape;137;p6"/>
             <p:cNvSpPr txBox="1"/>
             <p:nvPr/>
           </p:nvSpPr>
@@ -16451,7 +12969,7 @@
         </p:sp>
         <p:sp>
           <p:nvSpPr>
-            <p:cNvPr id="181" name="Google Shape;181;p16"/>
+            <p:cNvPr id="138" name="Google Shape;138;p6"/>
             <p:cNvSpPr txBox="1"/>
             <p:nvPr/>
           </p:nvSpPr>
@@ -16522,7 +13040,7 @@
         </p:sp>
         <p:sp>
           <p:nvSpPr>
-            <p:cNvPr id="182" name="Google Shape;182;p16"/>
+            <p:cNvPr id="139" name="Google Shape;139;p6"/>
             <p:cNvSpPr txBox="1"/>
             <p:nvPr/>
           </p:nvSpPr>
@@ -16594,7 +13112,7 @@
       </p:grpSp>
       <p:grpSp>
         <p:nvGrpSpPr>
-          <p:cNvPr id="183" name="Google Shape;183;p16"/>
+          <p:cNvPr id="140" name="Google Shape;140;p6"/>
           <p:cNvGrpSpPr/>
           <p:nvPr/>
         </p:nvGrpSpPr>
@@ -16606,163 +13124,176 @@
             <a:chExt cx="10692000" cy="465069"/>
           </a:xfrm>
         </p:grpSpPr>
-        <p:sp>
-          <p:nvSpPr>
-            <p:cNvPr id="184" name="Google Shape;184;p16"/>
-            <p:cNvSpPr/>
+        <p:grpSp>
+          <p:nvGrpSpPr>
+            <p:cNvPr id="141" name="Google Shape;141;p6"/>
+            <p:cNvGrpSpPr/>
             <p:nvPr/>
-          </p:nvSpPr>
-          <p:spPr>
+          </p:nvGrpSpPr>
+          <p:grpSpPr>
             <a:xfrm>
-              <a:off x="0" y="7094850"/>
-              <a:ext cx="10692000" cy="465000"/>
+              <a:off x="0" y="7094781"/>
+              <a:ext cx="10692000" cy="465069"/>
+              <a:chOff x="0" y="7094781"/>
+              <a:chExt cx="10692000" cy="465069"/>
             </a:xfrm>
-            <a:prstGeom prst="rect">
-              <a:avLst/>
-            </a:prstGeom>
-            <a:solidFill>
-              <a:srgbClr val="FFFFFF"/>
-            </a:solidFill>
-            <a:ln>
+          </p:grpSpPr>
+          <p:sp>
+            <p:nvSpPr>
+              <p:cNvPr id="142" name="Google Shape;142;p6"/>
+              <p:cNvSpPr/>
+              <p:nvPr/>
+            </p:nvSpPr>
+            <p:spPr>
+              <a:xfrm>
+                <a:off x="0" y="7094850"/>
+                <a:ext cx="10692000" cy="465000"/>
+              </a:xfrm>
+              <a:prstGeom prst="rect">
+                <a:avLst/>
+              </a:prstGeom>
+              <a:solidFill>
+                <a:srgbClr val="FFFFFF"/>
+              </a:solidFill>
+              <a:ln>
+                <a:noFill/>
+              </a:ln>
+            </p:spPr>
+            <p:txBody>
+              <a:bodyPr anchorCtr="0" anchor="ctr" bIns="91425" lIns="91425" spcFirstLastPara="1" rIns="91425" wrap="square" tIns="91425">
+                <a:noAutofit/>
+              </a:bodyPr>
+              <a:lstStyle/>
+              <a:p>
+                <a:pPr indent="0" lvl="0" marL="0" rtl="0" algn="l">
+                  <a:spcBef>
+                    <a:spcPts val="0"/>
+                  </a:spcBef>
+                  <a:spcAft>
+                    <a:spcPts val="0"/>
+                  </a:spcAft>
+                  <a:buNone/>
+                </a:pPr>
+                <a:r>
+                  <a:t/>
+                </a:r>
+                <a:endParaRPr/>
+              </a:p>
+            </p:txBody>
+          </p:sp>
+          <p:sp>
+            <p:nvSpPr>
+              <p:cNvPr id="143" name="Google Shape;143;p6"/>
+              <p:cNvSpPr txBox="1"/>
+              <p:nvPr/>
+            </p:nvSpPr>
+            <p:spPr>
+              <a:xfrm>
+                <a:off x="514889" y="7198197"/>
+                <a:ext cx="4216500" cy="266400"/>
+              </a:xfrm>
+              <a:prstGeom prst="rect">
+                <a:avLst/>
+              </a:prstGeom>
               <a:noFill/>
-            </a:ln>
-          </p:spPr>
-          <p:txBody>
-            <a:bodyPr anchorCtr="0" anchor="ctr" bIns="91425" lIns="91425" spcFirstLastPara="1" rIns="91425" wrap="square" tIns="91425">
-              <a:noAutofit/>
-            </a:bodyPr>
-            <a:lstStyle/>
-            <a:p>
-              <a:pPr indent="0" lvl="0" marL="0" rtl="0" algn="l">
-                <a:spcBef>
-                  <a:spcPts val="0"/>
-                </a:spcBef>
-                <a:spcAft>
-                  <a:spcPts val="0"/>
-                </a:spcAft>
-                <a:buNone/>
-              </a:pPr>
-              <a:r>
-                <a:t/>
-              </a:r>
-              <a:endParaRPr/>
-            </a:p>
-          </p:txBody>
-        </p:sp>
-        <p:sp>
-          <p:nvSpPr>
-            <p:cNvPr id="185" name="Google Shape;185;p16"/>
-            <p:cNvSpPr txBox="1"/>
-            <p:nvPr/>
-          </p:nvSpPr>
-          <p:spPr>
-            <a:xfrm>
-              <a:off x="514889" y="7198197"/>
-              <a:ext cx="4216500" cy="266400"/>
-            </a:xfrm>
-            <a:prstGeom prst="rect">
-              <a:avLst/>
-            </a:prstGeom>
-            <a:noFill/>
-            <a:ln>
-              <a:noFill/>
-            </a:ln>
-          </p:spPr>
-          <p:txBody>
-            <a:bodyPr anchorCtr="0" anchor="b" bIns="92475" lIns="92475" spcFirstLastPara="1" rIns="92475" wrap="square" tIns="92475">
-              <a:noAutofit/>
-            </a:bodyPr>
-            <a:lstStyle/>
-            <a:p>
-              <a:pPr indent="0" lvl="0" marL="0" rtl="0" algn="l">
-                <a:spcBef>
-                  <a:spcPts val="0"/>
-                </a:spcBef>
-                <a:spcAft>
-                  <a:spcPts val="0"/>
-                </a:spcAft>
-                <a:buNone/>
-              </a:pPr>
-              <a:r>
-                <a:t/>
-              </a:r>
-              <a:endParaRPr b="1" sz="600">
-                <a:solidFill>
-                  <a:srgbClr val="000000"/>
-                </a:solidFill>
-                <a:latin typeface="IBM Plex Sans"/>
-                <a:ea typeface="IBM Plex Sans"/>
-                <a:cs typeface="IBM Plex Sans"/>
-                <a:sym typeface="IBM Plex Sans"/>
-              </a:endParaRPr>
-            </a:p>
-            <a:p>
-              <a:pPr indent="0" lvl="0" marL="0" rtl="0" algn="l">
-                <a:spcBef>
-                  <a:spcPts val="0"/>
-                </a:spcBef>
-                <a:spcAft>
-                  <a:spcPts val="0"/>
-                </a:spcAft>
-                <a:buNone/>
-              </a:pPr>
-              <a:r>
-                <a:t/>
-              </a:r>
-              <a:endParaRPr b="1" sz="600">
-                <a:solidFill>
-                  <a:srgbClr val="000000"/>
-                </a:solidFill>
-                <a:latin typeface="IBM Plex Sans"/>
-                <a:ea typeface="IBM Plex Sans"/>
-                <a:cs typeface="IBM Plex Sans"/>
-                <a:sym typeface="IBM Plex Sans"/>
-              </a:endParaRPr>
-            </a:p>
-            <a:p>
-              <a:pPr indent="0" lvl="0" marL="0" rtl="0" algn="l">
-                <a:spcBef>
-                  <a:spcPts val="0"/>
-                </a:spcBef>
-                <a:spcAft>
-                  <a:spcPts val="0"/>
-                </a:spcAft>
-                <a:buNone/>
-              </a:pPr>
-              <a:r>
-                <a:t/>
-              </a:r>
-              <a:endParaRPr b="1" sz="600">
-                <a:solidFill>
-                  <a:srgbClr val="000000"/>
-                </a:solidFill>
-                <a:latin typeface="IBM Plex Sans"/>
-                <a:ea typeface="IBM Plex Sans"/>
-                <a:cs typeface="IBM Plex Sans"/>
-                <a:sym typeface="IBM Plex Sans"/>
-              </a:endParaRPr>
-            </a:p>
-            <a:p>
-              <a:pPr indent="0" lvl="0" marL="0" rtl="0" algn="l">
-                <a:spcBef>
-                  <a:spcPts val="0"/>
-                </a:spcBef>
-                <a:spcAft>
-                  <a:spcPts val="0"/>
-                </a:spcAft>
-                <a:buNone/>
-              </a:pPr>
-              <a:r>
-                <a:rPr b="1" lang="en" sz="600">
+              <a:ln>
+                <a:noFill/>
+              </a:ln>
+            </p:spPr>
+            <p:txBody>
+              <a:bodyPr anchorCtr="0" anchor="b" bIns="92475" lIns="92475" spcFirstLastPara="1" rIns="92475" wrap="square" tIns="92475">
+                <a:noAutofit/>
+              </a:bodyPr>
+              <a:lstStyle/>
+              <a:p>
+                <a:pPr indent="0" lvl="0" marL="0" rtl="0" algn="l">
+                  <a:spcBef>
+                    <a:spcPts val="0"/>
+                  </a:spcBef>
+                  <a:spcAft>
+                    <a:spcPts val="0"/>
+                  </a:spcAft>
+                  <a:buNone/>
+                </a:pPr>
+                <a:r>
+                  <a:t/>
+                </a:r>
+                <a:endParaRPr b="1" sz="600">
+                  <a:solidFill>
+                    <a:srgbClr val="000000"/>
+                  </a:solidFill>
                   <a:latin typeface="IBM Plex Sans"/>
                   <a:ea typeface="IBM Plex Sans"/>
                   <a:cs typeface="IBM Plex Sans"/>
                   <a:sym typeface="IBM Plex Sans"/>
-                </a:rPr>
-                <a:t>FINANCIAL INNOVATION LAB</a:t>
-              </a:r>
-              <a:r>
-                <a:rPr b="1" lang="en" sz="600">
+                </a:endParaRPr>
+              </a:p>
+              <a:p>
+                <a:pPr indent="0" lvl="0" marL="0" rtl="0" algn="l">
+                  <a:spcBef>
+                    <a:spcPts val="0"/>
+                  </a:spcBef>
+                  <a:spcAft>
+                    <a:spcPts val="0"/>
+                  </a:spcAft>
+                  <a:buNone/>
+                </a:pPr>
+                <a:r>
+                  <a:t/>
+                </a:r>
+                <a:endParaRPr b="1" sz="600">
+                  <a:solidFill>
+                    <a:srgbClr val="000000"/>
+                  </a:solidFill>
+                  <a:latin typeface="IBM Plex Sans"/>
+                  <a:ea typeface="IBM Plex Sans"/>
+                  <a:cs typeface="IBM Plex Sans"/>
+                  <a:sym typeface="IBM Plex Sans"/>
+                </a:endParaRPr>
+              </a:p>
+              <a:p>
+                <a:pPr indent="0" lvl="0" marL="0" rtl="0" algn="l">
+                  <a:spcBef>
+                    <a:spcPts val="0"/>
+                  </a:spcBef>
+                  <a:spcAft>
+                    <a:spcPts val="0"/>
+                  </a:spcAft>
+                  <a:buNone/>
+                </a:pPr>
+                <a:r>
+                  <a:t/>
+                </a:r>
+                <a:endParaRPr b="1" sz="600">
+                  <a:solidFill>
+                    <a:srgbClr val="000000"/>
+                  </a:solidFill>
+                  <a:latin typeface="IBM Plex Sans"/>
+                  <a:ea typeface="IBM Plex Sans"/>
+                  <a:cs typeface="IBM Plex Sans"/>
+                  <a:sym typeface="IBM Plex Sans"/>
+                </a:endParaRPr>
+              </a:p>
+              <a:p>
+                <a:pPr indent="0" lvl="0" marL="0" rtl="0" algn="l">
+                  <a:spcBef>
+                    <a:spcPts val="0"/>
+                  </a:spcBef>
+                  <a:spcAft>
+                    <a:spcPts val="0"/>
+                  </a:spcAft>
+                  <a:buNone/>
+                </a:pPr>
+                <a:r>
+                  <a:rPr b="1" lang="en" sz="600">
+                    <a:latin typeface="IBM Plex Sans"/>
+                    <a:ea typeface="IBM Plex Sans"/>
+                    <a:cs typeface="IBM Plex Sans"/>
+                    <a:sym typeface="IBM Plex Sans"/>
+                  </a:rPr>
+                  <a:t>THE FINLAB TOOLKIT</a:t>
+                </a:r>
+                <a:endParaRPr b="1" sz="600">
                   <a:solidFill>
                     <a:srgbClr val="3C78D8"/>
                   </a:solidFill>
@@ -16770,38 +13301,13 @@
                   <a:ea typeface="IBM Plex Sans"/>
                   <a:cs typeface="IBM Plex Sans"/>
                   <a:sym typeface="IBM Plex Sans"/>
-                </a:rPr>
-                <a:t> | BOOTCAMP ONE </a:t>
-              </a:r>
-              <a:endParaRPr b="1" sz="600">
-                <a:solidFill>
-                  <a:srgbClr val="3C78D8"/>
-                </a:solidFill>
-                <a:latin typeface="IBM Plex Sans"/>
-                <a:ea typeface="IBM Plex Sans"/>
-                <a:cs typeface="IBM Plex Sans"/>
-                <a:sym typeface="IBM Plex Sans"/>
-              </a:endParaRPr>
-            </a:p>
-          </p:txBody>
-        </p:sp>
-        <p:grpSp>
-          <p:nvGrpSpPr>
-            <p:cNvPr id="186" name="Google Shape;186;p16"/>
-            <p:cNvGrpSpPr/>
-            <p:nvPr/>
-          </p:nvGrpSpPr>
-          <p:grpSpPr>
-            <a:xfrm>
-              <a:off x="7712143" y="7094781"/>
-              <a:ext cx="2412328" cy="430321"/>
-              <a:chOff x="5831433" y="6857683"/>
-              <a:chExt cx="4631966" cy="815774"/>
-            </a:xfrm>
-          </p:grpSpPr>
+                </a:endParaRPr>
+              </a:p>
+            </p:txBody>
+          </p:sp>
           <p:pic>
             <p:nvPicPr>
-              <p:cNvPr id="187" name="Google Shape;187;p16"/>
+              <p:cNvPr id="144" name="Google Shape;144;p6"/>
               <p:cNvPicPr preferRelativeResize="0"/>
               <p:nvPr/>
             </p:nvPicPr>
@@ -16815,63 +13321,8 @@
             </p:blipFill>
             <p:spPr>
               <a:xfrm>
-                <a:off x="9513825" y="6857683"/>
-                <a:ext cx="949574" cy="815774"/>
-              </a:xfrm>
-              <a:prstGeom prst="rect">
-                <a:avLst/>
-              </a:prstGeom>
-              <a:noFill/>
-              <a:ln>
-                <a:noFill/>
-              </a:ln>
-            </p:spPr>
-          </p:pic>
-          <p:pic>
-            <p:nvPicPr>
-              <p:cNvPr id="188" name="Google Shape;188;p16"/>
-              <p:cNvPicPr preferRelativeResize="0"/>
-              <p:nvPr/>
-            </p:nvPicPr>
-            <p:blipFill>
-              <a:blip r:embed="rId4">
-                <a:alphaModFix/>
-              </a:blip>
-              <a:stretch>
-                <a:fillRect/>
-              </a:stretch>
-            </p:blipFill>
-            <p:spPr>
-              <a:xfrm>
-                <a:off x="5831433" y="7117645"/>
-                <a:ext cx="1933325" cy="446407"/>
-              </a:xfrm>
-              <a:prstGeom prst="rect">
-                <a:avLst/>
-              </a:prstGeom>
-              <a:noFill/>
-              <a:ln>
-                <a:noFill/>
-              </a:ln>
-            </p:spPr>
-          </p:pic>
-          <p:pic>
-            <p:nvPicPr>
-              <p:cNvPr id="189" name="Google Shape;189;p16"/>
-              <p:cNvPicPr preferRelativeResize="0"/>
-              <p:nvPr/>
-            </p:nvPicPr>
-            <p:blipFill rotWithShape="1">
-              <a:blip r:embed="rId5">
-                <a:alphaModFix/>
-              </a:blip>
-              <a:srcRect b="23935" l="18913" r="10250" t="28704"/>
-              <a:stretch/>
-            </p:blipFill>
-            <p:spPr>
-              <a:xfrm>
-                <a:off x="8144179" y="7097827"/>
-                <a:ext cx="990224" cy="393901"/>
+                <a:off x="9629932" y="7094781"/>
+                <a:ext cx="494539" cy="430321"/>
               </a:xfrm>
               <a:prstGeom prst="rect">
                 <a:avLst/>
@@ -16883,6 +13334,34 @@
             </p:spPr>
           </p:pic>
         </p:grpSp>
+        <p:pic>
+          <p:nvPicPr>
+            <p:cNvPr id="145" name="Google Shape;145;p6"/>
+            <p:cNvPicPr preferRelativeResize="0"/>
+            <p:nvPr/>
+          </p:nvPicPr>
+          <p:blipFill>
+            <a:blip r:embed="rId4">
+              <a:alphaModFix/>
+            </a:blip>
+            <a:stretch>
+              <a:fillRect/>
+            </a:stretch>
+          </p:blipFill>
+          <p:spPr>
+            <a:xfrm>
+              <a:off x="8553150" y="7165073"/>
+              <a:ext cx="1013800" cy="354000"/>
+            </a:xfrm>
+            <a:prstGeom prst="rect">
+              <a:avLst/>
+            </a:prstGeom>
+            <a:noFill/>
+            <a:ln>
+              <a:noFill/>
+            </a:ln>
+          </p:spPr>
+        </p:pic>
       </p:grpSp>
     </p:spTree>
   </p:cSld>
@@ -16897,7 +13376,7 @@
   <p:cSld>
     <p:spTree>
       <p:nvGrpSpPr>
-        <p:cNvPr id="193" name="Shape 193"/>
+        <p:cNvPr id="149" name="Shape 149"/>
         <p:cNvGrpSpPr/>
         <p:nvPr/>
       </p:nvGrpSpPr>
@@ -16911,7 +13390,7 @@
       </p:grpSpPr>
       <p:sp>
         <p:nvSpPr>
-          <p:cNvPr id="194" name="Google Shape;194;p17"/>
+          <p:cNvPr id="150" name="Google Shape;150;p7"/>
           <p:cNvSpPr txBox="1"/>
           <p:nvPr>
             <p:ph type="title"/>
@@ -17073,7 +13552,7 @@
       </p:sp>
       <p:sp>
         <p:nvSpPr>
-          <p:cNvPr id="195" name="Google Shape;195;p17"/>
+          <p:cNvPr id="151" name="Google Shape;151;p7"/>
           <p:cNvSpPr txBox="1"/>
           <p:nvPr/>
         </p:nvSpPr>
@@ -17128,7 +13607,7 @@
       </p:sp>
       <p:sp>
         <p:nvSpPr>
-          <p:cNvPr id="196" name="Google Shape;196;p17"/>
+          <p:cNvPr id="152" name="Google Shape;152;p7"/>
           <p:cNvSpPr txBox="1"/>
           <p:nvPr/>
         </p:nvSpPr>
@@ -17191,7 +13670,7 @@
       </p:sp>
       <p:sp>
         <p:nvSpPr>
-          <p:cNvPr id="197" name="Google Shape;197;p17"/>
+          <p:cNvPr id="153" name="Google Shape;153;p7"/>
           <p:cNvSpPr txBox="1"/>
           <p:nvPr/>
         </p:nvSpPr>
@@ -17254,7 +13733,7 @@
       </p:sp>
       <p:sp>
         <p:nvSpPr>
-          <p:cNvPr id="198" name="Google Shape;198;p17"/>
+          <p:cNvPr id="154" name="Google Shape;154;p7"/>
           <p:cNvSpPr txBox="1"/>
           <p:nvPr/>
         </p:nvSpPr>
@@ -17317,7 +13796,7 @@
       </p:sp>
       <p:sp>
         <p:nvSpPr>
-          <p:cNvPr id="199" name="Google Shape;199;p17"/>
+          <p:cNvPr id="155" name="Google Shape;155;p7"/>
           <p:cNvSpPr txBox="1"/>
           <p:nvPr/>
         </p:nvSpPr>
@@ -17380,7 +13859,7 @@
       </p:sp>
       <p:sp>
         <p:nvSpPr>
-          <p:cNvPr id="200" name="Google Shape;200;p17"/>
+          <p:cNvPr id="156" name="Google Shape;156;p7"/>
           <p:cNvSpPr txBox="1"/>
           <p:nvPr/>
         </p:nvSpPr>
@@ -17443,7 +13922,7 @@
       </p:sp>
       <p:sp>
         <p:nvSpPr>
-          <p:cNvPr id="201" name="Google Shape;201;p17"/>
+          <p:cNvPr id="157" name="Google Shape;157;p7"/>
           <p:cNvSpPr txBox="1"/>
           <p:nvPr/>
         </p:nvSpPr>
@@ -17506,7 +13985,7 @@
       </p:sp>
       <p:sp>
         <p:nvSpPr>
-          <p:cNvPr id="202" name="Google Shape;202;p17"/>
+          <p:cNvPr id="158" name="Google Shape;158;p7"/>
           <p:cNvSpPr txBox="1"/>
           <p:nvPr/>
         </p:nvSpPr>
@@ -17593,7 +14072,7 @@
       </p:sp>
       <p:sp>
         <p:nvSpPr>
-          <p:cNvPr id="203" name="Google Shape;203;p17"/>
+          <p:cNvPr id="159" name="Google Shape;159;p7"/>
           <p:cNvSpPr txBox="1"/>
           <p:nvPr/>
         </p:nvSpPr>
@@ -17680,7 +14159,7 @@
       </p:sp>
       <p:sp>
         <p:nvSpPr>
-          <p:cNvPr id="204" name="Google Shape;204;p17"/>
+          <p:cNvPr id="160" name="Google Shape;160;p7"/>
           <p:cNvSpPr txBox="1"/>
           <p:nvPr/>
         </p:nvSpPr>
@@ -17767,7 +14246,7 @@
       </p:sp>
       <p:sp>
         <p:nvSpPr>
-          <p:cNvPr id="205" name="Google Shape;205;p17"/>
+          <p:cNvPr id="161" name="Google Shape;161;p7"/>
           <p:cNvSpPr txBox="1"/>
           <p:nvPr/>
         </p:nvSpPr>
@@ -17854,7 +14333,7 @@
       </p:sp>
       <p:sp>
         <p:nvSpPr>
-          <p:cNvPr id="206" name="Google Shape;206;p17"/>
+          <p:cNvPr id="162" name="Google Shape;162;p7"/>
           <p:cNvSpPr txBox="1"/>
           <p:nvPr/>
         </p:nvSpPr>
@@ -17941,7 +14420,7 @@
       </p:sp>
       <p:sp>
         <p:nvSpPr>
-          <p:cNvPr id="207" name="Google Shape;207;p17"/>
+          <p:cNvPr id="163" name="Google Shape;163;p7"/>
           <p:cNvSpPr txBox="1"/>
           <p:nvPr/>
         </p:nvSpPr>
@@ -18019,7 +14498,7 @@
       </p:sp>
       <p:sp>
         <p:nvSpPr>
-          <p:cNvPr id="208" name="Google Shape;208;p17"/>
+          <p:cNvPr id="164" name="Google Shape;164;p7"/>
           <p:cNvSpPr txBox="1"/>
           <p:nvPr/>
         </p:nvSpPr>
@@ -18097,7 +14576,7 @@
       </p:sp>
       <p:sp>
         <p:nvSpPr>
-          <p:cNvPr id="209" name="Google Shape;209;p17"/>
+          <p:cNvPr id="165" name="Google Shape;165;p7"/>
           <p:cNvSpPr txBox="1"/>
           <p:nvPr/>
         </p:nvSpPr>
@@ -18175,7 +14654,7 @@
       </p:sp>
       <p:sp>
         <p:nvSpPr>
-          <p:cNvPr id="210" name="Google Shape;210;p17"/>
+          <p:cNvPr id="166" name="Google Shape;166;p7"/>
           <p:cNvSpPr txBox="1"/>
           <p:nvPr/>
         </p:nvSpPr>
@@ -18253,7 +14732,7 @@
       </p:sp>
       <p:sp>
         <p:nvSpPr>
-          <p:cNvPr id="211" name="Google Shape;211;p17"/>
+          <p:cNvPr id="167" name="Google Shape;167;p7"/>
           <p:cNvSpPr txBox="1"/>
           <p:nvPr/>
         </p:nvSpPr>
@@ -18331,7 +14810,7 @@
       </p:sp>
       <p:sp>
         <p:nvSpPr>
-          <p:cNvPr id="212" name="Google Shape;212;p17"/>
+          <p:cNvPr id="168" name="Google Shape;168;p7"/>
           <p:cNvSpPr txBox="1"/>
           <p:nvPr/>
         </p:nvSpPr>
@@ -18409,7 +14888,7 @@
       </p:sp>
       <p:sp>
         <p:nvSpPr>
-          <p:cNvPr id="213" name="Google Shape;213;p17"/>
+          <p:cNvPr id="169" name="Google Shape;169;p7"/>
           <p:cNvSpPr txBox="1"/>
           <p:nvPr/>
         </p:nvSpPr>
@@ -18487,7 +14966,7 @@
       </p:sp>
       <p:sp>
         <p:nvSpPr>
-          <p:cNvPr id="214" name="Google Shape;214;p17"/>
+          <p:cNvPr id="170" name="Google Shape;170;p7"/>
           <p:cNvSpPr txBox="1"/>
           <p:nvPr/>
         </p:nvSpPr>
@@ -18565,7 +15044,7 @@
       </p:sp>
       <p:sp>
         <p:nvSpPr>
-          <p:cNvPr id="215" name="Google Shape;215;p17"/>
+          <p:cNvPr id="171" name="Google Shape;171;p7"/>
           <p:cNvSpPr txBox="1"/>
           <p:nvPr/>
         </p:nvSpPr>
@@ -18643,7 +15122,7 @@
       </p:sp>
       <p:sp>
         <p:nvSpPr>
-          <p:cNvPr id="216" name="Google Shape;216;p17"/>
+          <p:cNvPr id="172" name="Google Shape;172;p7"/>
           <p:cNvSpPr txBox="1"/>
           <p:nvPr/>
         </p:nvSpPr>
@@ -18721,7 +15200,7 @@
       </p:sp>
       <p:grpSp>
         <p:nvGrpSpPr>
-          <p:cNvPr id="217" name="Google Shape;217;p17"/>
+          <p:cNvPr id="173" name="Google Shape;173;p7"/>
           <p:cNvGrpSpPr/>
           <p:nvPr/>
         </p:nvGrpSpPr>
@@ -18735,7 +15214,7 @@
         </p:grpSpPr>
         <p:sp>
           <p:nvSpPr>
-            <p:cNvPr id="218" name="Google Shape;218;p17"/>
+            <p:cNvPr id="174" name="Google Shape;174;p7"/>
             <p:cNvSpPr txBox="1"/>
             <p:nvPr/>
           </p:nvSpPr>
@@ -18824,7 +15303,7 @@
         </p:sp>
         <p:sp>
           <p:nvSpPr>
-            <p:cNvPr id="219" name="Google Shape;219;p17"/>
+            <p:cNvPr id="175" name="Google Shape;175;p7"/>
             <p:cNvSpPr txBox="1"/>
             <p:nvPr/>
           </p:nvSpPr>
@@ -18913,7 +15392,7 @@
         </p:sp>
         <p:sp>
           <p:nvSpPr>
-            <p:cNvPr id="220" name="Google Shape;220;p17"/>
+            <p:cNvPr id="176" name="Google Shape;176;p7"/>
             <p:cNvSpPr txBox="1"/>
             <p:nvPr/>
           </p:nvSpPr>
@@ -19002,7 +15481,7 @@
         </p:sp>
         <p:sp>
           <p:nvSpPr>
-            <p:cNvPr id="221" name="Google Shape;221;p17"/>
+            <p:cNvPr id="177" name="Google Shape;177;p7"/>
             <p:cNvSpPr txBox="1"/>
             <p:nvPr/>
           </p:nvSpPr>
@@ -19091,7 +15570,7 @@
         </p:sp>
         <p:sp>
           <p:nvSpPr>
-            <p:cNvPr id="222" name="Google Shape;222;p17"/>
+            <p:cNvPr id="178" name="Google Shape;178;p7"/>
             <p:cNvSpPr txBox="1"/>
             <p:nvPr/>
           </p:nvSpPr>
@@ -19181,7 +15660,7 @@
       </p:grpSp>
       <p:sp>
         <p:nvSpPr>
-          <p:cNvPr id="223" name="Google Shape;223;p17"/>
+          <p:cNvPr id="179" name="Google Shape;179;p7"/>
           <p:cNvSpPr txBox="1"/>
           <p:nvPr/>
         </p:nvSpPr>
@@ -19236,7 +15715,7 @@
       </p:sp>
       <p:sp>
         <p:nvSpPr>
-          <p:cNvPr id="224" name="Google Shape;224;p17"/>
+          <p:cNvPr id="180" name="Google Shape;180;p7"/>
           <p:cNvSpPr txBox="1"/>
           <p:nvPr/>
         </p:nvSpPr>
@@ -19299,7 +15778,7 @@
       </p:sp>
       <p:sp>
         <p:nvSpPr>
-          <p:cNvPr id="225" name="Google Shape;225;p17"/>
+          <p:cNvPr id="181" name="Google Shape;181;p7"/>
           <p:cNvSpPr txBox="1"/>
           <p:nvPr/>
         </p:nvSpPr>
@@ -19377,7 +15856,7 @@
       </p:sp>
       <p:sp>
         <p:nvSpPr>
-          <p:cNvPr id="226" name="Google Shape;226;p17"/>
+          <p:cNvPr id="182" name="Google Shape;182;p7"/>
           <p:cNvSpPr txBox="1"/>
           <p:nvPr/>
         </p:nvSpPr>
@@ -19455,7 +15934,7 @@
       </p:sp>
       <p:sp>
         <p:nvSpPr>
-          <p:cNvPr id="227" name="Google Shape;227;p17"/>
+          <p:cNvPr id="183" name="Google Shape;183;p7"/>
           <p:cNvSpPr txBox="1"/>
           <p:nvPr/>
         </p:nvSpPr>
@@ -19533,7 +16012,7 @@
       </p:sp>
       <p:sp>
         <p:nvSpPr>
-          <p:cNvPr id="228" name="Google Shape;228;p17"/>
+          <p:cNvPr id="184" name="Google Shape;184;p7"/>
           <p:cNvSpPr txBox="1"/>
           <p:nvPr/>
         </p:nvSpPr>
@@ -19611,7 +16090,7 @@
       </p:sp>
       <p:sp>
         <p:nvSpPr>
-          <p:cNvPr id="229" name="Google Shape;229;p17"/>
+          <p:cNvPr id="185" name="Google Shape;185;p7"/>
           <p:cNvSpPr txBox="1"/>
           <p:nvPr/>
         </p:nvSpPr>
@@ -19689,7 +16168,7 @@
       </p:sp>
       <p:grpSp>
         <p:nvGrpSpPr>
-          <p:cNvPr id="230" name="Google Shape;230;p17"/>
+          <p:cNvPr id="186" name="Google Shape;186;p7"/>
           <p:cNvGrpSpPr/>
           <p:nvPr/>
         </p:nvGrpSpPr>
@@ -19701,163 +16180,176 @@
             <a:chExt cx="10692000" cy="465069"/>
           </a:xfrm>
         </p:grpSpPr>
-        <p:sp>
-          <p:nvSpPr>
-            <p:cNvPr id="231" name="Google Shape;231;p17"/>
-            <p:cNvSpPr/>
+        <p:grpSp>
+          <p:nvGrpSpPr>
+            <p:cNvPr id="187" name="Google Shape;187;p7"/>
+            <p:cNvGrpSpPr/>
             <p:nvPr/>
-          </p:nvSpPr>
-          <p:spPr>
+          </p:nvGrpSpPr>
+          <p:grpSpPr>
             <a:xfrm>
-              <a:off x="0" y="7094850"/>
-              <a:ext cx="10692000" cy="465000"/>
+              <a:off x="0" y="7094781"/>
+              <a:ext cx="10692000" cy="465069"/>
+              <a:chOff x="0" y="7094781"/>
+              <a:chExt cx="10692000" cy="465069"/>
             </a:xfrm>
-            <a:prstGeom prst="rect">
-              <a:avLst/>
-            </a:prstGeom>
-            <a:solidFill>
-              <a:srgbClr val="FFFFFF"/>
-            </a:solidFill>
-            <a:ln>
+          </p:grpSpPr>
+          <p:sp>
+            <p:nvSpPr>
+              <p:cNvPr id="188" name="Google Shape;188;p7"/>
+              <p:cNvSpPr/>
+              <p:nvPr/>
+            </p:nvSpPr>
+            <p:spPr>
+              <a:xfrm>
+                <a:off x="0" y="7094850"/>
+                <a:ext cx="10692000" cy="465000"/>
+              </a:xfrm>
+              <a:prstGeom prst="rect">
+                <a:avLst/>
+              </a:prstGeom>
+              <a:solidFill>
+                <a:srgbClr val="FFFFFF"/>
+              </a:solidFill>
+              <a:ln>
+                <a:noFill/>
+              </a:ln>
+            </p:spPr>
+            <p:txBody>
+              <a:bodyPr anchorCtr="0" anchor="ctr" bIns="91425" lIns="91425" spcFirstLastPara="1" rIns="91425" wrap="square" tIns="91425">
+                <a:noAutofit/>
+              </a:bodyPr>
+              <a:lstStyle/>
+              <a:p>
+                <a:pPr indent="0" lvl="0" marL="0" rtl="0" algn="l">
+                  <a:spcBef>
+                    <a:spcPts val="0"/>
+                  </a:spcBef>
+                  <a:spcAft>
+                    <a:spcPts val="0"/>
+                  </a:spcAft>
+                  <a:buNone/>
+                </a:pPr>
+                <a:r>
+                  <a:t/>
+                </a:r>
+                <a:endParaRPr/>
+              </a:p>
+            </p:txBody>
+          </p:sp>
+          <p:sp>
+            <p:nvSpPr>
+              <p:cNvPr id="189" name="Google Shape;189;p7"/>
+              <p:cNvSpPr txBox="1"/>
+              <p:nvPr/>
+            </p:nvSpPr>
+            <p:spPr>
+              <a:xfrm>
+                <a:off x="514889" y="7198197"/>
+                <a:ext cx="4216500" cy="266400"/>
+              </a:xfrm>
+              <a:prstGeom prst="rect">
+                <a:avLst/>
+              </a:prstGeom>
               <a:noFill/>
-            </a:ln>
-          </p:spPr>
-          <p:txBody>
-            <a:bodyPr anchorCtr="0" anchor="ctr" bIns="91425" lIns="91425" spcFirstLastPara="1" rIns="91425" wrap="square" tIns="91425">
-              <a:noAutofit/>
-            </a:bodyPr>
-            <a:lstStyle/>
-            <a:p>
-              <a:pPr indent="0" lvl="0" marL="0" rtl="0" algn="l">
-                <a:spcBef>
-                  <a:spcPts val="0"/>
-                </a:spcBef>
-                <a:spcAft>
-                  <a:spcPts val="0"/>
-                </a:spcAft>
-                <a:buNone/>
-              </a:pPr>
-              <a:r>
-                <a:t/>
-              </a:r>
-              <a:endParaRPr/>
-            </a:p>
-          </p:txBody>
-        </p:sp>
-        <p:sp>
-          <p:nvSpPr>
-            <p:cNvPr id="232" name="Google Shape;232;p17"/>
-            <p:cNvSpPr txBox="1"/>
-            <p:nvPr/>
-          </p:nvSpPr>
-          <p:spPr>
-            <a:xfrm>
-              <a:off x="514889" y="7198197"/>
-              <a:ext cx="4216500" cy="266400"/>
-            </a:xfrm>
-            <a:prstGeom prst="rect">
-              <a:avLst/>
-            </a:prstGeom>
-            <a:noFill/>
-            <a:ln>
-              <a:noFill/>
-            </a:ln>
-          </p:spPr>
-          <p:txBody>
-            <a:bodyPr anchorCtr="0" anchor="b" bIns="92475" lIns="92475" spcFirstLastPara="1" rIns="92475" wrap="square" tIns="92475">
-              <a:noAutofit/>
-            </a:bodyPr>
-            <a:lstStyle/>
-            <a:p>
-              <a:pPr indent="0" lvl="0" marL="0" rtl="0" algn="l">
-                <a:spcBef>
-                  <a:spcPts val="0"/>
-                </a:spcBef>
-                <a:spcAft>
-                  <a:spcPts val="0"/>
-                </a:spcAft>
-                <a:buNone/>
-              </a:pPr>
-              <a:r>
-                <a:t/>
-              </a:r>
-              <a:endParaRPr b="1" sz="600">
-                <a:solidFill>
-                  <a:srgbClr val="000000"/>
-                </a:solidFill>
-                <a:latin typeface="IBM Plex Sans"/>
-                <a:ea typeface="IBM Plex Sans"/>
-                <a:cs typeface="IBM Plex Sans"/>
-                <a:sym typeface="IBM Plex Sans"/>
-              </a:endParaRPr>
-            </a:p>
-            <a:p>
-              <a:pPr indent="0" lvl="0" marL="0" rtl="0" algn="l">
-                <a:spcBef>
-                  <a:spcPts val="0"/>
-                </a:spcBef>
-                <a:spcAft>
-                  <a:spcPts val="0"/>
-                </a:spcAft>
-                <a:buNone/>
-              </a:pPr>
-              <a:r>
-                <a:t/>
-              </a:r>
-              <a:endParaRPr b="1" sz="600">
-                <a:solidFill>
-                  <a:srgbClr val="000000"/>
-                </a:solidFill>
-                <a:latin typeface="IBM Plex Sans"/>
-                <a:ea typeface="IBM Plex Sans"/>
-                <a:cs typeface="IBM Plex Sans"/>
-                <a:sym typeface="IBM Plex Sans"/>
-              </a:endParaRPr>
-            </a:p>
-            <a:p>
-              <a:pPr indent="0" lvl="0" marL="0" rtl="0" algn="l">
-                <a:spcBef>
-                  <a:spcPts val="0"/>
-                </a:spcBef>
-                <a:spcAft>
-                  <a:spcPts val="0"/>
-                </a:spcAft>
-                <a:buNone/>
-              </a:pPr>
-              <a:r>
-                <a:t/>
-              </a:r>
-              <a:endParaRPr b="1" sz="600">
-                <a:solidFill>
-                  <a:srgbClr val="000000"/>
-                </a:solidFill>
-                <a:latin typeface="IBM Plex Sans"/>
-                <a:ea typeface="IBM Plex Sans"/>
-                <a:cs typeface="IBM Plex Sans"/>
-                <a:sym typeface="IBM Plex Sans"/>
-              </a:endParaRPr>
-            </a:p>
-            <a:p>
-              <a:pPr indent="0" lvl="0" marL="0" rtl="0" algn="l">
-                <a:spcBef>
-                  <a:spcPts val="0"/>
-                </a:spcBef>
-                <a:spcAft>
-                  <a:spcPts val="0"/>
-                </a:spcAft>
-                <a:buNone/>
-              </a:pPr>
-              <a:r>
-                <a:rPr b="1" lang="en" sz="600">
+              <a:ln>
+                <a:noFill/>
+              </a:ln>
+            </p:spPr>
+            <p:txBody>
+              <a:bodyPr anchorCtr="0" anchor="b" bIns="92475" lIns="92475" spcFirstLastPara="1" rIns="92475" wrap="square" tIns="92475">
+                <a:noAutofit/>
+              </a:bodyPr>
+              <a:lstStyle/>
+              <a:p>
+                <a:pPr indent="0" lvl="0" marL="0" rtl="0" algn="l">
+                  <a:spcBef>
+                    <a:spcPts val="0"/>
+                  </a:spcBef>
+                  <a:spcAft>
+                    <a:spcPts val="0"/>
+                  </a:spcAft>
+                  <a:buNone/>
+                </a:pPr>
+                <a:r>
+                  <a:t/>
+                </a:r>
+                <a:endParaRPr b="1" sz="600">
+                  <a:solidFill>
+                    <a:srgbClr val="000000"/>
+                  </a:solidFill>
                   <a:latin typeface="IBM Plex Sans"/>
                   <a:ea typeface="IBM Plex Sans"/>
                   <a:cs typeface="IBM Plex Sans"/>
                   <a:sym typeface="IBM Plex Sans"/>
-                </a:rPr>
-                <a:t>FINANCIAL INNOVATION LAB</a:t>
-              </a:r>
-              <a:r>
-                <a:rPr b="1" lang="en" sz="600">
+                </a:endParaRPr>
+              </a:p>
+              <a:p>
+                <a:pPr indent="0" lvl="0" marL="0" rtl="0" algn="l">
+                  <a:spcBef>
+                    <a:spcPts val="0"/>
+                  </a:spcBef>
+                  <a:spcAft>
+                    <a:spcPts val="0"/>
+                  </a:spcAft>
+                  <a:buNone/>
+                </a:pPr>
+                <a:r>
+                  <a:t/>
+                </a:r>
+                <a:endParaRPr b="1" sz="600">
+                  <a:solidFill>
+                    <a:srgbClr val="000000"/>
+                  </a:solidFill>
+                  <a:latin typeface="IBM Plex Sans"/>
+                  <a:ea typeface="IBM Plex Sans"/>
+                  <a:cs typeface="IBM Plex Sans"/>
+                  <a:sym typeface="IBM Plex Sans"/>
+                </a:endParaRPr>
+              </a:p>
+              <a:p>
+                <a:pPr indent="0" lvl="0" marL="0" rtl="0" algn="l">
+                  <a:spcBef>
+                    <a:spcPts val="0"/>
+                  </a:spcBef>
+                  <a:spcAft>
+                    <a:spcPts val="0"/>
+                  </a:spcAft>
+                  <a:buNone/>
+                </a:pPr>
+                <a:r>
+                  <a:t/>
+                </a:r>
+                <a:endParaRPr b="1" sz="600">
+                  <a:solidFill>
+                    <a:srgbClr val="000000"/>
+                  </a:solidFill>
+                  <a:latin typeface="IBM Plex Sans"/>
+                  <a:ea typeface="IBM Plex Sans"/>
+                  <a:cs typeface="IBM Plex Sans"/>
+                  <a:sym typeface="IBM Plex Sans"/>
+                </a:endParaRPr>
+              </a:p>
+              <a:p>
+                <a:pPr indent="0" lvl="0" marL="0" rtl="0" algn="l">
+                  <a:spcBef>
+                    <a:spcPts val="0"/>
+                  </a:spcBef>
+                  <a:spcAft>
+                    <a:spcPts val="0"/>
+                  </a:spcAft>
+                  <a:buNone/>
+                </a:pPr>
+                <a:r>
+                  <a:rPr b="1" lang="en" sz="600">
+                    <a:latin typeface="IBM Plex Sans"/>
+                    <a:ea typeface="IBM Plex Sans"/>
+                    <a:cs typeface="IBM Plex Sans"/>
+                    <a:sym typeface="IBM Plex Sans"/>
+                  </a:rPr>
+                  <a:t>THE FINLAB TOOLKIT</a:t>
+                </a:r>
+                <a:endParaRPr b="1" sz="600">
                   <a:solidFill>
                     <a:srgbClr val="3C78D8"/>
                   </a:solidFill>
@@ -19865,38 +16357,13 @@
                   <a:ea typeface="IBM Plex Sans"/>
                   <a:cs typeface="IBM Plex Sans"/>
                   <a:sym typeface="IBM Plex Sans"/>
-                </a:rPr>
-                <a:t> | BOOTCAMP ONE </a:t>
-              </a:r>
-              <a:endParaRPr b="1" sz="600">
-                <a:solidFill>
-                  <a:srgbClr val="3C78D8"/>
-                </a:solidFill>
-                <a:latin typeface="IBM Plex Sans"/>
-                <a:ea typeface="IBM Plex Sans"/>
-                <a:cs typeface="IBM Plex Sans"/>
-                <a:sym typeface="IBM Plex Sans"/>
-              </a:endParaRPr>
-            </a:p>
-          </p:txBody>
-        </p:sp>
-        <p:grpSp>
-          <p:nvGrpSpPr>
-            <p:cNvPr id="233" name="Google Shape;233;p17"/>
-            <p:cNvGrpSpPr/>
-            <p:nvPr/>
-          </p:nvGrpSpPr>
-          <p:grpSpPr>
-            <a:xfrm>
-              <a:off x="7712143" y="7094781"/>
-              <a:ext cx="2412328" cy="430321"/>
-              <a:chOff x="5831433" y="6857683"/>
-              <a:chExt cx="4631966" cy="815774"/>
-            </a:xfrm>
-          </p:grpSpPr>
+                </a:endParaRPr>
+              </a:p>
+            </p:txBody>
+          </p:sp>
           <p:pic>
             <p:nvPicPr>
-              <p:cNvPr id="234" name="Google Shape;234;p17"/>
+              <p:cNvPr id="190" name="Google Shape;190;p7"/>
               <p:cNvPicPr preferRelativeResize="0"/>
               <p:nvPr/>
             </p:nvPicPr>
@@ -19910,63 +16377,8 @@
             </p:blipFill>
             <p:spPr>
               <a:xfrm>
-                <a:off x="9513825" y="6857683"/>
-                <a:ext cx="949574" cy="815774"/>
-              </a:xfrm>
-              <a:prstGeom prst="rect">
-                <a:avLst/>
-              </a:prstGeom>
-              <a:noFill/>
-              <a:ln>
-                <a:noFill/>
-              </a:ln>
-            </p:spPr>
-          </p:pic>
-          <p:pic>
-            <p:nvPicPr>
-              <p:cNvPr id="235" name="Google Shape;235;p17"/>
-              <p:cNvPicPr preferRelativeResize="0"/>
-              <p:nvPr/>
-            </p:nvPicPr>
-            <p:blipFill>
-              <a:blip r:embed="rId4">
-                <a:alphaModFix/>
-              </a:blip>
-              <a:stretch>
-                <a:fillRect/>
-              </a:stretch>
-            </p:blipFill>
-            <p:spPr>
-              <a:xfrm>
-                <a:off x="5831433" y="7117645"/>
-                <a:ext cx="1933325" cy="446407"/>
-              </a:xfrm>
-              <a:prstGeom prst="rect">
-                <a:avLst/>
-              </a:prstGeom>
-              <a:noFill/>
-              <a:ln>
-                <a:noFill/>
-              </a:ln>
-            </p:spPr>
-          </p:pic>
-          <p:pic>
-            <p:nvPicPr>
-              <p:cNvPr id="236" name="Google Shape;236;p17"/>
-              <p:cNvPicPr preferRelativeResize="0"/>
-              <p:nvPr/>
-            </p:nvPicPr>
-            <p:blipFill rotWithShape="1">
-              <a:blip r:embed="rId5">
-                <a:alphaModFix/>
-              </a:blip>
-              <a:srcRect b="23935" l="18913" r="10250" t="28704"/>
-              <a:stretch/>
-            </p:blipFill>
-            <p:spPr>
-              <a:xfrm>
-                <a:off x="8144179" y="7097827"/>
-                <a:ext cx="990224" cy="393901"/>
+                <a:off x="9629932" y="7094781"/>
+                <a:ext cx="494539" cy="430321"/>
               </a:xfrm>
               <a:prstGeom prst="rect">
                 <a:avLst/>
@@ -19978,6 +16390,34 @@
             </p:spPr>
           </p:pic>
         </p:grpSp>
+        <p:pic>
+          <p:nvPicPr>
+            <p:cNvPr id="191" name="Google Shape;191;p7"/>
+            <p:cNvPicPr preferRelativeResize="0"/>
+            <p:nvPr/>
+          </p:nvPicPr>
+          <p:blipFill>
+            <a:blip r:embed="rId4">
+              <a:alphaModFix/>
+            </a:blip>
+            <a:stretch>
+              <a:fillRect/>
+            </a:stretch>
+          </p:blipFill>
+          <p:spPr>
+            <a:xfrm>
+              <a:off x="8553150" y="7165073"/>
+              <a:ext cx="1013800" cy="354000"/>
+            </a:xfrm>
+            <a:prstGeom prst="rect">
+              <a:avLst/>
+            </a:prstGeom>
+            <a:noFill/>
+            <a:ln>
+              <a:noFill/>
+            </a:ln>
+          </p:spPr>
+        </p:pic>
       </p:grpSp>
     </p:spTree>
   </p:cSld>
@@ -19992,7 +16432,7 @@
   <p:cSld>
     <p:spTree>
       <p:nvGrpSpPr>
-        <p:cNvPr id="240" name="Shape 240"/>
+        <p:cNvPr id="195" name="Shape 195"/>
         <p:cNvGrpSpPr/>
         <p:nvPr/>
       </p:nvGrpSpPr>
@@ -20006,7 +16446,7 @@
       </p:grpSpPr>
       <p:sp>
         <p:nvSpPr>
-          <p:cNvPr id="241" name="Google Shape;241;p18"/>
+          <p:cNvPr id="196" name="Google Shape;196;p8"/>
           <p:cNvSpPr txBox="1"/>
           <p:nvPr>
             <p:ph type="title"/>
@@ -20168,7 +16608,7 @@
       </p:sp>
       <p:pic>
         <p:nvPicPr>
-          <p:cNvPr id="242" name="Google Shape;242;p18"/>
+          <p:cNvPr id="197" name="Google Shape;197;p8"/>
           <p:cNvPicPr preferRelativeResize="0"/>
           <p:nvPr/>
         </p:nvPicPr>
@@ -20195,7 +16635,7 @@
       </p:pic>
       <p:pic>
         <p:nvPicPr>
-          <p:cNvPr id="243" name="Google Shape;243;p18"/>
+          <p:cNvPr id="198" name="Google Shape;198;p8"/>
           <p:cNvPicPr preferRelativeResize="0"/>
           <p:nvPr/>
         </p:nvPicPr>
@@ -20222,7 +16662,7 @@
       </p:pic>
       <p:pic>
         <p:nvPicPr>
-          <p:cNvPr id="244" name="Google Shape;244;p18"/>
+          <p:cNvPr id="199" name="Google Shape;199;p8"/>
           <p:cNvPicPr preferRelativeResize="0"/>
           <p:nvPr/>
         </p:nvPicPr>
@@ -20249,7 +16689,7 @@
       </p:pic>
       <p:pic>
         <p:nvPicPr>
-          <p:cNvPr id="245" name="Google Shape;245;p18"/>
+          <p:cNvPr id="200" name="Google Shape;200;p8"/>
           <p:cNvPicPr preferRelativeResize="0"/>
           <p:nvPr/>
         </p:nvPicPr>
@@ -20276,7 +16716,7 @@
       </p:pic>
       <p:pic>
         <p:nvPicPr>
-          <p:cNvPr id="246" name="Google Shape;246;p18"/>
+          <p:cNvPr id="201" name="Google Shape;201;p8"/>
           <p:cNvPicPr preferRelativeResize="0"/>
           <p:nvPr/>
         </p:nvPicPr>
@@ -20303,7 +16743,7 @@
       </p:pic>
       <p:pic>
         <p:nvPicPr>
-          <p:cNvPr id="247" name="Google Shape;247;p18"/>
+          <p:cNvPr id="202" name="Google Shape;202;p8"/>
           <p:cNvPicPr preferRelativeResize="0"/>
           <p:nvPr/>
         </p:nvPicPr>
@@ -20330,7 +16770,7 @@
       </p:pic>
       <p:pic>
         <p:nvPicPr>
-          <p:cNvPr id="248" name="Google Shape;248;p18"/>
+          <p:cNvPr id="203" name="Google Shape;203;p8"/>
           <p:cNvPicPr preferRelativeResize="0"/>
           <p:nvPr/>
         </p:nvPicPr>
@@ -20357,7 +16797,7 @@
       </p:pic>
       <p:pic>
         <p:nvPicPr>
-          <p:cNvPr id="249" name="Google Shape;249;p18"/>
+          <p:cNvPr id="204" name="Google Shape;204;p8"/>
           <p:cNvPicPr preferRelativeResize="0"/>
           <p:nvPr/>
         </p:nvPicPr>
@@ -20384,7 +16824,7 @@
       </p:pic>
       <p:grpSp>
         <p:nvGrpSpPr>
-          <p:cNvPr id="250" name="Google Shape;250;p18"/>
+          <p:cNvPr id="205" name="Google Shape;205;p8"/>
           <p:cNvGrpSpPr/>
           <p:nvPr/>
         </p:nvGrpSpPr>
@@ -20396,163 +16836,176 @@
             <a:chExt cx="10692000" cy="465069"/>
           </a:xfrm>
         </p:grpSpPr>
-        <p:sp>
-          <p:nvSpPr>
-            <p:cNvPr id="251" name="Google Shape;251;p18"/>
-            <p:cNvSpPr/>
+        <p:grpSp>
+          <p:nvGrpSpPr>
+            <p:cNvPr id="206" name="Google Shape;206;p8"/>
+            <p:cNvGrpSpPr/>
             <p:nvPr/>
-          </p:nvSpPr>
-          <p:spPr>
+          </p:nvGrpSpPr>
+          <p:grpSpPr>
             <a:xfrm>
-              <a:off x="0" y="7094850"/>
-              <a:ext cx="10692000" cy="465000"/>
+              <a:off x="0" y="7094781"/>
+              <a:ext cx="10692000" cy="465069"/>
+              <a:chOff x="0" y="7094781"/>
+              <a:chExt cx="10692000" cy="465069"/>
             </a:xfrm>
-            <a:prstGeom prst="rect">
-              <a:avLst/>
-            </a:prstGeom>
-            <a:solidFill>
-              <a:srgbClr val="FFFFFF"/>
-            </a:solidFill>
-            <a:ln>
+          </p:grpSpPr>
+          <p:sp>
+            <p:nvSpPr>
+              <p:cNvPr id="207" name="Google Shape;207;p8"/>
+              <p:cNvSpPr/>
+              <p:nvPr/>
+            </p:nvSpPr>
+            <p:spPr>
+              <a:xfrm>
+                <a:off x="0" y="7094850"/>
+                <a:ext cx="10692000" cy="465000"/>
+              </a:xfrm>
+              <a:prstGeom prst="rect">
+                <a:avLst/>
+              </a:prstGeom>
+              <a:solidFill>
+                <a:srgbClr val="FFFFFF"/>
+              </a:solidFill>
+              <a:ln>
+                <a:noFill/>
+              </a:ln>
+            </p:spPr>
+            <p:txBody>
+              <a:bodyPr anchorCtr="0" anchor="ctr" bIns="91425" lIns="91425" spcFirstLastPara="1" rIns="91425" wrap="square" tIns="91425">
+                <a:noAutofit/>
+              </a:bodyPr>
+              <a:lstStyle/>
+              <a:p>
+                <a:pPr indent="0" lvl="0" marL="0" rtl="0" algn="l">
+                  <a:spcBef>
+                    <a:spcPts val="0"/>
+                  </a:spcBef>
+                  <a:spcAft>
+                    <a:spcPts val="0"/>
+                  </a:spcAft>
+                  <a:buNone/>
+                </a:pPr>
+                <a:r>
+                  <a:t/>
+                </a:r>
+                <a:endParaRPr/>
+              </a:p>
+            </p:txBody>
+          </p:sp>
+          <p:sp>
+            <p:nvSpPr>
+              <p:cNvPr id="208" name="Google Shape;208;p8"/>
+              <p:cNvSpPr txBox="1"/>
+              <p:nvPr/>
+            </p:nvSpPr>
+            <p:spPr>
+              <a:xfrm>
+                <a:off x="514889" y="7198197"/>
+                <a:ext cx="4216500" cy="266400"/>
+              </a:xfrm>
+              <a:prstGeom prst="rect">
+                <a:avLst/>
+              </a:prstGeom>
               <a:noFill/>
-            </a:ln>
-          </p:spPr>
-          <p:txBody>
-            <a:bodyPr anchorCtr="0" anchor="ctr" bIns="91425" lIns="91425" spcFirstLastPara="1" rIns="91425" wrap="square" tIns="91425">
-              <a:noAutofit/>
-            </a:bodyPr>
-            <a:lstStyle/>
-            <a:p>
-              <a:pPr indent="0" lvl="0" marL="0" rtl="0" algn="l">
-                <a:spcBef>
-                  <a:spcPts val="0"/>
-                </a:spcBef>
-                <a:spcAft>
-                  <a:spcPts val="0"/>
-                </a:spcAft>
-                <a:buNone/>
-              </a:pPr>
-              <a:r>
-                <a:t/>
-              </a:r>
-              <a:endParaRPr/>
-            </a:p>
-          </p:txBody>
-        </p:sp>
-        <p:sp>
-          <p:nvSpPr>
-            <p:cNvPr id="252" name="Google Shape;252;p18"/>
-            <p:cNvSpPr txBox="1"/>
-            <p:nvPr/>
-          </p:nvSpPr>
-          <p:spPr>
-            <a:xfrm>
-              <a:off x="514889" y="7198197"/>
-              <a:ext cx="4216500" cy="266400"/>
-            </a:xfrm>
-            <a:prstGeom prst="rect">
-              <a:avLst/>
-            </a:prstGeom>
-            <a:noFill/>
-            <a:ln>
-              <a:noFill/>
-            </a:ln>
-          </p:spPr>
-          <p:txBody>
-            <a:bodyPr anchorCtr="0" anchor="b" bIns="92475" lIns="92475" spcFirstLastPara="1" rIns="92475" wrap="square" tIns="92475">
-              <a:noAutofit/>
-            </a:bodyPr>
-            <a:lstStyle/>
-            <a:p>
-              <a:pPr indent="0" lvl="0" marL="0" rtl="0" algn="l">
-                <a:spcBef>
-                  <a:spcPts val="0"/>
-                </a:spcBef>
-                <a:spcAft>
-                  <a:spcPts val="0"/>
-                </a:spcAft>
-                <a:buNone/>
-              </a:pPr>
-              <a:r>
-                <a:t/>
-              </a:r>
-              <a:endParaRPr b="1" sz="600">
-                <a:solidFill>
-                  <a:srgbClr val="000000"/>
-                </a:solidFill>
-                <a:latin typeface="IBM Plex Sans"/>
-                <a:ea typeface="IBM Plex Sans"/>
-                <a:cs typeface="IBM Plex Sans"/>
-                <a:sym typeface="IBM Plex Sans"/>
-              </a:endParaRPr>
-            </a:p>
-            <a:p>
-              <a:pPr indent="0" lvl="0" marL="0" rtl="0" algn="l">
-                <a:spcBef>
-                  <a:spcPts val="0"/>
-                </a:spcBef>
-                <a:spcAft>
-                  <a:spcPts val="0"/>
-                </a:spcAft>
-                <a:buNone/>
-              </a:pPr>
-              <a:r>
-                <a:t/>
-              </a:r>
-              <a:endParaRPr b="1" sz="600">
-                <a:solidFill>
-                  <a:srgbClr val="000000"/>
-                </a:solidFill>
-                <a:latin typeface="IBM Plex Sans"/>
-                <a:ea typeface="IBM Plex Sans"/>
-                <a:cs typeface="IBM Plex Sans"/>
-                <a:sym typeface="IBM Plex Sans"/>
-              </a:endParaRPr>
-            </a:p>
-            <a:p>
-              <a:pPr indent="0" lvl="0" marL="0" rtl="0" algn="l">
-                <a:spcBef>
-                  <a:spcPts val="0"/>
-                </a:spcBef>
-                <a:spcAft>
-                  <a:spcPts val="0"/>
-                </a:spcAft>
-                <a:buNone/>
-              </a:pPr>
-              <a:r>
-                <a:t/>
-              </a:r>
-              <a:endParaRPr b="1" sz="600">
-                <a:solidFill>
-                  <a:srgbClr val="000000"/>
-                </a:solidFill>
-                <a:latin typeface="IBM Plex Sans"/>
-                <a:ea typeface="IBM Plex Sans"/>
-                <a:cs typeface="IBM Plex Sans"/>
-                <a:sym typeface="IBM Plex Sans"/>
-              </a:endParaRPr>
-            </a:p>
-            <a:p>
-              <a:pPr indent="0" lvl="0" marL="0" rtl="0" algn="l">
-                <a:spcBef>
-                  <a:spcPts val="0"/>
-                </a:spcBef>
-                <a:spcAft>
-                  <a:spcPts val="0"/>
-                </a:spcAft>
-                <a:buNone/>
-              </a:pPr>
-              <a:r>
-                <a:rPr b="1" lang="en" sz="600">
+              <a:ln>
+                <a:noFill/>
+              </a:ln>
+            </p:spPr>
+            <p:txBody>
+              <a:bodyPr anchorCtr="0" anchor="b" bIns="92475" lIns="92475" spcFirstLastPara="1" rIns="92475" wrap="square" tIns="92475">
+                <a:noAutofit/>
+              </a:bodyPr>
+              <a:lstStyle/>
+              <a:p>
+                <a:pPr indent="0" lvl="0" marL="0" rtl="0" algn="l">
+                  <a:spcBef>
+                    <a:spcPts val="0"/>
+                  </a:spcBef>
+                  <a:spcAft>
+                    <a:spcPts val="0"/>
+                  </a:spcAft>
+                  <a:buNone/>
+                </a:pPr>
+                <a:r>
+                  <a:t/>
+                </a:r>
+                <a:endParaRPr b="1" sz="600">
+                  <a:solidFill>
+                    <a:srgbClr val="000000"/>
+                  </a:solidFill>
                   <a:latin typeface="IBM Plex Sans"/>
                   <a:ea typeface="IBM Plex Sans"/>
                   <a:cs typeface="IBM Plex Sans"/>
                   <a:sym typeface="IBM Plex Sans"/>
-                </a:rPr>
-                <a:t>FINANCIAL INNOVATION LAB</a:t>
-              </a:r>
-              <a:r>
-                <a:rPr b="1" lang="en" sz="600">
+                </a:endParaRPr>
+              </a:p>
+              <a:p>
+                <a:pPr indent="0" lvl="0" marL="0" rtl="0" algn="l">
+                  <a:spcBef>
+                    <a:spcPts val="0"/>
+                  </a:spcBef>
+                  <a:spcAft>
+                    <a:spcPts val="0"/>
+                  </a:spcAft>
+                  <a:buNone/>
+                </a:pPr>
+                <a:r>
+                  <a:t/>
+                </a:r>
+                <a:endParaRPr b="1" sz="600">
+                  <a:solidFill>
+                    <a:srgbClr val="000000"/>
+                  </a:solidFill>
+                  <a:latin typeface="IBM Plex Sans"/>
+                  <a:ea typeface="IBM Plex Sans"/>
+                  <a:cs typeface="IBM Plex Sans"/>
+                  <a:sym typeface="IBM Plex Sans"/>
+                </a:endParaRPr>
+              </a:p>
+              <a:p>
+                <a:pPr indent="0" lvl="0" marL="0" rtl="0" algn="l">
+                  <a:spcBef>
+                    <a:spcPts val="0"/>
+                  </a:spcBef>
+                  <a:spcAft>
+                    <a:spcPts val="0"/>
+                  </a:spcAft>
+                  <a:buNone/>
+                </a:pPr>
+                <a:r>
+                  <a:t/>
+                </a:r>
+                <a:endParaRPr b="1" sz="600">
+                  <a:solidFill>
+                    <a:srgbClr val="000000"/>
+                  </a:solidFill>
+                  <a:latin typeface="IBM Plex Sans"/>
+                  <a:ea typeface="IBM Plex Sans"/>
+                  <a:cs typeface="IBM Plex Sans"/>
+                  <a:sym typeface="IBM Plex Sans"/>
+                </a:endParaRPr>
+              </a:p>
+              <a:p>
+                <a:pPr indent="0" lvl="0" marL="0" rtl="0" algn="l">
+                  <a:spcBef>
+                    <a:spcPts val="0"/>
+                  </a:spcBef>
+                  <a:spcAft>
+                    <a:spcPts val="0"/>
+                  </a:spcAft>
+                  <a:buNone/>
+                </a:pPr>
+                <a:r>
+                  <a:rPr b="1" lang="en" sz="600">
+                    <a:latin typeface="IBM Plex Sans"/>
+                    <a:ea typeface="IBM Plex Sans"/>
+                    <a:cs typeface="IBM Plex Sans"/>
+                    <a:sym typeface="IBM Plex Sans"/>
+                  </a:rPr>
+                  <a:t>THE FINLAB TOOLKIT</a:t>
+                </a:r>
+                <a:endParaRPr b="1" sz="600">
                   <a:solidFill>
                     <a:srgbClr val="3C78D8"/>
                   </a:solidFill>
@@ -20560,38 +17013,13 @@
                   <a:ea typeface="IBM Plex Sans"/>
                   <a:cs typeface="IBM Plex Sans"/>
                   <a:sym typeface="IBM Plex Sans"/>
-                </a:rPr>
-                <a:t> | BOOTCAMP ONE </a:t>
-              </a:r>
-              <a:endParaRPr b="1" sz="600">
-                <a:solidFill>
-                  <a:srgbClr val="3C78D8"/>
-                </a:solidFill>
-                <a:latin typeface="IBM Plex Sans"/>
-                <a:ea typeface="IBM Plex Sans"/>
-                <a:cs typeface="IBM Plex Sans"/>
-                <a:sym typeface="IBM Plex Sans"/>
-              </a:endParaRPr>
-            </a:p>
-          </p:txBody>
-        </p:sp>
-        <p:grpSp>
-          <p:nvGrpSpPr>
-            <p:cNvPr id="253" name="Google Shape;253;p18"/>
-            <p:cNvGrpSpPr/>
-            <p:nvPr/>
-          </p:nvGrpSpPr>
-          <p:grpSpPr>
-            <a:xfrm>
-              <a:off x="7712143" y="7094781"/>
-              <a:ext cx="2412328" cy="430321"/>
-              <a:chOff x="5831433" y="6857683"/>
-              <a:chExt cx="4631966" cy="815774"/>
-            </a:xfrm>
-          </p:grpSpPr>
+                </a:endParaRPr>
+              </a:p>
+            </p:txBody>
+          </p:sp>
           <p:pic>
             <p:nvPicPr>
-              <p:cNvPr id="254" name="Google Shape;254;p18"/>
+              <p:cNvPr id="209" name="Google Shape;209;p8"/>
               <p:cNvPicPr preferRelativeResize="0"/>
               <p:nvPr/>
             </p:nvPicPr>
@@ -20605,63 +17033,8 @@
             </p:blipFill>
             <p:spPr>
               <a:xfrm>
-                <a:off x="9513825" y="6857683"/>
-                <a:ext cx="949574" cy="815774"/>
-              </a:xfrm>
-              <a:prstGeom prst="rect">
-                <a:avLst/>
-              </a:prstGeom>
-              <a:noFill/>
-              <a:ln>
-                <a:noFill/>
-              </a:ln>
-            </p:spPr>
-          </p:pic>
-          <p:pic>
-            <p:nvPicPr>
-              <p:cNvPr id="255" name="Google Shape;255;p18"/>
-              <p:cNvPicPr preferRelativeResize="0"/>
-              <p:nvPr/>
-            </p:nvPicPr>
-            <p:blipFill>
-              <a:blip r:embed="rId5">
-                <a:alphaModFix/>
-              </a:blip>
-              <a:stretch>
-                <a:fillRect/>
-              </a:stretch>
-            </p:blipFill>
-            <p:spPr>
-              <a:xfrm>
-                <a:off x="5831433" y="7117645"/>
-                <a:ext cx="1933325" cy="446407"/>
-              </a:xfrm>
-              <a:prstGeom prst="rect">
-                <a:avLst/>
-              </a:prstGeom>
-              <a:noFill/>
-              <a:ln>
-                <a:noFill/>
-              </a:ln>
-            </p:spPr>
-          </p:pic>
-          <p:pic>
-            <p:nvPicPr>
-              <p:cNvPr id="256" name="Google Shape;256;p18"/>
-              <p:cNvPicPr preferRelativeResize="0"/>
-              <p:nvPr/>
-            </p:nvPicPr>
-            <p:blipFill rotWithShape="1">
-              <a:blip r:embed="rId6">
-                <a:alphaModFix/>
-              </a:blip>
-              <a:srcRect b="23935" l="18913" r="10250" t="28704"/>
-              <a:stretch/>
-            </p:blipFill>
-            <p:spPr>
-              <a:xfrm>
-                <a:off x="8144179" y="7097827"/>
-                <a:ext cx="990224" cy="393901"/>
+                <a:off x="9629932" y="7094781"/>
+                <a:ext cx="494539" cy="430321"/>
               </a:xfrm>
               <a:prstGeom prst="rect">
                 <a:avLst/>
@@ -20673,6 +17046,34 @@
             </p:spPr>
           </p:pic>
         </p:grpSp>
+        <p:pic>
+          <p:nvPicPr>
+            <p:cNvPr id="210" name="Google Shape;210;p8"/>
+            <p:cNvPicPr preferRelativeResize="0"/>
+            <p:nvPr/>
+          </p:nvPicPr>
+          <p:blipFill>
+            <a:blip r:embed="rId5">
+              <a:alphaModFix/>
+            </a:blip>
+            <a:stretch>
+              <a:fillRect/>
+            </a:stretch>
+          </p:blipFill>
+          <p:spPr>
+            <a:xfrm>
+              <a:off x="8553150" y="7165073"/>
+              <a:ext cx="1013800" cy="354000"/>
+            </a:xfrm>
+            <a:prstGeom prst="rect">
+              <a:avLst/>
+            </a:prstGeom>
+            <a:noFill/>
+            <a:ln>
+              <a:noFill/>
+            </a:ln>
+          </p:spPr>
+        </p:pic>
       </p:grpSp>
     </p:spTree>
   </p:cSld>
